--- a/xlgs-python-in-excel-first-steps.pptx
+++ b/xlgs-python-in-excel-first-steps.pptx
@@ -5,51 +5,36 @@
     <p:sldMasterId id="2147483648" r:id="rId1"/>
   </p:sldMasterIdLst>
   <p:notesMasterIdLst>
-    <p:notesMasterId r:id="rId20"/>
+    <p:notesMasterId r:id="rId19"/>
   </p:notesMasterIdLst>
   <p:sldIdLst>
-    <p:sldId id="257" r:id="rId2"/>
-    <p:sldId id="358" r:id="rId3"/>
-    <p:sldId id="258" r:id="rId4"/>
-    <p:sldId id="362" r:id="rId5"/>
-    <p:sldId id="404" r:id="rId6"/>
-    <p:sldId id="407" r:id="rId7"/>
-    <p:sldId id="415" r:id="rId8"/>
-    <p:sldId id="405" r:id="rId9"/>
-    <p:sldId id="412" r:id="rId10"/>
-    <p:sldId id="414" r:id="rId11"/>
-    <p:sldId id="406" r:id="rId12"/>
-    <p:sldId id="409" r:id="rId13"/>
-    <p:sldId id="416" r:id="rId14"/>
-    <p:sldId id="420" r:id="rId15"/>
-    <p:sldId id="421" r:id="rId16"/>
-    <p:sldId id="422" r:id="rId17"/>
-    <p:sldId id="423" r:id="rId18"/>
-    <p:sldId id="417" r:id="rId19"/>
+    <p:sldId id="358" r:id="rId2"/>
+    <p:sldId id="258" r:id="rId3"/>
+    <p:sldId id="362" r:id="rId4"/>
+    <p:sldId id="404" r:id="rId5"/>
+    <p:sldId id="407" r:id="rId6"/>
+    <p:sldId id="415" r:id="rId7"/>
+    <p:sldId id="405" r:id="rId8"/>
+    <p:sldId id="412" r:id="rId9"/>
+    <p:sldId id="414" r:id="rId10"/>
+    <p:sldId id="406" r:id="rId11"/>
+    <p:sldId id="409" r:id="rId12"/>
+    <p:sldId id="416" r:id="rId13"/>
+    <p:sldId id="420" r:id="rId14"/>
+    <p:sldId id="421" r:id="rId15"/>
+    <p:sldId id="422" r:id="rId16"/>
+    <p:sldId id="423" r:id="rId17"/>
+    <p:sldId id="417" r:id="rId18"/>
   </p:sldIdLst>
   <p:sldSz cx="18288000" cy="10287000"/>
   <p:notesSz cx="6858000" cy="9144000"/>
   <p:embeddedFontLst>
     <p:embeddedFont>
       <p:font typeface="Consolas" panose="020B0609020204030204" pitchFamily="49" charset="0"/>
-      <p:regular r:id="rId21"/>
-      <p:bold r:id="rId22"/>
-      <p:italic r:id="rId23"/>
-      <p:boldItalic r:id="rId24"/>
-    </p:embeddedFont>
-    <p:embeddedFont>
-      <p:font typeface="Plus Jakarta Sans" panose="020B0604020202020204" charset="0"/>
-      <p:regular r:id="rId25"/>
-      <p:bold r:id="rId26"/>
-      <p:italic r:id="rId27"/>
-      <p:boldItalic r:id="rId28"/>
-    </p:embeddedFont>
-    <p:embeddedFont>
-      <p:font typeface="Roboto" panose="02000000000000000000" pitchFamily="2" charset="0"/>
-      <p:regular r:id="rId29"/>
-      <p:bold r:id="rId30"/>
-      <p:italic r:id="rId31"/>
-      <p:boldItalic r:id="rId32"/>
+      <p:regular r:id="rId20"/>
+      <p:bold r:id="rId21"/>
+      <p:italic r:id="rId22"/>
+      <p:boldItalic r:id="rId23"/>
     </p:embeddedFont>
   </p:embeddedFontLst>
   <p:defaultTextStyle>
@@ -266,7 +251,7 @@
           <a:p>
             <a:fld id="{17A98A70-FA8C-4354-959C-C70678AC9BCF}" type="datetimeFigureOut">
               <a:rPr lang="en-US" smtClean="0"/>
-              <a:t>1/4/2024</a:t>
+              <a:t>1/11/2024</a:t>
             </a:fld>
             <a:endParaRPr lang="en-US"/>
           </a:p>
@@ -534,11 +519,11 @@
 </file>
 
 <file path=ppt/notesSlides/notesSlide1.xml><?xml version="1.0" encoding="utf-8"?>
-<p:notes xmlns:a="http://schemas.openxmlformats.org/drawingml/2006/main" xmlns:r="http://schemas.openxmlformats.org/officeDocument/2006/relationships" xmlns:p="http://schemas.openxmlformats.org/presentationml/2006/main" showMasterSp="0" showMasterPhAnim="0">
+<p:notes xmlns:a="http://schemas.openxmlformats.org/drawingml/2006/main" xmlns:r="http://schemas.openxmlformats.org/officeDocument/2006/relationships" xmlns:p="http://schemas.openxmlformats.org/presentationml/2006/main">
   <p:cSld>
     <p:spTree>
       <p:nvGrpSpPr>
-        <p:cNvPr id="1" name="Shape 252"/>
+        <p:cNvPr id="1" name=""/>
         <p:cNvGrpSpPr/>
         <p:nvPr/>
       </p:nvGrpSpPr>
@@ -552,84 +537,64 @@
       </p:grpSpPr>
       <p:sp>
         <p:nvSpPr>
-          <p:cNvPr id="253" name="Google Shape;253;p2:notes"/>
-          <p:cNvSpPr txBox="1">
+          <p:cNvPr id="2" name="Slide Image Placeholder 1"/>
+          <p:cNvSpPr>
+            <a:spLocks noGrp="1" noRot="1" noChangeAspect="1"/>
+          </p:cNvSpPr>
+          <p:nvPr>
+            <p:ph type="sldImg"/>
+          </p:nvPr>
+        </p:nvSpPr>
+        <p:spPr/>
+      </p:sp>
+      <p:sp>
+        <p:nvSpPr>
+          <p:cNvPr id="3" name="Notes Placeholder 2"/>
+          <p:cNvSpPr>
             <a:spLocks noGrp="1"/>
           </p:cNvSpPr>
           <p:nvPr>
             <p:ph type="body" idx="1"/>
           </p:nvPr>
         </p:nvSpPr>
-        <p:spPr>
-          <a:xfrm>
-            <a:off x="914400" y="4343400"/>
-            <a:ext cx="5029200" cy="4114800"/>
-          </a:xfrm>
-          <a:prstGeom prst="rect">
-            <a:avLst/>
-          </a:prstGeom>
-        </p:spPr>
-        <p:txBody>
-          <a:bodyPr spcFirstLastPara="1" wrap="square" lIns="91425" tIns="45700" rIns="91425" bIns="45700" anchor="t" anchorCtr="0">
-            <a:noAutofit/>
-          </a:bodyPr>
-          <a:lstStyle/>
-          <a:p>
-            <a:pPr marL="0" lvl="0" indent="0" algn="l" rtl="0">
-              <a:spcBef>
-                <a:spcPts val="0"/>
-              </a:spcBef>
-              <a:spcAft>
-                <a:spcPts val="0"/>
-              </a:spcAft>
-              <a:buNone/>
-            </a:pPr>
-            <a:endParaRPr dirty="0"/>
-          </a:p>
-        </p:txBody>
-      </p:sp>
-      <p:sp>
-        <p:nvSpPr>
-          <p:cNvPr id="254" name="Google Shape;254;p2:notes"/>
-          <p:cNvSpPr>
-            <a:spLocks noGrp="1" noRot="1" noChangeAspect="1"/>
-          </p:cNvSpPr>
-          <p:nvPr>
-            <p:ph type="sldImg" idx="2"/>
-          </p:nvPr>
-        </p:nvSpPr>
-        <p:spPr>
-          <a:xfrm>
-            <a:off x="381000" y="685800"/>
-            <a:ext cx="6096000" cy="3429000"/>
-          </a:xfrm>
-          <a:custGeom>
-            <a:avLst/>
-            <a:gdLst/>
-            <a:ahLst/>
-            <a:cxnLst/>
-            <a:rect l="l" t="t" r="r" b="b"/>
-            <a:pathLst>
-              <a:path w="120000" h="120000" extrusionOk="0">
-                <a:moveTo>
-                  <a:pt x="0" y="0"/>
-                </a:moveTo>
-                <a:lnTo>
-                  <a:pt x="120000" y="0"/>
-                </a:lnTo>
-                <a:lnTo>
-                  <a:pt x="120000" y="120000"/>
-                </a:lnTo>
-                <a:lnTo>
-                  <a:pt x="0" y="120000"/>
-                </a:lnTo>
-                <a:close/>
-              </a:path>
-            </a:pathLst>
-          </a:custGeom>
-        </p:spPr>
+        <p:spPr/>
+        <p:txBody>
+          <a:bodyPr/>
+          <a:lstStyle/>
+          <a:p>
+            <a:endParaRPr lang="en-US" dirty="0"/>
+          </a:p>
+        </p:txBody>
+      </p:sp>
+      <p:sp>
+        <p:nvSpPr>
+          <p:cNvPr id="4" name="Slide Number Placeholder 3"/>
+          <p:cNvSpPr>
+            <a:spLocks noGrp="1"/>
+          </p:cNvSpPr>
+          <p:nvPr>
+            <p:ph type="sldNum" sz="quarter" idx="5"/>
+          </p:nvPr>
+        </p:nvSpPr>
+        <p:spPr/>
+        <p:txBody>
+          <a:bodyPr/>
+          <a:lstStyle/>
+          <a:p>
+            <a:fld id="{FFB500C5-13F7-48FC-8160-C29AECF6C602}" type="slidenum">
+              <a:rPr lang="en-US" smtClean="0"/>
+              <a:t>1</a:t>
+            </a:fld>
+            <a:endParaRPr lang="en-US"/>
+          </a:p>
+        </p:txBody>
       </p:sp>
     </p:spTree>
+    <p:extLst>
+      <p:ext uri="{BB962C8B-B14F-4D97-AF65-F5344CB8AC3E}">
+        <p14:creationId xmlns:p14="http://schemas.microsoft.com/office/powerpoint/2010/main" val="1700759013"/>
+      </p:ext>
+    </p:extLst>
   </p:cSld>
   <p:clrMapOvr>
     <a:masterClrMapping/>
@@ -681,7 +646,31 @@
           <a:bodyPr/>
           <a:lstStyle/>
           <a:p>
-            <a:endParaRPr lang="en-US" dirty="0"/>
+            <a:pPr marL="228600" indent="-228600">
+              <a:buAutoNum type="arabicPeriod"/>
+            </a:pPr>
+            <a:r>
+              <a:rPr lang="en-US" dirty="0"/>
+              <a:t>False!</a:t>
+            </a:r>
+          </a:p>
+          <a:p>
+            <a:pPr marL="228600" indent="-228600">
+              <a:buAutoNum type="arabicPeriod"/>
+            </a:pPr>
+            <a:r>
+              <a:rPr lang="en-US" dirty="0"/>
+              <a:t>Function, Formula, Function</a:t>
+            </a:r>
+          </a:p>
+          <a:p>
+            <a:pPr marL="228600" indent="-228600">
+              <a:buAutoNum type="arabicPeriod"/>
+            </a:pPr>
+            <a:r>
+              <a:rPr lang="en-US" dirty="0"/>
+              <a:t>Argument</a:t>
+            </a:r>
           </a:p>
         </p:txBody>
       </p:sp>
@@ -700,9 +689,9 @@
           <a:bodyPr/>
           <a:lstStyle/>
           <a:p>
-            <a:fld id="{FFB500C5-13F7-48FC-8160-C29AECF6C602}" type="slidenum">
+            <a:fld id="{1300335D-9F13-4B80-ADC5-B0EA3E10FF6B}" type="slidenum">
               <a:rPr lang="en-US" smtClean="0"/>
-              <a:t>2</a:t>
+              <a:t>5</a:t>
             </a:fld>
             <a:endParaRPr lang="en-US"/>
           </a:p>
@@ -711,7 +700,7 @@
     </p:spTree>
     <p:extLst>
       <p:ext uri="{BB962C8B-B14F-4D97-AF65-F5344CB8AC3E}">
-        <p14:creationId xmlns:p14="http://schemas.microsoft.com/office/powerpoint/2010/main" val="1700759013"/>
+        <p14:creationId xmlns:p14="http://schemas.microsoft.com/office/powerpoint/2010/main" val="624549242"/>
       </p:ext>
     </p:extLst>
   </p:cSld>
@@ -810,7 +799,7 @@
           <a:p>
             <a:fld id="{1300335D-9F13-4B80-ADC5-B0EA3E10FF6B}" type="slidenum">
               <a:rPr lang="en-US" smtClean="0"/>
-              <a:t>6</a:t>
+              <a:t>8</a:t>
             </a:fld>
             <a:endParaRPr lang="en-US"/>
           </a:p>
@@ -819,7 +808,7 @@
     </p:spTree>
     <p:extLst>
       <p:ext uri="{BB962C8B-B14F-4D97-AF65-F5344CB8AC3E}">
-        <p14:creationId xmlns:p14="http://schemas.microsoft.com/office/powerpoint/2010/main" val="624549242"/>
+        <p14:creationId xmlns:p14="http://schemas.microsoft.com/office/powerpoint/2010/main" val="1500510141"/>
       </p:ext>
     </p:extLst>
   </p:cSld>
@@ -918,115 +907,7 @@
           <a:p>
             <a:fld id="{1300335D-9F13-4B80-ADC5-B0EA3E10FF6B}" type="slidenum">
               <a:rPr lang="en-US" smtClean="0"/>
-              <a:t>9</a:t>
-            </a:fld>
-            <a:endParaRPr lang="en-US"/>
-          </a:p>
-        </p:txBody>
-      </p:sp>
-    </p:spTree>
-    <p:extLst>
-      <p:ext uri="{BB962C8B-B14F-4D97-AF65-F5344CB8AC3E}">
-        <p14:creationId xmlns:p14="http://schemas.microsoft.com/office/powerpoint/2010/main" val="1500510141"/>
-      </p:ext>
-    </p:extLst>
-  </p:cSld>
-  <p:clrMapOvr>
-    <a:masterClrMapping/>
-  </p:clrMapOvr>
-</p:notes>
-</file>
-
-<file path=ppt/notesSlides/notesSlide5.xml><?xml version="1.0" encoding="utf-8"?>
-<p:notes xmlns:a="http://schemas.openxmlformats.org/drawingml/2006/main" xmlns:r="http://schemas.openxmlformats.org/officeDocument/2006/relationships" xmlns:p="http://schemas.openxmlformats.org/presentationml/2006/main">
-  <p:cSld>
-    <p:spTree>
-      <p:nvGrpSpPr>
-        <p:cNvPr id="1" name=""/>
-        <p:cNvGrpSpPr/>
-        <p:nvPr/>
-      </p:nvGrpSpPr>
-      <p:grpSpPr>
-        <a:xfrm>
-          <a:off x="0" y="0"/>
-          <a:ext cx="0" cy="0"/>
-          <a:chOff x="0" y="0"/>
-          <a:chExt cx="0" cy="0"/>
-        </a:xfrm>
-      </p:grpSpPr>
-      <p:sp>
-        <p:nvSpPr>
-          <p:cNvPr id="2" name="Slide Image Placeholder 1"/>
-          <p:cNvSpPr>
-            <a:spLocks noGrp="1" noRot="1" noChangeAspect="1"/>
-          </p:cNvSpPr>
-          <p:nvPr>
-            <p:ph type="sldImg"/>
-          </p:nvPr>
-        </p:nvSpPr>
-        <p:spPr/>
-      </p:sp>
-      <p:sp>
-        <p:nvSpPr>
-          <p:cNvPr id="3" name="Notes Placeholder 2"/>
-          <p:cNvSpPr>
-            <a:spLocks noGrp="1"/>
-          </p:cNvSpPr>
-          <p:nvPr>
-            <p:ph type="body" idx="1"/>
-          </p:nvPr>
-        </p:nvSpPr>
-        <p:spPr/>
-        <p:txBody>
-          <a:bodyPr/>
-          <a:lstStyle/>
-          <a:p>
-            <a:pPr marL="228600" indent="-228600">
-              <a:buAutoNum type="arabicPeriod"/>
-            </a:pPr>
-            <a:r>
-              <a:rPr lang="en-US" dirty="0"/>
-              <a:t>False!</a:t>
-            </a:r>
-          </a:p>
-          <a:p>
-            <a:pPr marL="228600" indent="-228600">
-              <a:buAutoNum type="arabicPeriod"/>
-            </a:pPr>
-            <a:r>
-              <a:rPr lang="en-US" dirty="0"/>
-              <a:t>Function, Formula, Function</a:t>
-            </a:r>
-          </a:p>
-          <a:p>
-            <a:pPr marL="228600" indent="-228600">
-              <a:buAutoNum type="arabicPeriod"/>
-            </a:pPr>
-            <a:r>
-              <a:rPr lang="en-US" dirty="0"/>
-              <a:t>Argument</a:t>
-            </a:r>
-          </a:p>
-        </p:txBody>
-      </p:sp>
-      <p:sp>
-        <p:nvSpPr>
-          <p:cNvPr id="4" name="Slide Number Placeholder 3"/>
-          <p:cNvSpPr>
-            <a:spLocks noGrp="1"/>
-          </p:cNvSpPr>
-          <p:nvPr>
-            <p:ph type="sldNum" sz="quarter" idx="5"/>
-          </p:nvPr>
-        </p:nvSpPr>
-        <p:spPr/>
-        <p:txBody>
-          <a:bodyPr/>
-          <a:lstStyle/>
-          <a:p>
-            <a:fld id="{1300335D-9F13-4B80-ADC5-B0EA3E10FF6B}" type="slidenum">
-              <a:rPr lang="en-US" smtClean="0"/>
-              <a:t>12</a:t>
+              <a:t>11</a:t>
             </a:fld>
             <a:endParaRPr lang="en-US"/>
           </a:p>
@@ -1045,7 +926,7 @@
 </p:notes>
 </file>
 
-<file path=ppt/notesSlides/notesSlide6.xml><?xml version="1.0" encoding="utf-8"?>
+<file path=ppt/notesSlides/notesSlide5.xml><?xml version="1.0" encoding="utf-8"?>
 <p:notes xmlns:a="http://schemas.openxmlformats.org/drawingml/2006/main" xmlns:r="http://schemas.openxmlformats.org/officeDocument/2006/relationships" xmlns:p="http://schemas.openxmlformats.org/presentationml/2006/main">
   <p:cSld>
     <p:spTree>
@@ -1158,7 +1039,7 @@
           <a:p>
             <a:fld id="{1300335D-9F13-4B80-ADC5-B0EA3E10FF6B}" type="slidenum">
               <a:rPr lang="en-US" smtClean="0"/>
-              <a:t>15</a:t>
+              <a:t>14</a:t>
             </a:fld>
             <a:endParaRPr lang="en-US"/>
           </a:p>
@@ -1177,7 +1058,7 @@
 </p:notes>
 </file>
 
-<file path=ppt/notesSlides/notesSlide7.xml><?xml version="1.0" encoding="utf-8"?>
+<file path=ppt/notesSlides/notesSlide6.xml><?xml version="1.0" encoding="utf-8"?>
 <p:notes xmlns:a="http://schemas.openxmlformats.org/drawingml/2006/main" xmlns:r="http://schemas.openxmlformats.org/officeDocument/2006/relationships" xmlns:p="http://schemas.openxmlformats.org/presentationml/2006/main">
   <p:cSld>
     <p:spTree>
@@ -1290,7 +1171,7 @@
           <a:p>
             <a:fld id="{1300335D-9F13-4B80-ADC5-B0EA3E10FF6B}" type="slidenum">
               <a:rPr lang="en-US" smtClean="0"/>
-              <a:t>16</a:t>
+              <a:t>15</a:t>
             </a:fld>
             <a:endParaRPr lang="en-US"/>
           </a:p>
@@ -1309,7 +1190,7 @@
 </p:notes>
 </file>
 
-<file path=ppt/notesSlides/notesSlide8.xml><?xml version="1.0" encoding="utf-8"?>
+<file path=ppt/notesSlides/notesSlide7.xml><?xml version="1.0" encoding="utf-8"?>
 <p:notes xmlns:a="http://schemas.openxmlformats.org/drawingml/2006/main" xmlns:r="http://schemas.openxmlformats.org/officeDocument/2006/relationships" xmlns:p="http://schemas.openxmlformats.org/presentationml/2006/main">
   <p:cSld>
     <p:spTree>
@@ -1422,7 +1303,7 @@
           <a:p>
             <a:fld id="{1300335D-9F13-4B80-ADC5-B0EA3E10FF6B}" type="slidenum">
               <a:rPr lang="en-US" smtClean="0"/>
-              <a:t>17</a:t>
+              <a:t>16</a:t>
             </a:fld>
             <a:endParaRPr lang="en-US"/>
           </a:p>
@@ -1621,7 +1502,7 @@
             <a:fld id="{1D8BD707-D9CF-40AE-B4C6-C98DA3205C09}" type="datetimeFigureOut">
               <a:rPr lang="en-US" smtClean="0"/>
               <a:pPr/>
-              <a:t>1/4/2024</a:t>
+              <a:t>1/11/2024</a:t>
             </a:fld>
             <a:endParaRPr lang="en-US"/>
           </a:p>
@@ -1786,7 +1667,7 @@
             <a:fld id="{1D8BD707-D9CF-40AE-B4C6-C98DA3205C09}" type="datetimeFigureOut">
               <a:rPr lang="en-US" smtClean="0"/>
               <a:pPr/>
-              <a:t>1/4/2024</a:t>
+              <a:t>1/11/2024</a:t>
             </a:fld>
             <a:endParaRPr lang="en-US"/>
           </a:p>
@@ -1961,7 +1842,7 @@
             <a:fld id="{1D8BD707-D9CF-40AE-B4C6-C98DA3205C09}" type="datetimeFigureOut">
               <a:rPr lang="en-US" smtClean="0"/>
               <a:pPr/>
-              <a:t>1/4/2024</a:t>
+              <a:t>1/11/2024</a:t>
             </a:fld>
             <a:endParaRPr lang="en-US"/>
           </a:p>
@@ -2011,1045 +1892,6 @@
         </p:txBody>
       </p:sp>
     </p:spTree>
-  </p:cSld>
-  <p:clrMapOvr>
-    <a:masterClrMapping/>
-  </p:clrMapOvr>
-</p:sldLayout>
-</file>
-
-<file path=ppt/slideLayouts/slideLayout12.xml><?xml version="1.0" encoding="utf-8"?>
-<p:sldLayout xmlns:a="http://schemas.openxmlformats.org/drawingml/2006/main" xmlns:r="http://schemas.openxmlformats.org/officeDocument/2006/relationships" xmlns:p="http://schemas.openxmlformats.org/presentationml/2006/main" showMasterSp="0" matchingName="Title Slide">
-  <p:cSld name="1_Title Slide">
-    <p:bg>
-      <p:bgPr>
-        <a:blipFill>
-          <a:blip r:embed="rId2">
-            <a:alphaModFix amt="92000"/>
-          </a:blip>
-          <a:stretch>
-            <a:fillRect/>
-          </a:stretch>
-        </a:blipFill>
-        <a:effectLst/>
-      </p:bgPr>
-    </p:bg>
-    <p:spTree>
-      <p:nvGrpSpPr>
-        <p:cNvPr id="1" name="Shape 120"/>
-        <p:cNvGrpSpPr/>
-        <p:nvPr/>
-      </p:nvGrpSpPr>
-      <p:grpSpPr>
-        <a:xfrm>
-          <a:off x="0" y="0"/>
-          <a:ext cx="0" cy="0"/>
-          <a:chOff x="0" y="0"/>
-          <a:chExt cx="0" cy="0"/>
-        </a:xfrm>
-      </p:grpSpPr>
-      <p:sp>
-        <p:nvSpPr>
-          <p:cNvPr id="121" name="Google Shape;121;p60"/>
-          <p:cNvSpPr txBox="1"/>
-          <p:nvPr/>
-        </p:nvSpPr>
-        <p:spPr>
-          <a:xfrm>
-            <a:off x="7046071" y="9845691"/>
-            <a:ext cx="4195862" cy="230832"/>
-          </a:xfrm>
-          <a:prstGeom prst="rect">
-            <a:avLst/>
-          </a:prstGeom>
-          <a:noFill/>
-          <a:ln>
-            <a:noFill/>
-          </a:ln>
-        </p:spPr>
-        <p:txBody>
-          <a:bodyPr spcFirstLastPara="1" wrap="square" lIns="0" tIns="0" rIns="0" bIns="0" anchor="b" anchorCtr="0">
-            <a:spAutoFit/>
-          </a:bodyPr>
-          <a:lstStyle/>
-          <a:p>
-            <a:pPr marL="0" marR="0" lvl="0" indent="0" algn="ctr" rtl="0">
-              <a:lnSpc>
-                <a:spcPct val="100000"/>
-              </a:lnSpc>
-              <a:spcBef>
-                <a:spcPts val="0"/>
-              </a:spcBef>
-              <a:spcAft>
-                <a:spcPts val="0"/>
-              </a:spcAft>
-              <a:buClr>
-                <a:srgbClr val="2AB77A"/>
-              </a:buClr>
-              <a:buSzPts val="1000"/>
-              <a:buFont typeface="Plus Jakarta Sans"/>
-              <a:buNone/>
-            </a:pPr>
-            <a:r>
-              <a:rPr lang="en-US" sz="1500" b="1" i="0" u="none" strike="noStrike" cap="none">
-                <a:solidFill>
-                  <a:srgbClr val="2AB77A"/>
-                </a:solidFill>
-                <a:latin typeface="Plus Jakarta Sans"/>
-                <a:ea typeface="Plus Jakarta Sans"/>
-                <a:cs typeface="Plus Jakarta Sans"/>
-                <a:sym typeface="Plus Jakarta Sans"/>
-              </a:rPr>
-              <a:t>Global Excel Summit 2023 – Internal Use Only</a:t>
-            </a:r>
-            <a:endParaRPr sz="2700"/>
-          </a:p>
-        </p:txBody>
-      </p:sp>
-      <p:pic>
-        <p:nvPicPr>
-          <p:cNvPr id="122" name="Google Shape;122;p60"/>
-          <p:cNvPicPr preferRelativeResize="0"/>
-          <p:nvPr/>
-        </p:nvPicPr>
-        <p:blipFill rotWithShape="1">
-          <a:blip r:embed="rId3">
-            <a:alphaModFix/>
-          </a:blip>
-          <a:srcRect/>
-          <a:stretch/>
-        </p:blipFill>
-        <p:spPr>
-          <a:xfrm>
-            <a:off x="608462" y="493388"/>
-            <a:ext cx="1986990" cy="1234898"/>
-          </a:xfrm>
-          <a:prstGeom prst="rect">
-            <a:avLst/>
-          </a:prstGeom>
-          <a:noFill/>
-          <a:ln>
-            <a:noFill/>
-          </a:ln>
-        </p:spPr>
-      </p:pic>
-      <p:sp>
-        <p:nvSpPr>
-          <p:cNvPr id="123" name="Google Shape;123;p60"/>
-          <p:cNvSpPr txBox="1">
-            <a:spLocks noGrp="1"/>
-          </p:cNvSpPr>
-          <p:nvPr>
-            <p:ph type="sldNum" idx="12"/>
-          </p:nvPr>
-        </p:nvSpPr>
-        <p:spPr>
-          <a:xfrm>
-            <a:off x="12693464" y="9349881"/>
-            <a:ext cx="412938" cy="369291"/>
-          </a:xfrm>
-          <a:prstGeom prst="rect">
-            <a:avLst/>
-          </a:prstGeom>
-          <a:noFill/>
-          <a:ln>
-            <a:noFill/>
-          </a:ln>
-        </p:spPr>
-        <p:txBody>
-          <a:bodyPr spcFirstLastPara="1" wrap="square" lIns="45700" tIns="45700" rIns="45700" bIns="45700" anchor="ctr" anchorCtr="0">
-            <a:spAutoFit/>
-          </a:bodyPr>
-          <a:lstStyle>
-            <a:lvl1pPr marL="0" lvl="0" indent="0" algn="r">
-              <a:lnSpc>
-                <a:spcPct val="100000"/>
-              </a:lnSpc>
-              <a:spcBef>
-                <a:spcPts val="0"/>
-              </a:spcBef>
-              <a:spcAft>
-                <a:spcPts val="0"/>
-              </a:spcAft>
-              <a:buClr>
-                <a:srgbClr val="000000"/>
-              </a:buClr>
-              <a:buSzPts val="1200"/>
-              <a:buFont typeface="Roboto"/>
-              <a:buNone/>
-              <a:defRPr sz="1800">
-                <a:latin typeface="Roboto"/>
-                <a:ea typeface="Roboto"/>
-                <a:cs typeface="Roboto"/>
-                <a:sym typeface="Roboto"/>
-              </a:defRPr>
-            </a:lvl1pPr>
-            <a:lvl2pPr marL="0" lvl="1" indent="0" algn="r">
-              <a:lnSpc>
-                <a:spcPct val="100000"/>
-              </a:lnSpc>
-              <a:spcBef>
-                <a:spcPts val="0"/>
-              </a:spcBef>
-              <a:spcAft>
-                <a:spcPts val="0"/>
-              </a:spcAft>
-              <a:buClr>
-                <a:srgbClr val="000000"/>
-              </a:buClr>
-              <a:buSzPts val="1200"/>
-              <a:buFont typeface="Roboto"/>
-              <a:buNone/>
-              <a:defRPr sz="1800">
-                <a:latin typeface="Roboto"/>
-                <a:ea typeface="Roboto"/>
-                <a:cs typeface="Roboto"/>
-                <a:sym typeface="Roboto"/>
-              </a:defRPr>
-            </a:lvl2pPr>
-            <a:lvl3pPr marL="0" lvl="2" indent="0" algn="r">
-              <a:lnSpc>
-                <a:spcPct val="100000"/>
-              </a:lnSpc>
-              <a:spcBef>
-                <a:spcPts val="0"/>
-              </a:spcBef>
-              <a:spcAft>
-                <a:spcPts val="0"/>
-              </a:spcAft>
-              <a:buClr>
-                <a:srgbClr val="000000"/>
-              </a:buClr>
-              <a:buSzPts val="1200"/>
-              <a:buFont typeface="Roboto"/>
-              <a:buNone/>
-              <a:defRPr sz="1800">
-                <a:latin typeface="Roboto"/>
-                <a:ea typeface="Roboto"/>
-                <a:cs typeface="Roboto"/>
-                <a:sym typeface="Roboto"/>
-              </a:defRPr>
-            </a:lvl3pPr>
-            <a:lvl4pPr marL="0" lvl="3" indent="0" algn="r">
-              <a:lnSpc>
-                <a:spcPct val="100000"/>
-              </a:lnSpc>
-              <a:spcBef>
-                <a:spcPts val="0"/>
-              </a:spcBef>
-              <a:spcAft>
-                <a:spcPts val="0"/>
-              </a:spcAft>
-              <a:buClr>
-                <a:srgbClr val="000000"/>
-              </a:buClr>
-              <a:buSzPts val="1200"/>
-              <a:buFont typeface="Roboto"/>
-              <a:buNone/>
-              <a:defRPr sz="1800">
-                <a:latin typeface="Roboto"/>
-                <a:ea typeface="Roboto"/>
-                <a:cs typeface="Roboto"/>
-                <a:sym typeface="Roboto"/>
-              </a:defRPr>
-            </a:lvl4pPr>
-            <a:lvl5pPr marL="0" lvl="4" indent="0" algn="r">
-              <a:lnSpc>
-                <a:spcPct val="100000"/>
-              </a:lnSpc>
-              <a:spcBef>
-                <a:spcPts val="0"/>
-              </a:spcBef>
-              <a:spcAft>
-                <a:spcPts val="0"/>
-              </a:spcAft>
-              <a:buClr>
-                <a:srgbClr val="000000"/>
-              </a:buClr>
-              <a:buSzPts val="1200"/>
-              <a:buFont typeface="Roboto"/>
-              <a:buNone/>
-              <a:defRPr sz="1800">
-                <a:latin typeface="Roboto"/>
-                <a:ea typeface="Roboto"/>
-                <a:cs typeface="Roboto"/>
-                <a:sym typeface="Roboto"/>
-              </a:defRPr>
-            </a:lvl5pPr>
-            <a:lvl6pPr marL="0" lvl="5" indent="0" algn="r">
-              <a:lnSpc>
-                <a:spcPct val="100000"/>
-              </a:lnSpc>
-              <a:spcBef>
-                <a:spcPts val="0"/>
-              </a:spcBef>
-              <a:spcAft>
-                <a:spcPts val="0"/>
-              </a:spcAft>
-              <a:buClr>
-                <a:srgbClr val="000000"/>
-              </a:buClr>
-              <a:buSzPts val="1200"/>
-              <a:buFont typeface="Roboto"/>
-              <a:buNone/>
-              <a:defRPr sz="1800">
-                <a:latin typeface="Roboto"/>
-                <a:ea typeface="Roboto"/>
-                <a:cs typeface="Roboto"/>
-                <a:sym typeface="Roboto"/>
-              </a:defRPr>
-            </a:lvl6pPr>
-            <a:lvl7pPr marL="0" lvl="6" indent="0" algn="r">
-              <a:lnSpc>
-                <a:spcPct val="100000"/>
-              </a:lnSpc>
-              <a:spcBef>
-                <a:spcPts val="0"/>
-              </a:spcBef>
-              <a:spcAft>
-                <a:spcPts val="0"/>
-              </a:spcAft>
-              <a:buClr>
-                <a:srgbClr val="000000"/>
-              </a:buClr>
-              <a:buSzPts val="1200"/>
-              <a:buFont typeface="Roboto"/>
-              <a:buNone/>
-              <a:defRPr sz="1800">
-                <a:latin typeface="Roboto"/>
-                <a:ea typeface="Roboto"/>
-                <a:cs typeface="Roboto"/>
-                <a:sym typeface="Roboto"/>
-              </a:defRPr>
-            </a:lvl7pPr>
-            <a:lvl8pPr marL="0" lvl="7" indent="0" algn="r">
-              <a:lnSpc>
-                <a:spcPct val="100000"/>
-              </a:lnSpc>
-              <a:spcBef>
-                <a:spcPts val="0"/>
-              </a:spcBef>
-              <a:spcAft>
-                <a:spcPts val="0"/>
-              </a:spcAft>
-              <a:buClr>
-                <a:srgbClr val="000000"/>
-              </a:buClr>
-              <a:buSzPts val="1200"/>
-              <a:buFont typeface="Roboto"/>
-              <a:buNone/>
-              <a:defRPr sz="1800">
-                <a:latin typeface="Roboto"/>
-                <a:ea typeface="Roboto"/>
-                <a:cs typeface="Roboto"/>
-                <a:sym typeface="Roboto"/>
-              </a:defRPr>
-            </a:lvl8pPr>
-            <a:lvl9pPr marL="0" lvl="8" indent="0" algn="r">
-              <a:lnSpc>
-                <a:spcPct val="100000"/>
-              </a:lnSpc>
-              <a:spcBef>
-                <a:spcPts val="0"/>
-              </a:spcBef>
-              <a:spcAft>
-                <a:spcPts val="0"/>
-              </a:spcAft>
-              <a:buClr>
-                <a:srgbClr val="000000"/>
-              </a:buClr>
-              <a:buSzPts val="1200"/>
-              <a:buFont typeface="Roboto"/>
-              <a:buNone/>
-              <a:defRPr sz="1800">
-                <a:latin typeface="Roboto"/>
-                <a:ea typeface="Roboto"/>
-                <a:cs typeface="Roboto"/>
-                <a:sym typeface="Roboto"/>
-              </a:defRPr>
-            </a:lvl9pPr>
-          </a:lstStyle>
-          <a:p>
-            <a:fld id="{00000000-1234-1234-1234-123412341234}" type="slidenum">
-              <a:rPr lang="en-US" smtClean="0"/>
-              <a:pPr/>
-              <a:t>‹#›</a:t>
-            </a:fld>
-            <a:endParaRPr lang="en-US"/>
-          </a:p>
-        </p:txBody>
-      </p:sp>
-      <p:pic>
-        <p:nvPicPr>
-          <p:cNvPr id="124" name="Google Shape;124;p60"/>
-          <p:cNvPicPr preferRelativeResize="0"/>
-          <p:nvPr/>
-        </p:nvPicPr>
-        <p:blipFill rotWithShape="1">
-          <a:blip r:embed="rId4">
-            <a:alphaModFix amt="8000"/>
-          </a:blip>
-          <a:srcRect r="26339"/>
-          <a:stretch/>
-        </p:blipFill>
-        <p:spPr>
-          <a:xfrm>
-            <a:off x="13106402" y="2848907"/>
-            <a:ext cx="5181599" cy="7438094"/>
-          </a:xfrm>
-          <a:prstGeom prst="rect">
-            <a:avLst/>
-          </a:prstGeom>
-          <a:noFill/>
-          <a:ln>
-            <a:noFill/>
-          </a:ln>
-        </p:spPr>
-      </p:pic>
-      <p:sp>
-        <p:nvSpPr>
-          <p:cNvPr id="125" name="Google Shape;125;p60"/>
-          <p:cNvSpPr txBox="1">
-            <a:spLocks noGrp="1"/>
-          </p:cNvSpPr>
-          <p:nvPr>
-            <p:ph type="body" idx="1"/>
-          </p:nvPr>
-        </p:nvSpPr>
-        <p:spPr>
-          <a:xfrm>
-            <a:off x="2826302" y="7549750"/>
-            <a:ext cx="6188870" cy="595889"/>
-          </a:xfrm>
-          <a:prstGeom prst="rect">
-            <a:avLst/>
-          </a:prstGeom>
-          <a:noFill/>
-          <a:ln>
-            <a:noFill/>
-          </a:ln>
-        </p:spPr>
-        <p:txBody>
-          <a:bodyPr spcFirstLastPara="1" wrap="square" lIns="0" tIns="0" rIns="0" bIns="0" anchor="t" anchorCtr="0">
-            <a:normAutofit/>
-          </a:bodyPr>
-          <a:lstStyle>
-            <a:lvl1pPr marL="685800" lvl="0" indent="-342900" algn="l">
-              <a:lnSpc>
-                <a:spcPct val="90000"/>
-              </a:lnSpc>
-              <a:spcBef>
-                <a:spcPts val="1500"/>
-              </a:spcBef>
-              <a:spcAft>
-                <a:spcPts val="0"/>
-              </a:spcAft>
-              <a:buClr>
-                <a:srgbClr val="2AB77A"/>
-              </a:buClr>
-              <a:buSzPts val="2800"/>
-              <a:buFont typeface="Plus Jakarta Sans"/>
-              <a:buNone/>
-              <a:defRPr sz="4200" b="1">
-                <a:solidFill>
-                  <a:srgbClr val="2AB77A"/>
-                </a:solidFill>
-              </a:defRPr>
-            </a:lvl1pPr>
-            <a:lvl2pPr marL="1371600" lvl="1" indent="-342900" algn="l">
-              <a:lnSpc>
-                <a:spcPct val="90000"/>
-              </a:lnSpc>
-              <a:spcBef>
-                <a:spcPts val="1500"/>
-              </a:spcBef>
-              <a:spcAft>
-                <a:spcPts val="0"/>
-              </a:spcAft>
-              <a:buClr>
-                <a:srgbClr val="000000"/>
-              </a:buClr>
-              <a:buSzPts val="2800"/>
-              <a:buFont typeface="Plus Jakarta Sans"/>
-              <a:buNone/>
-              <a:defRPr sz="4200" b="1"/>
-            </a:lvl2pPr>
-            <a:lvl3pPr marL="2057400" lvl="2" indent="-342900" algn="l">
-              <a:lnSpc>
-                <a:spcPct val="90000"/>
-              </a:lnSpc>
-              <a:spcBef>
-                <a:spcPts val="1500"/>
-              </a:spcBef>
-              <a:spcAft>
-                <a:spcPts val="0"/>
-              </a:spcAft>
-              <a:buClr>
-                <a:srgbClr val="000000"/>
-              </a:buClr>
-              <a:buSzPts val="2800"/>
-              <a:buFont typeface="Plus Jakarta Sans"/>
-              <a:buNone/>
-              <a:defRPr sz="4200" b="1"/>
-            </a:lvl3pPr>
-            <a:lvl4pPr marL="2743200" lvl="3" indent="-342900" algn="l">
-              <a:lnSpc>
-                <a:spcPct val="90000"/>
-              </a:lnSpc>
-              <a:spcBef>
-                <a:spcPts val="1500"/>
-              </a:spcBef>
-              <a:spcAft>
-                <a:spcPts val="0"/>
-              </a:spcAft>
-              <a:buClr>
-                <a:srgbClr val="000000"/>
-              </a:buClr>
-              <a:buSzPts val="2800"/>
-              <a:buFont typeface="Plus Jakarta Sans"/>
-              <a:buNone/>
-              <a:defRPr sz="4200" b="1"/>
-            </a:lvl4pPr>
-            <a:lvl5pPr marL="3429000" lvl="4" indent="-342900" algn="l">
-              <a:lnSpc>
-                <a:spcPct val="90000"/>
-              </a:lnSpc>
-              <a:spcBef>
-                <a:spcPts val="1500"/>
-              </a:spcBef>
-              <a:spcAft>
-                <a:spcPts val="0"/>
-              </a:spcAft>
-              <a:buClr>
-                <a:srgbClr val="000000"/>
-              </a:buClr>
-              <a:buSzPts val="2800"/>
-              <a:buFont typeface="Plus Jakarta Sans"/>
-              <a:buNone/>
-              <a:defRPr sz="4200" b="1"/>
-            </a:lvl5pPr>
-            <a:lvl6pPr marL="4114800" lvl="5" indent="-342900" algn="l">
-              <a:lnSpc>
-                <a:spcPct val="90000"/>
-              </a:lnSpc>
-              <a:spcBef>
-                <a:spcPts val="1500"/>
-              </a:spcBef>
-              <a:spcAft>
-                <a:spcPts val="0"/>
-              </a:spcAft>
-              <a:buClr>
-                <a:srgbClr val="000000"/>
-              </a:buClr>
-              <a:buSzPts val="1800"/>
-              <a:buNone/>
-              <a:defRPr/>
-            </a:lvl6pPr>
-            <a:lvl7pPr marL="4800600" lvl="6" indent="-548640" algn="l">
-              <a:lnSpc>
-                <a:spcPct val="90000"/>
-              </a:lnSpc>
-              <a:spcBef>
-                <a:spcPts val="1500"/>
-              </a:spcBef>
-              <a:spcAft>
-                <a:spcPts val="0"/>
-              </a:spcAft>
-              <a:buClr>
-                <a:srgbClr val="000000"/>
-              </a:buClr>
-              <a:buSzPts val="2160"/>
-              <a:buChar char="+"/>
-              <a:defRPr/>
-            </a:lvl7pPr>
-            <a:lvl8pPr marL="5486400" lvl="7" indent="-548639" algn="l">
-              <a:lnSpc>
-                <a:spcPct val="90000"/>
-              </a:lnSpc>
-              <a:spcBef>
-                <a:spcPts val="1500"/>
-              </a:spcBef>
-              <a:spcAft>
-                <a:spcPts val="0"/>
-              </a:spcAft>
-              <a:buClr>
-                <a:srgbClr val="000000"/>
-              </a:buClr>
-              <a:buSzPts val="2160"/>
-              <a:buChar char="+"/>
-              <a:defRPr/>
-            </a:lvl8pPr>
-            <a:lvl9pPr marL="6172200" lvl="8" indent="-548639" algn="l">
-              <a:lnSpc>
-                <a:spcPct val="90000"/>
-              </a:lnSpc>
-              <a:spcBef>
-                <a:spcPts val="1500"/>
-              </a:spcBef>
-              <a:spcAft>
-                <a:spcPts val="0"/>
-              </a:spcAft>
-              <a:buClr>
-                <a:srgbClr val="000000"/>
-              </a:buClr>
-              <a:buSzPts val="2160"/>
-              <a:buChar char="+"/>
-              <a:defRPr/>
-            </a:lvl9pPr>
-          </a:lstStyle>
-          <a:p>
-            <a:endParaRPr/>
-          </a:p>
-        </p:txBody>
-      </p:sp>
-      <p:sp>
-        <p:nvSpPr>
-          <p:cNvPr id="126" name="Google Shape;126;p60"/>
-          <p:cNvSpPr txBox="1">
-            <a:spLocks noGrp="1"/>
-          </p:cNvSpPr>
-          <p:nvPr>
-            <p:ph type="body" idx="2"/>
-          </p:nvPr>
-        </p:nvSpPr>
-        <p:spPr>
-          <a:xfrm>
-            <a:off x="2826303" y="8259125"/>
-            <a:ext cx="5181600" cy="852461"/>
-          </a:xfrm>
-          <a:prstGeom prst="rect">
-            <a:avLst/>
-          </a:prstGeom>
-          <a:noFill/>
-          <a:ln>
-            <a:noFill/>
-          </a:ln>
-        </p:spPr>
-        <p:txBody>
-          <a:bodyPr spcFirstLastPara="1" wrap="square" lIns="0" tIns="0" rIns="0" bIns="0" anchor="t" anchorCtr="0">
-            <a:normAutofit/>
-          </a:bodyPr>
-          <a:lstStyle>
-            <a:lvl1pPr marL="685800" lvl="0" indent="-342900" algn="l">
-              <a:lnSpc>
-                <a:spcPct val="90000"/>
-              </a:lnSpc>
-              <a:spcBef>
-                <a:spcPts val="1200"/>
-              </a:spcBef>
-              <a:spcAft>
-                <a:spcPts val="0"/>
-              </a:spcAft>
-              <a:buClr>
-                <a:srgbClr val="686868"/>
-              </a:buClr>
-              <a:buSzPts val="1800"/>
-              <a:buFont typeface="Plus Jakarta Sans"/>
-              <a:buNone/>
-              <a:defRPr sz="2700">
-                <a:solidFill>
-                  <a:srgbClr val="686868"/>
-                </a:solidFill>
-              </a:defRPr>
-            </a:lvl1pPr>
-            <a:lvl2pPr marL="1371600" lvl="1" indent="-342900" algn="l">
-              <a:lnSpc>
-                <a:spcPct val="90000"/>
-              </a:lnSpc>
-              <a:spcBef>
-                <a:spcPts val="1500"/>
-              </a:spcBef>
-              <a:spcAft>
-                <a:spcPts val="0"/>
-              </a:spcAft>
-              <a:buClr>
-                <a:srgbClr val="000000"/>
-              </a:buClr>
-              <a:buSzPts val="1800"/>
-              <a:buNone/>
-              <a:defRPr/>
-            </a:lvl2pPr>
-            <a:lvl3pPr marL="2057400" lvl="2" indent="-342900" algn="l">
-              <a:lnSpc>
-                <a:spcPct val="90000"/>
-              </a:lnSpc>
-              <a:spcBef>
-                <a:spcPts val="1500"/>
-              </a:spcBef>
-              <a:spcAft>
-                <a:spcPts val="0"/>
-              </a:spcAft>
-              <a:buClr>
-                <a:srgbClr val="000000"/>
-              </a:buClr>
-              <a:buSzPts val="1800"/>
-              <a:buNone/>
-              <a:defRPr/>
-            </a:lvl3pPr>
-            <a:lvl4pPr marL="2743200" lvl="3" indent="-342900" algn="l">
-              <a:lnSpc>
-                <a:spcPct val="90000"/>
-              </a:lnSpc>
-              <a:spcBef>
-                <a:spcPts val="1500"/>
-              </a:spcBef>
-              <a:spcAft>
-                <a:spcPts val="0"/>
-              </a:spcAft>
-              <a:buClr>
-                <a:srgbClr val="000000"/>
-              </a:buClr>
-              <a:buSzPts val="1800"/>
-              <a:buNone/>
-              <a:defRPr/>
-            </a:lvl4pPr>
-            <a:lvl5pPr marL="3429000" lvl="4" indent="-342900" algn="l">
-              <a:lnSpc>
-                <a:spcPct val="90000"/>
-              </a:lnSpc>
-              <a:spcBef>
-                <a:spcPts val="1500"/>
-              </a:spcBef>
-              <a:spcAft>
-                <a:spcPts val="0"/>
-              </a:spcAft>
-              <a:buClr>
-                <a:srgbClr val="000000"/>
-              </a:buClr>
-              <a:buSzPts val="1800"/>
-              <a:buNone/>
-              <a:defRPr/>
-            </a:lvl5pPr>
-            <a:lvl6pPr marL="4114800" lvl="5" indent="-342900" algn="l">
-              <a:lnSpc>
-                <a:spcPct val="90000"/>
-              </a:lnSpc>
-              <a:spcBef>
-                <a:spcPts val="1500"/>
-              </a:spcBef>
-              <a:spcAft>
-                <a:spcPts val="0"/>
-              </a:spcAft>
-              <a:buClr>
-                <a:srgbClr val="000000"/>
-              </a:buClr>
-              <a:buSzPts val="1800"/>
-              <a:buNone/>
-              <a:defRPr/>
-            </a:lvl6pPr>
-            <a:lvl7pPr marL="4800600" lvl="6" indent="-548640" algn="l">
-              <a:lnSpc>
-                <a:spcPct val="90000"/>
-              </a:lnSpc>
-              <a:spcBef>
-                <a:spcPts val="1500"/>
-              </a:spcBef>
-              <a:spcAft>
-                <a:spcPts val="0"/>
-              </a:spcAft>
-              <a:buClr>
-                <a:srgbClr val="000000"/>
-              </a:buClr>
-              <a:buSzPts val="2160"/>
-              <a:buChar char="+"/>
-              <a:defRPr/>
-            </a:lvl7pPr>
-            <a:lvl8pPr marL="5486400" lvl="7" indent="-548639" algn="l">
-              <a:lnSpc>
-                <a:spcPct val="90000"/>
-              </a:lnSpc>
-              <a:spcBef>
-                <a:spcPts val="1500"/>
-              </a:spcBef>
-              <a:spcAft>
-                <a:spcPts val="0"/>
-              </a:spcAft>
-              <a:buClr>
-                <a:srgbClr val="000000"/>
-              </a:buClr>
-              <a:buSzPts val="2160"/>
-              <a:buChar char="+"/>
-              <a:defRPr/>
-            </a:lvl8pPr>
-            <a:lvl9pPr marL="6172200" lvl="8" indent="-548639" algn="l">
-              <a:lnSpc>
-                <a:spcPct val="90000"/>
-              </a:lnSpc>
-              <a:spcBef>
-                <a:spcPts val="1500"/>
-              </a:spcBef>
-              <a:spcAft>
-                <a:spcPts val="0"/>
-              </a:spcAft>
-              <a:buClr>
-                <a:srgbClr val="000000"/>
-              </a:buClr>
-              <a:buSzPts val="2160"/>
-              <a:buChar char="+"/>
-              <a:defRPr/>
-            </a:lvl9pPr>
-          </a:lstStyle>
-          <a:p>
-            <a:endParaRPr/>
-          </a:p>
-        </p:txBody>
-      </p:sp>
-      <p:sp>
-        <p:nvSpPr>
-          <p:cNvPr id="127" name="Google Shape;127;p60" descr="Add your Logo/Photo from here.&#10;"/>
-          <p:cNvSpPr>
-            <a:spLocks noGrp="1"/>
-          </p:cNvSpPr>
-          <p:nvPr>
-            <p:ph type="pic" idx="3"/>
-          </p:nvPr>
-        </p:nvSpPr>
-        <p:spPr>
-          <a:xfrm>
-            <a:off x="597451" y="7465227"/>
-            <a:ext cx="1998000" cy="1998000"/>
-          </a:xfrm>
-          <a:prstGeom prst="ellipse">
-            <a:avLst/>
-          </a:prstGeom>
-          <a:noFill/>
-          <a:ln w="31750" cap="flat" cmpd="sng">
-            <a:solidFill>
-              <a:srgbClr val="3DF4A1"/>
-            </a:solidFill>
-            <a:prstDash val="solid"/>
-            <a:round/>
-            <a:headEnd type="none" w="sm" len="sm"/>
-            <a:tailEnd type="none" w="sm" len="sm"/>
-          </a:ln>
-        </p:spPr>
-      </p:sp>
-      <p:sp>
-        <p:nvSpPr>
-          <p:cNvPr id="128" name="Google Shape;128;p60"/>
-          <p:cNvSpPr txBox="1">
-            <a:spLocks noGrp="1"/>
-          </p:cNvSpPr>
-          <p:nvPr>
-            <p:ph type="body" idx="4"/>
-          </p:nvPr>
-        </p:nvSpPr>
-        <p:spPr>
-          <a:xfrm>
-            <a:off x="597452" y="3717053"/>
-            <a:ext cx="11975549" cy="1759407"/>
-          </a:xfrm>
-          <a:prstGeom prst="rect">
-            <a:avLst/>
-          </a:prstGeom>
-          <a:noFill/>
-          <a:ln>
-            <a:noFill/>
-          </a:ln>
-        </p:spPr>
-        <p:txBody>
-          <a:bodyPr spcFirstLastPara="1" wrap="square" lIns="0" tIns="0" rIns="0" bIns="0" anchor="t" anchorCtr="0">
-            <a:noAutofit/>
-          </a:bodyPr>
-          <a:lstStyle>
-            <a:lvl1pPr marL="685800" lvl="0" indent="-342900" algn="l">
-              <a:lnSpc>
-                <a:spcPct val="90000"/>
-              </a:lnSpc>
-              <a:spcBef>
-                <a:spcPts val="1500"/>
-              </a:spcBef>
-              <a:spcAft>
-                <a:spcPts val="0"/>
-              </a:spcAft>
-              <a:buClr>
-                <a:srgbClr val="2AB77A"/>
-              </a:buClr>
-              <a:buSzPts val="4800"/>
-              <a:buFont typeface="Plus Jakarta Sans"/>
-              <a:buNone/>
-              <a:defRPr sz="7200" b="1">
-                <a:solidFill>
-                  <a:srgbClr val="2AB77A"/>
-                </a:solidFill>
-                <a:latin typeface="Plus Jakarta Sans"/>
-                <a:ea typeface="Plus Jakarta Sans"/>
-                <a:cs typeface="Plus Jakarta Sans"/>
-                <a:sym typeface="Plus Jakarta Sans"/>
-              </a:defRPr>
-            </a:lvl1pPr>
-            <a:lvl2pPr marL="1371600" lvl="1" indent="-342900" algn="l">
-              <a:lnSpc>
-                <a:spcPct val="90000"/>
-              </a:lnSpc>
-              <a:spcBef>
-                <a:spcPts val="1500"/>
-              </a:spcBef>
-              <a:spcAft>
-                <a:spcPts val="0"/>
-              </a:spcAft>
-              <a:buClr>
-                <a:srgbClr val="000000"/>
-              </a:buClr>
-              <a:buSzPts val="4800"/>
-              <a:buFont typeface="Plus Jakarta Sans"/>
-              <a:buNone/>
-              <a:defRPr sz="7200" b="1">
-                <a:latin typeface="Plus Jakarta Sans"/>
-                <a:ea typeface="Plus Jakarta Sans"/>
-                <a:cs typeface="Plus Jakarta Sans"/>
-                <a:sym typeface="Plus Jakarta Sans"/>
-              </a:defRPr>
-            </a:lvl2pPr>
-            <a:lvl3pPr marL="2057400" lvl="2" indent="-342900" algn="l">
-              <a:lnSpc>
-                <a:spcPct val="90000"/>
-              </a:lnSpc>
-              <a:spcBef>
-                <a:spcPts val="1500"/>
-              </a:spcBef>
-              <a:spcAft>
-                <a:spcPts val="0"/>
-              </a:spcAft>
-              <a:buClr>
-                <a:srgbClr val="000000"/>
-              </a:buClr>
-              <a:buSzPts val="4800"/>
-              <a:buFont typeface="Plus Jakarta Sans"/>
-              <a:buNone/>
-              <a:defRPr sz="7200" b="1">
-                <a:latin typeface="Plus Jakarta Sans"/>
-                <a:ea typeface="Plus Jakarta Sans"/>
-                <a:cs typeface="Plus Jakarta Sans"/>
-                <a:sym typeface="Plus Jakarta Sans"/>
-              </a:defRPr>
-            </a:lvl3pPr>
-            <a:lvl4pPr marL="2743200" lvl="3" indent="-342900" algn="l">
-              <a:lnSpc>
-                <a:spcPct val="90000"/>
-              </a:lnSpc>
-              <a:spcBef>
-                <a:spcPts val="1500"/>
-              </a:spcBef>
-              <a:spcAft>
-                <a:spcPts val="0"/>
-              </a:spcAft>
-              <a:buClr>
-                <a:srgbClr val="000000"/>
-              </a:buClr>
-              <a:buSzPts val="4800"/>
-              <a:buFont typeface="Plus Jakarta Sans"/>
-              <a:buNone/>
-              <a:defRPr sz="7200" b="1">
-                <a:latin typeface="Plus Jakarta Sans"/>
-                <a:ea typeface="Plus Jakarta Sans"/>
-                <a:cs typeface="Plus Jakarta Sans"/>
-                <a:sym typeface="Plus Jakarta Sans"/>
-              </a:defRPr>
-            </a:lvl4pPr>
-            <a:lvl5pPr marL="3429000" lvl="4" indent="-342900" algn="l">
-              <a:lnSpc>
-                <a:spcPct val="90000"/>
-              </a:lnSpc>
-              <a:spcBef>
-                <a:spcPts val="1500"/>
-              </a:spcBef>
-              <a:spcAft>
-                <a:spcPts val="0"/>
-              </a:spcAft>
-              <a:buClr>
-                <a:srgbClr val="000000"/>
-              </a:buClr>
-              <a:buSzPts val="4800"/>
-              <a:buFont typeface="Plus Jakarta Sans"/>
-              <a:buNone/>
-              <a:defRPr sz="7200" b="1">
-                <a:latin typeface="Plus Jakarta Sans"/>
-                <a:ea typeface="Plus Jakarta Sans"/>
-                <a:cs typeface="Plus Jakarta Sans"/>
-                <a:sym typeface="Plus Jakarta Sans"/>
-              </a:defRPr>
-            </a:lvl5pPr>
-            <a:lvl6pPr marL="4114800" lvl="5" indent="-342900" algn="l">
-              <a:lnSpc>
-                <a:spcPct val="90000"/>
-              </a:lnSpc>
-              <a:spcBef>
-                <a:spcPts val="1500"/>
-              </a:spcBef>
-              <a:spcAft>
-                <a:spcPts val="0"/>
-              </a:spcAft>
-              <a:buClr>
-                <a:srgbClr val="000000"/>
-              </a:buClr>
-              <a:buSzPts val="1800"/>
-              <a:buNone/>
-              <a:defRPr/>
-            </a:lvl6pPr>
-            <a:lvl7pPr marL="4800600" lvl="6" indent="-548640" algn="l">
-              <a:lnSpc>
-                <a:spcPct val="90000"/>
-              </a:lnSpc>
-              <a:spcBef>
-                <a:spcPts val="1500"/>
-              </a:spcBef>
-              <a:spcAft>
-                <a:spcPts val="0"/>
-              </a:spcAft>
-              <a:buClr>
-                <a:srgbClr val="000000"/>
-              </a:buClr>
-              <a:buSzPts val="2160"/>
-              <a:buChar char="+"/>
-              <a:defRPr/>
-            </a:lvl7pPr>
-            <a:lvl8pPr marL="5486400" lvl="7" indent="-548639" algn="l">
-              <a:lnSpc>
-                <a:spcPct val="90000"/>
-              </a:lnSpc>
-              <a:spcBef>
-                <a:spcPts val="1500"/>
-              </a:spcBef>
-              <a:spcAft>
-                <a:spcPts val="0"/>
-              </a:spcAft>
-              <a:buClr>
-                <a:srgbClr val="000000"/>
-              </a:buClr>
-              <a:buSzPts val="2160"/>
-              <a:buChar char="+"/>
-              <a:defRPr/>
-            </a:lvl8pPr>
-            <a:lvl9pPr marL="6172200" lvl="8" indent="-548639" algn="l">
-              <a:lnSpc>
-                <a:spcPct val="90000"/>
-              </a:lnSpc>
-              <a:spcBef>
-                <a:spcPts val="1500"/>
-              </a:spcBef>
-              <a:spcAft>
-                <a:spcPts val="0"/>
-              </a:spcAft>
-              <a:buClr>
-                <a:srgbClr val="000000"/>
-              </a:buClr>
-              <a:buSzPts val="2160"/>
-              <a:buChar char="+"/>
-              <a:defRPr/>
-            </a:lvl9pPr>
-          </a:lstStyle>
-          <a:p>
-            <a:endParaRPr/>
-          </a:p>
-        </p:txBody>
-      </p:sp>
-    </p:spTree>
-    <p:extLst>
-      <p:ext uri="{BB962C8B-B14F-4D97-AF65-F5344CB8AC3E}">
-        <p14:creationId xmlns:p14="http://schemas.microsoft.com/office/powerpoint/2010/main" val="3119570464"/>
-      </p:ext>
-    </p:extLst>
   </p:cSld>
   <p:clrMapOvr>
     <a:masterClrMapping/>
@@ -3165,7 +2007,7 @@
             <a:fld id="{1D8BD707-D9CF-40AE-B4C6-C98DA3205C09}" type="datetimeFigureOut">
               <a:rPr lang="en-US" smtClean="0"/>
               <a:pPr/>
-              <a:t>1/4/2024</a:t>
+              <a:t>1/11/2024</a:t>
             </a:fld>
             <a:endParaRPr lang="en-US"/>
           </a:p>
@@ -3407,7 +2249,7 @@
             <a:fld id="{1D8BD707-D9CF-40AE-B4C6-C98DA3205C09}" type="datetimeFigureOut">
               <a:rPr lang="en-US" smtClean="0"/>
               <a:pPr/>
-              <a:t>1/4/2024</a:t>
+              <a:t>1/11/2024</a:t>
             </a:fld>
             <a:endParaRPr lang="en-US"/>
           </a:p>
@@ -3689,7 +2531,7 @@
             <a:fld id="{1D8BD707-D9CF-40AE-B4C6-C98DA3205C09}" type="datetimeFigureOut">
               <a:rPr lang="en-US" smtClean="0"/>
               <a:pPr/>
-              <a:t>1/4/2024</a:t>
+              <a:t>1/11/2024</a:t>
             </a:fld>
             <a:endParaRPr lang="en-US"/>
           </a:p>
@@ -4105,7 +2947,7 @@
             <a:fld id="{1D8BD707-D9CF-40AE-B4C6-C98DA3205C09}" type="datetimeFigureOut">
               <a:rPr lang="en-US" smtClean="0"/>
               <a:pPr/>
-              <a:t>1/4/2024</a:t>
+              <a:t>1/11/2024</a:t>
             </a:fld>
             <a:endParaRPr lang="en-US"/>
           </a:p>
@@ -4219,7 +3061,7 @@
             <a:fld id="{1D8BD707-D9CF-40AE-B4C6-C98DA3205C09}" type="datetimeFigureOut">
               <a:rPr lang="en-US" smtClean="0"/>
               <a:pPr/>
-              <a:t>1/4/2024</a:t>
+              <a:t>1/11/2024</a:t>
             </a:fld>
             <a:endParaRPr lang="en-US"/>
           </a:p>
@@ -4311,7 +3153,7 @@
             <a:fld id="{1D8BD707-D9CF-40AE-B4C6-C98DA3205C09}" type="datetimeFigureOut">
               <a:rPr lang="en-US" smtClean="0"/>
               <a:pPr/>
-              <a:t>1/4/2024</a:t>
+              <a:t>1/11/2024</a:t>
             </a:fld>
             <a:endParaRPr lang="en-US"/>
           </a:p>
@@ -4583,7 +3425,7 @@
             <a:fld id="{1D8BD707-D9CF-40AE-B4C6-C98DA3205C09}" type="datetimeFigureOut">
               <a:rPr lang="en-US" smtClean="0"/>
               <a:pPr/>
-              <a:t>1/4/2024</a:t>
+              <a:t>1/11/2024</a:t>
             </a:fld>
             <a:endParaRPr lang="en-US"/>
           </a:p>
@@ -4832,7 +3674,7 @@
             <a:fld id="{1D8BD707-D9CF-40AE-B4C6-C98DA3205C09}" type="datetimeFigureOut">
               <a:rPr lang="en-US" smtClean="0"/>
               <a:pPr/>
-              <a:t>1/4/2024</a:t>
+              <a:t>1/11/2024</a:t>
             </a:fld>
             <a:endParaRPr lang="en-US"/>
           </a:p>
@@ -5045,7 +3887,7 @@
             <a:fld id="{1D8BD707-D9CF-40AE-B4C6-C98DA3205C09}" type="datetimeFigureOut">
               <a:rPr lang="en-US" smtClean="0"/>
               <a:pPr/>
-              <a:t>1/4/2024</a:t>
+              <a:t>1/11/2024</a:t>
             </a:fld>
             <a:endParaRPr lang="en-US"/>
           </a:p>
@@ -5145,7 +3987,6 @@
     <p:sldLayoutId id="2147483657" r:id="rId9"/>
     <p:sldLayoutId id="2147483658" r:id="rId10"/>
     <p:sldLayoutId id="2147483659" r:id="rId11"/>
-    <p:sldLayoutId id="2147483660" r:id="rId12"/>
   </p:sldLayoutIdLst>
   <p:txStyles>
     <p:titleStyle>
@@ -5405,7 +4246,7 @@
   <p:cSld>
     <p:spTree>
       <p:nvGrpSpPr>
-        <p:cNvPr id="1" name="Shape 255"/>
+        <p:cNvPr id="1" name=""/>
         <p:cNvGrpSpPr/>
         <p:nvPr/>
       </p:nvGrpSpPr>
@@ -5419,179 +4260,267 @@
       </p:grpSpPr>
       <p:sp>
         <p:nvSpPr>
-          <p:cNvPr id="256" name="Google Shape;256;p2"/>
-          <p:cNvSpPr txBox="1">
-            <a:spLocks noGrp="1"/>
-          </p:cNvSpPr>
-          <p:nvPr>
-            <p:ph type="body" idx="1"/>
-          </p:nvPr>
+          <p:cNvPr id="4" name="Rectangle 3"/>
+          <p:cNvSpPr/>
+          <p:nvPr/>
         </p:nvSpPr>
         <p:spPr>
           <a:xfrm>
-            <a:off x="2826302" y="7549750"/>
-            <a:ext cx="6188870" cy="595889"/>
+            <a:off x="0" y="0"/>
+            <a:ext cx="18288000" cy="10287000"/>
+          </a:xfrm>
+          <a:prstGeom prst="rect">
+            <a:avLst/>
+          </a:prstGeom>
+          <a:solidFill>
+            <a:srgbClr val="CF3338"/>
+          </a:solidFill>
+          <a:ln>
+            <a:noFill/>
+          </a:ln>
+        </p:spPr>
+        <p:style>
+          <a:lnRef idx="2">
+            <a:schemeClr val="accent1">
+              <a:shade val="50000"/>
+            </a:schemeClr>
+          </a:lnRef>
+          <a:fillRef idx="1">
+            <a:schemeClr val="accent1"/>
+          </a:fillRef>
+          <a:effectRef idx="0">
+            <a:schemeClr val="accent1"/>
+          </a:effectRef>
+          <a:fontRef idx="minor">
+            <a:schemeClr val="lt1"/>
+          </a:fontRef>
+        </p:style>
+        <p:txBody>
+          <a:bodyPr rtlCol="0" anchor="ctr"/>
+          <a:lstStyle/>
+          <a:p>
+            <a:pPr algn="ctr"/>
+            <a:endParaRPr lang="en-US" sz="2700"/>
+          </a:p>
+        </p:txBody>
+      </p:sp>
+      <p:sp>
+        <p:nvSpPr>
+          <p:cNvPr id="5" name="TextBox 4"/>
+          <p:cNvSpPr txBox="1"/>
+          <p:nvPr/>
+        </p:nvSpPr>
+        <p:spPr>
+          <a:xfrm>
+            <a:off x="781292" y="590309"/>
+            <a:ext cx="15486926" cy="1615827"/>
           </a:xfrm>
           <a:prstGeom prst="rect">
             <a:avLst/>
           </a:prstGeom>
           <a:noFill/>
-          <a:ln>
-            <a:noFill/>
-          </a:ln>
-        </p:spPr>
-        <p:txBody>
-          <a:bodyPr spcFirstLastPara="1" vert="horz" wrap="square" lIns="0" tIns="0" rIns="0" bIns="0" rtlCol="0" anchor="t" anchorCtr="0">
-            <a:normAutofit/>
+        </p:spPr>
+        <p:txBody>
+          <a:bodyPr wrap="square" rtlCol="0">
+            <a:spAutoFit/>
           </a:bodyPr>
           <a:lstStyle/>
           <a:p>
-            <a:pPr marL="0" indent="0">
-              <a:spcBef>
-                <a:spcPts val="0"/>
-              </a:spcBef>
-            </a:pPr>
-            <a:r>
-              <a:rPr lang="en-US" dirty="0"/>
-              <a:t>George Mount</a:t>
-            </a:r>
-            <a:endParaRPr dirty="0"/>
-          </a:p>
-        </p:txBody>
-      </p:sp>
-      <p:sp>
-        <p:nvSpPr>
-          <p:cNvPr id="257" name="Google Shape;257;p2"/>
-          <p:cNvSpPr txBox="1">
-            <a:spLocks noGrp="1"/>
-          </p:cNvSpPr>
-          <p:nvPr>
-            <p:ph type="body" idx="2"/>
-          </p:nvPr>
-        </p:nvSpPr>
-        <p:spPr>
-          <a:xfrm>
-            <a:off x="2826303" y="8259125"/>
-            <a:ext cx="5181600" cy="852461"/>
-          </a:xfrm>
-          <a:prstGeom prst="rect">
-            <a:avLst/>
-          </a:prstGeom>
-          <a:noFill/>
-          <a:ln>
-            <a:noFill/>
-          </a:ln>
-        </p:spPr>
-        <p:txBody>
-          <a:bodyPr spcFirstLastPara="1" vert="horz" wrap="square" lIns="0" tIns="0" rIns="0" bIns="0" rtlCol="0" anchor="t" anchorCtr="0">
-            <a:normAutofit/>
-          </a:bodyPr>
-          <a:lstStyle/>
-          <a:p>
-            <a:pPr marL="0" indent="0">
-              <a:spcBef>
-                <a:spcPts val="0"/>
-              </a:spcBef>
-            </a:pPr>
-            <a:r>
-              <a:rPr lang="en-US" dirty="0"/>
-              <a:t>Founder, Stringfest Analytics</a:t>
+            <a:r>
+              <a:rPr lang="en-US" sz="9900" b="1" dirty="0">
+                <a:solidFill>
+                  <a:schemeClr val="bg1"/>
+                </a:solidFill>
+                <a:latin typeface="Normafixed Tryout" panose="00000409000000000000" pitchFamily="49" charset="0"/>
+              </a:rPr>
+              <a:t>Hi, I’m George</a:t>
             </a:r>
           </a:p>
         </p:txBody>
       </p:sp>
       <p:pic>
         <p:nvPicPr>
-          <p:cNvPr id="3" name="Picture Placeholder 2" descr="A person smiling for the camera&#10;&#10;Description automatically generated with medium confidence">
+          <p:cNvPr id="3" name="Picture 4" descr="Advancing into Analytics Cover Image">
             <a:extLst>
               <a:ext uri="{FF2B5EF4-FFF2-40B4-BE49-F238E27FC236}">
-                <a16:creationId xmlns:a16="http://schemas.microsoft.com/office/drawing/2014/main" id="{3B39E374-89C6-7C20-E336-70D0DFDF5A46}"/>
+                <a16:creationId xmlns:a16="http://schemas.microsoft.com/office/drawing/2014/main" id="{588F684B-18EF-D76C-5F7B-15E4BAD60643}"/>
               </a:ext>
             </a:extLst>
           </p:cNvPr>
           <p:cNvPicPr>
-            <a:picLocks noGrp="1" noChangeAspect="1"/>
+            <a:picLocks noChangeAspect="1" noChangeArrowheads="1"/>
           </p:cNvPicPr>
-          <p:nvPr>
-            <p:ph type="pic" idx="3"/>
-          </p:nvPr>
+          <p:nvPr/>
         </p:nvPicPr>
         <p:blipFill>
-          <a:blip r:embed="rId3">
+          <a:blip r:embed="rId3" cstate="print">
             <a:extLst>
               <a:ext uri="{28A0092B-C50C-407E-A947-70E740481C1C}">
                 <a14:useLocalDpi xmlns:a14="http://schemas.microsoft.com/office/drawing/2010/main" val="0"/>
               </a:ext>
             </a:extLst>
           </a:blip>
-          <a:srcRect l="16774" r="16774"/>
+          <a:srcRect/>
+          <a:stretch>
+            <a:fillRect/>
+          </a:stretch>
+        </p:blipFill>
+        <p:spPr bwMode="auto">
+          <a:xfrm>
+            <a:off x="14060913" y="456356"/>
+            <a:ext cx="3646936" cy="4763344"/>
+          </a:xfrm>
+          <a:prstGeom prst="rect">
+            <a:avLst/>
+          </a:prstGeom>
+          <a:noFill/>
+          <a:extLst>
+            <a:ext uri="{909E8E84-426E-40DD-AFC4-6F175D3DCCD1}">
+              <a14:hiddenFill xmlns:a14="http://schemas.microsoft.com/office/drawing/2010/main">
+                <a:solidFill>
+                  <a:srgbClr val="FFFFFF"/>
+                </a:solidFill>
+              </a14:hiddenFill>
+            </a:ext>
+          </a:extLst>
+        </p:spPr>
+      </p:pic>
+      <p:pic>
+        <p:nvPicPr>
+          <p:cNvPr id="6" name="Picture 6" descr="Free photos of Cleveland">
+            <a:extLst>
+              <a:ext uri="{FF2B5EF4-FFF2-40B4-BE49-F238E27FC236}">
+                <a16:creationId xmlns:a16="http://schemas.microsoft.com/office/drawing/2014/main" id="{CBA53EEE-E3E1-D99E-A4DC-1C4DD2E6CE4A}"/>
+              </a:ext>
+            </a:extLst>
+          </p:cNvPr>
+          <p:cNvPicPr>
+            <a:picLocks noChangeAspect="1" noChangeArrowheads="1"/>
+          </p:cNvPicPr>
+          <p:nvPr/>
+        </p:nvPicPr>
+        <p:blipFill>
+          <a:blip r:embed="rId4" cstate="print">
+            <a:extLst>
+              <a:ext uri="{28A0092B-C50C-407E-A947-70E740481C1C}">
+                <a14:useLocalDpi xmlns:a14="http://schemas.microsoft.com/office/drawing/2010/main" val="0"/>
+              </a:ext>
+            </a:extLst>
+          </a:blip>
+          <a:srcRect/>
+          <a:stretch>
+            <a:fillRect/>
+          </a:stretch>
+        </p:blipFill>
+        <p:spPr bwMode="auto">
+          <a:xfrm>
+            <a:off x="4758962" y="2476500"/>
+            <a:ext cx="7531585" cy="5013211"/>
+          </a:xfrm>
+          <a:prstGeom prst="rect">
+            <a:avLst/>
+          </a:prstGeom>
+          <a:noFill/>
+          <a:extLst>
+            <a:ext uri="{909E8E84-426E-40DD-AFC4-6F175D3DCCD1}">
+              <a14:hiddenFill xmlns:a14="http://schemas.microsoft.com/office/drawing/2010/main">
+                <a:solidFill>
+                  <a:srgbClr val="FFFFFF"/>
+                </a:solidFill>
+              </a14:hiddenFill>
+            </a:ext>
+          </a:extLst>
+        </p:spPr>
+      </p:pic>
+      <p:pic>
+        <p:nvPicPr>
+          <p:cNvPr id="8" name="Picture 7" descr="Logo&#10;&#10;Description automatically generated">
+            <a:extLst>
+              <a:ext uri="{FF2B5EF4-FFF2-40B4-BE49-F238E27FC236}">
+                <a16:creationId xmlns:a16="http://schemas.microsoft.com/office/drawing/2014/main" id="{97E0F267-87DF-961E-1FAA-47FD4F27A5C6}"/>
+              </a:ext>
+            </a:extLst>
+          </p:cNvPr>
+          <p:cNvPicPr>
+            <a:picLocks noChangeAspect="1"/>
+          </p:cNvPicPr>
+          <p:nvPr/>
+        </p:nvPicPr>
+        <p:blipFill>
+          <a:blip r:embed="rId5" cstate="print">
+            <a:extLst>
+              <a:ext uri="{28A0092B-C50C-407E-A947-70E740481C1C}">
+                <a14:useLocalDpi xmlns:a14="http://schemas.microsoft.com/office/drawing/2010/main" val="0"/>
+              </a:ext>
+            </a:extLst>
+          </a:blip>
           <a:stretch>
             <a:fillRect/>
           </a:stretch>
         </p:blipFill>
         <p:spPr>
           <a:xfrm>
-            <a:off x="596900" y="7466013"/>
-            <a:ext cx="1998663" cy="1997075"/>
-          </a:xfrm>
-          <a:prstGeom prst="ellipse">
+            <a:off x="10336758" y="6210300"/>
+            <a:ext cx="7448309" cy="5462681"/>
+          </a:xfrm>
+          <a:prstGeom prst="rect">
             <a:avLst/>
           </a:prstGeom>
-          <a:noFill/>
-          <a:ln w="31750" cap="flat" cmpd="sng">
-            <a:solidFill>
-              <a:srgbClr val="3DF4A1"/>
-            </a:solidFill>
-            <a:prstDash val="solid"/>
-            <a:round/>
-            <a:headEnd type="none" w="sm" len="sm"/>
-            <a:tailEnd type="none" w="sm" len="sm"/>
-          </a:ln>
         </p:spPr>
       </p:pic>
-      <p:sp>
-        <p:nvSpPr>
-          <p:cNvPr id="259" name="Google Shape;259;p2"/>
-          <p:cNvSpPr txBox="1">
-            <a:spLocks noGrp="1"/>
-          </p:cNvSpPr>
-          <p:nvPr>
-            <p:ph type="body" idx="4"/>
-          </p:nvPr>
-        </p:nvSpPr>
-        <p:spPr>
-          <a:xfrm>
-            <a:off x="597452" y="3717053"/>
-            <a:ext cx="11975549" cy="1759407"/>
+      <p:pic>
+        <p:nvPicPr>
+          <p:cNvPr id="1026" name="Picture 2" descr="Excel MVP Led Training - The Best Way to Learn Excel.">
+            <a:extLst>
+              <a:ext uri="{FF2B5EF4-FFF2-40B4-BE49-F238E27FC236}">
+                <a16:creationId xmlns:a16="http://schemas.microsoft.com/office/drawing/2014/main" id="{1541E3A8-702A-355A-01A5-FFB43F9DE736}"/>
+              </a:ext>
+            </a:extLst>
+          </p:cNvPr>
+          <p:cNvPicPr>
+            <a:picLocks noChangeAspect="1" noChangeArrowheads="1"/>
+          </p:cNvPicPr>
+          <p:nvPr/>
+        </p:nvPicPr>
+        <p:blipFill>
+          <a:blip r:embed="rId6">
+            <a:extLst>
+              <a:ext uri="{28A0092B-C50C-407E-A947-70E740481C1C}">
+                <a14:useLocalDpi xmlns:a14="http://schemas.microsoft.com/office/drawing/2010/main" val="0"/>
+              </a:ext>
+            </a:extLst>
+          </a:blip>
+          <a:srcRect/>
+          <a:stretch>
+            <a:fillRect/>
+          </a:stretch>
+        </p:blipFill>
+        <p:spPr bwMode="auto">
+          <a:xfrm>
+            <a:off x="1095268" y="8334375"/>
+            <a:ext cx="4028188" cy="1615827"/>
           </a:xfrm>
           <a:prstGeom prst="rect">
             <a:avLst/>
           </a:prstGeom>
           <a:noFill/>
-          <a:ln>
-            <a:noFill/>
-          </a:ln>
-        </p:spPr>
-        <p:txBody>
-          <a:bodyPr spcFirstLastPara="1" vert="horz" wrap="square" lIns="0" tIns="0" rIns="0" bIns="0" rtlCol="0" anchor="t" anchorCtr="0">
-            <a:noAutofit/>
-          </a:bodyPr>
-          <a:lstStyle/>
-          <a:p>
-            <a:pPr marL="0" indent="0">
-              <a:spcBef>
-                <a:spcPts val="0"/>
-              </a:spcBef>
-            </a:pPr>
-            <a:r>
-              <a:rPr lang="en-US" dirty="0"/>
-              <a:t>Python in Excel: First Steps</a:t>
-            </a:r>
-            <a:endParaRPr dirty="0"/>
-          </a:p>
-        </p:txBody>
-      </p:sp>
+          <a:extLst>
+            <a:ext uri="{909E8E84-426E-40DD-AFC4-6F175D3DCCD1}">
+              <a14:hiddenFill xmlns:a14="http://schemas.microsoft.com/office/drawing/2010/main">
+                <a:solidFill>
+                  <a:srgbClr val="FFFFFF"/>
+                </a:solidFill>
+              </a14:hiddenFill>
+            </a:ext>
+          </a:extLst>
+        </p:spPr>
+      </p:pic>
     </p:spTree>
+    <p:extLst>
+      <p:ext uri="{BB962C8B-B14F-4D97-AF65-F5344CB8AC3E}">
+        <p14:creationId xmlns:p14="http://schemas.microsoft.com/office/powerpoint/2010/main" val="166785523"/>
+      </p:ext>
+    </p:extLst>
   </p:cSld>
   <p:clrMapOvr>
     <a:masterClrMapping/>
@@ -5600,6 +4529,484 @@
 </file>
 
 <file path=ppt/slides/slide10.xml><?xml version="1.0" encoding="utf-8"?>
+<p:sld xmlns:a="http://schemas.openxmlformats.org/drawingml/2006/main" xmlns:r="http://schemas.openxmlformats.org/officeDocument/2006/relationships" xmlns:p="http://schemas.openxmlformats.org/presentationml/2006/main">
+  <p:cSld>
+    <p:spTree>
+      <p:nvGrpSpPr>
+        <p:cNvPr id="1" name=""/>
+        <p:cNvGrpSpPr/>
+        <p:nvPr/>
+      </p:nvGrpSpPr>
+      <p:grpSpPr>
+        <a:xfrm>
+          <a:off x="0" y="0"/>
+          <a:ext cx="0" cy="0"/>
+          <a:chOff x="0" y="0"/>
+          <a:chExt cx="0" cy="0"/>
+        </a:xfrm>
+      </p:grpSpPr>
+      <p:sp>
+        <p:nvSpPr>
+          <p:cNvPr id="4" name="Rectangle 3"/>
+          <p:cNvSpPr/>
+          <p:nvPr/>
+        </p:nvSpPr>
+        <p:spPr>
+          <a:xfrm>
+            <a:off x="0" y="0"/>
+            <a:ext cx="18288000" cy="10287000"/>
+          </a:xfrm>
+          <a:prstGeom prst="rect">
+            <a:avLst/>
+          </a:prstGeom>
+          <a:solidFill>
+            <a:srgbClr val="CF3338"/>
+          </a:solidFill>
+          <a:ln>
+            <a:noFill/>
+          </a:ln>
+        </p:spPr>
+        <p:style>
+          <a:lnRef idx="2">
+            <a:schemeClr val="accent1">
+              <a:shade val="50000"/>
+            </a:schemeClr>
+          </a:lnRef>
+          <a:fillRef idx="1">
+            <a:schemeClr val="accent1"/>
+          </a:fillRef>
+          <a:effectRef idx="0">
+            <a:schemeClr val="accent1"/>
+          </a:effectRef>
+          <a:fontRef idx="minor">
+            <a:schemeClr val="lt1"/>
+          </a:fontRef>
+        </p:style>
+        <p:txBody>
+          <a:bodyPr rtlCol="0" anchor="ctr"/>
+          <a:lstStyle/>
+          <a:p>
+            <a:pPr algn="ctr"/>
+            <a:endParaRPr lang="en-US" sz="2700"/>
+          </a:p>
+        </p:txBody>
+      </p:sp>
+      <p:sp>
+        <p:nvSpPr>
+          <p:cNvPr id="5" name="TextBox 4"/>
+          <p:cNvSpPr txBox="1"/>
+          <p:nvPr/>
+        </p:nvSpPr>
+        <p:spPr>
+          <a:xfrm>
+            <a:off x="781292" y="590309"/>
+            <a:ext cx="15486926" cy="4662815"/>
+          </a:xfrm>
+          <a:prstGeom prst="rect">
+            <a:avLst/>
+          </a:prstGeom>
+          <a:noFill/>
+        </p:spPr>
+        <p:txBody>
+          <a:bodyPr wrap="square" rtlCol="0">
+            <a:spAutoFit/>
+          </a:bodyPr>
+          <a:lstStyle/>
+          <a:p>
+            <a:r>
+              <a:rPr lang="en-US" sz="9900" b="1" dirty="0">
+                <a:solidFill>
+                  <a:schemeClr val="bg1"/>
+                </a:solidFill>
+                <a:latin typeface="Normafixed Tryout" panose="00000409000000000000" pitchFamily="49" charset="0"/>
+              </a:rPr>
+              <a:t>3. There’s more to Python </a:t>
+            </a:r>
+            <a:r>
+              <a:rPr lang="en-US" sz="9900" b="1" i="1" dirty="0">
+                <a:solidFill>
+                  <a:schemeClr val="bg1"/>
+                </a:solidFill>
+                <a:latin typeface="Normafixed Tryout" panose="00000409000000000000" pitchFamily="49" charset="0"/>
+              </a:rPr>
+              <a:t>and </a:t>
+            </a:r>
+            <a:r>
+              <a:rPr lang="en-US" sz="9900" b="1" dirty="0">
+                <a:solidFill>
+                  <a:schemeClr val="bg1"/>
+                </a:solidFill>
+                <a:latin typeface="Normafixed Tryout" panose="00000409000000000000" pitchFamily="49" charset="0"/>
+              </a:rPr>
+              <a:t>Excel than Python </a:t>
+            </a:r>
+            <a:r>
+              <a:rPr lang="en-US" sz="9900" b="1" i="1" dirty="0">
+                <a:solidFill>
+                  <a:schemeClr val="bg1"/>
+                </a:solidFill>
+                <a:latin typeface="Normafixed Tryout" panose="00000409000000000000" pitchFamily="49" charset="0"/>
+              </a:rPr>
+              <a:t>in </a:t>
+            </a:r>
+            <a:r>
+              <a:rPr lang="en-US" sz="9900" b="1" dirty="0">
+                <a:solidFill>
+                  <a:schemeClr val="bg1"/>
+                </a:solidFill>
+                <a:latin typeface="Normafixed Tryout" panose="00000409000000000000" pitchFamily="49" charset="0"/>
+              </a:rPr>
+              <a:t>Excel</a:t>
+            </a:r>
+          </a:p>
+        </p:txBody>
+      </p:sp>
+    </p:spTree>
+    <p:extLst>
+      <p:ext uri="{BB962C8B-B14F-4D97-AF65-F5344CB8AC3E}">
+        <p14:creationId xmlns:p14="http://schemas.microsoft.com/office/powerpoint/2010/main" val="1915421395"/>
+      </p:ext>
+    </p:extLst>
+  </p:cSld>
+  <p:clrMapOvr>
+    <a:masterClrMapping/>
+  </p:clrMapOvr>
+</p:sld>
+</file>
+
+<file path=ppt/slides/slide11.xml><?xml version="1.0" encoding="utf-8"?>
+<p:sld xmlns:a="http://schemas.openxmlformats.org/drawingml/2006/main" xmlns:r="http://schemas.openxmlformats.org/officeDocument/2006/relationships" xmlns:p="http://schemas.openxmlformats.org/presentationml/2006/main">
+  <p:cSld>
+    <p:spTree>
+      <p:nvGrpSpPr>
+        <p:cNvPr id="1" name=""/>
+        <p:cNvGrpSpPr/>
+        <p:nvPr/>
+      </p:nvGrpSpPr>
+      <p:grpSpPr>
+        <a:xfrm>
+          <a:off x="0" y="0"/>
+          <a:ext cx="0" cy="0"/>
+          <a:chOff x="0" y="0"/>
+          <a:chExt cx="0" cy="0"/>
+        </a:xfrm>
+      </p:grpSpPr>
+      <p:sp>
+        <p:nvSpPr>
+          <p:cNvPr id="4" name="Rectangle 3"/>
+          <p:cNvSpPr/>
+          <p:nvPr/>
+        </p:nvSpPr>
+        <p:spPr>
+          <a:xfrm>
+            <a:off x="9861630" y="0"/>
+            <a:ext cx="8426370" cy="10287000"/>
+          </a:xfrm>
+          <a:prstGeom prst="rect">
+            <a:avLst/>
+          </a:prstGeom>
+          <a:solidFill>
+            <a:srgbClr val="CF3338"/>
+          </a:solidFill>
+          <a:ln>
+            <a:noFill/>
+          </a:ln>
+        </p:spPr>
+        <p:style>
+          <a:lnRef idx="2">
+            <a:schemeClr val="accent1">
+              <a:shade val="50000"/>
+            </a:schemeClr>
+          </a:lnRef>
+          <a:fillRef idx="1">
+            <a:schemeClr val="accent1"/>
+          </a:fillRef>
+          <a:effectRef idx="0">
+            <a:schemeClr val="accent1"/>
+          </a:effectRef>
+          <a:fontRef idx="minor">
+            <a:schemeClr val="lt1"/>
+          </a:fontRef>
+        </p:style>
+        <p:txBody>
+          <a:bodyPr rtlCol="0" anchor="ctr"/>
+          <a:lstStyle/>
+          <a:p>
+            <a:pPr algn="ctr"/>
+            <a:endParaRPr lang="en-US" sz="2700"/>
+          </a:p>
+        </p:txBody>
+      </p:sp>
+      <p:pic>
+        <p:nvPicPr>
+          <p:cNvPr id="2" name="Picture 1"/>
+          <p:cNvPicPr>
+            <a:picLocks noChangeAspect="1"/>
+          </p:cNvPicPr>
+          <p:nvPr/>
+        </p:nvPicPr>
+        <p:blipFill rotWithShape="1">
+          <a:blip r:embed="rId3">
+            <a:extLst>
+              <a:ext uri="{28A0092B-C50C-407E-A947-70E740481C1C}">
+                <a14:useLocalDpi xmlns:a14="http://schemas.microsoft.com/office/drawing/2010/main" val="0"/>
+              </a:ext>
+            </a:extLst>
+          </a:blip>
+          <a:srcRect l="69227" t="33418" r="20112" b="50548"/>
+          <a:stretch/>
+        </p:blipFill>
+        <p:spPr>
+          <a:xfrm>
+            <a:off x="15579524" y="7544693"/>
+            <a:ext cx="2708477" cy="2987579"/>
+          </a:xfrm>
+          <a:prstGeom prst="rect">
+            <a:avLst/>
+          </a:prstGeom>
+        </p:spPr>
+      </p:pic>
+      <p:sp>
+        <p:nvSpPr>
+          <p:cNvPr id="3" name="TextBox 2"/>
+          <p:cNvSpPr txBox="1"/>
+          <p:nvPr/>
+        </p:nvSpPr>
+        <p:spPr>
+          <a:xfrm>
+            <a:off x="260431" y="329879"/>
+            <a:ext cx="8906720" cy="10234084"/>
+          </a:xfrm>
+          <a:prstGeom prst="rect">
+            <a:avLst/>
+          </a:prstGeom>
+          <a:noFill/>
+        </p:spPr>
+        <p:txBody>
+          <a:bodyPr wrap="square" rtlCol="0">
+            <a:spAutoFit/>
+          </a:bodyPr>
+          <a:lstStyle/>
+          <a:p>
+            <a:r>
+              <a:rPr lang="en-US" sz="6000" b="1" dirty="0">
+                <a:solidFill>
+                  <a:srgbClr val="CF3338"/>
+                </a:solidFill>
+                <a:latin typeface="Pragmatica" panose="020B0403040502020204" pitchFamily="34" charset="0"/>
+              </a:rPr>
+              <a:t>There’s more to Python </a:t>
+            </a:r>
+            <a:r>
+              <a:rPr lang="en-US" sz="6000" b="1" i="1" dirty="0">
+                <a:solidFill>
+                  <a:srgbClr val="CF3338"/>
+                </a:solidFill>
+                <a:latin typeface="Pragmatica" panose="020B0403040502020204" pitchFamily="34" charset="0"/>
+              </a:rPr>
+              <a:t>and</a:t>
+            </a:r>
+            <a:r>
+              <a:rPr lang="en-US" sz="6000" b="1" dirty="0">
+                <a:solidFill>
+                  <a:srgbClr val="CF3338"/>
+                </a:solidFill>
+                <a:latin typeface="Pragmatica" panose="020B0403040502020204" pitchFamily="34" charset="0"/>
+              </a:rPr>
+              <a:t> Excel than Python </a:t>
+            </a:r>
+            <a:r>
+              <a:rPr lang="en-US" sz="6000" b="1" i="1" dirty="0">
+                <a:solidFill>
+                  <a:srgbClr val="CF3338"/>
+                </a:solidFill>
+                <a:latin typeface="Pragmatica" panose="020B0403040502020204" pitchFamily="34" charset="0"/>
+              </a:rPr>
+              <a:t>in </a:t>
+            </a:r>
+            <a:r>
+              <a:rPr lang="en-US" sz="6000" b="1" dirty="0">
+                <a:solidFill>
+                  <a:srgbClr val="CF3338"/>
+                </a:solidFill>
+                <a:latin typeface="Pragmatica" panose="020B0403040502020204" pitchFamily="34" charset="0"/>
+              </a:rPr>
+              <a:t>Excel</a:t>
+            </a:r>
+          </a:p>
+          <a:p>
+            <a:endParaRPr lang="en-US" sz="4200" dirty="0">
+              <a:solidFill>
+                <a:srgbClr val="CF3338"/>
+              </a:solidFill>
+              <a:latin typeface="Pragmatica" panose="020B0403040502020204" pitchFamily="34" charset="0"/>
+            </a:endParaRPr>
+          </a:p>
+          <a:p>
+            <a:pPr marL="685800" indent="-542925">
+              <a:lnSpc>
+                <a:spcPct val="115000"/>
+              </a:lnSpc>
+              <a:spcBef>
+                <a:spcPts val="1125"/>
+              </a:spcBef>
+              <a:buClr>
+                <a:srgbClr val="C00000"/>
+              </a:buClr>
+              <a:buSzPts val="2100"/>
+              <a:buFont typeface="Arial"/>
+              <a:buAutoNum type="arabicPeriod"/>
+            </a:pPr>
+            <a:r>
+              <a:rPr lang="en-US" sz="3600" dirty="0">
+                <a:solidFill>
+                  <a:srgbClr val="C00000"/>
+                </a:solidFill>
+                <a:latin typeface="Pragmatica" panose="020B0403040502020204"/>
+                <a:sym typeface="Consolas"/>
+              </a:rPr>
+              <a:t>Python in Excel is all about data analysis, visualization, statistics &amp; ML</a:t>
+            </a:r>
+          </a:p>
+          <a:p>
+            <a:pPr marL="685800" indent="-542925">
+              <a:lnSpc>
+                <a:spcPct val="115000"/>
+              </a:lnSpc>
+              <a:spcBef>
+                <a:spcPts val="1125"/>
+              </a:spcBef>
+              <a:buClr>
+                <a:srgbClr val="C00000"/>
+              </a:buClr>
+              <a:buSzPts val="2100"/>
+              <a:buFont typeface="Arial"/>
+              <a:buAutoNum type="arabicPeriod"/>
+            </a:pPr>
+            <a:r>
+              <a:rPr lang="en-US" sz="3600" dirty="0">
+                <a:solidFill>
+                  <a:srgbClr val="C00000"/>
+                </a:solidFill>
+                <a:latin typeface="Pragmatica" panose="020B0403040502020204"/>
+                <a:sym typeface="Consolas"/>
+              </a:rPr>
+              <a:t>It lacks Excel automation capabilities</a:t>
+            </a:r>
+          </a:p>
+          <a:p>
+            <a:pPr marL="685800" indent="-542925">
+              <a:lnSpc>
+                <a:spcPct val="115000"/>
+              </a:lnSpc>
+              <a:spcBef>
+                <a:spcPts val="1125"/>
+              </a:spcBef>
+              <a:buClr>
+                <a:srgbClr val="C00000"/>
+              </a:buClr>
+              <a:buSzPts val="2100"/>
+              <a:buFont typeface="Arial"/>
+              <a:buAutoNum type="arabicPeriod"/>
+            </a:pPr>
+            <a:r>
+              <a:rPr lang="en-US" sz="3600" dirty="0">
+                <a:solidFill>
+                  <a:srgbClr val="C00000"/>
+                </a:solidFill>
+                <a:latin typeface="Pragmatica" panose="020B0403040502020204"/>
+                <a:sym typeface="Consolas"/>
+              </a:rPr>
+              <a:t>You can automate an entire Excel workbook from Python… without opening Excel!</a:t>
+            </a:r>
+          </a:p>
+          <a:p>
+            <a:pPr marL="685800" indent="-542925">
+              <a:lnSpc>
+                <a:spcPct val="115000"/>
+              </a:lnSpc>
+              <a:spcBef>
+                <a:spcPts val="1125"/>
+              </a:spcBef>
+              <a:buClr>
+                <a:srgbClr val="C00000"/>
+              </a:buClr>
+              <a:buSzPts val="2100"/>
+              <a:buFont typeface="Arial"/>
+              <a:buAutoNum type="arabicPeriod"/>
+            </a:pPr>
+            <a:endParaRPr lang="en-US" sz="3600" dirty="0">
+              <a:solidFill>
+                <a:srgbClr val="C00000"/>
+              </a:solidFill>
+              <a:latin typeface="Pragmatica" panose="020B0403040502020204"/>
+              <a:sym typeface="Consolas"/>
+            </a:endParaRPr>
+          </a:p>
+          <a:p>
+            <a:pPr marL="142875">
+              <a:lnSpc>
+                <a:spcPct val="115000"/>
+              </a:lnSpc>
+              <a:spcBef>
+                <a:spcPts val="1125"/>
+              </a:spcBef>
+              <a:buClr>
+                <a:srgbClr val="C00000"/>
+              </a:buClr>
+              <a:buSzPts val="2100"/>
+            </a:pPr>
+            <a:r>
+              <a:rPr lang="en-US" sz="3600" dirty="0">
+                <a:solidFill>
+                  <a:srgbClr val="C00000"/>
+                </a:solidFill>
+                <a:latin typeface="Pragmatica" panose="020B0403040502020204"/>
+                <a:sym typeface="Consolas"/>
+              </a:rPr>
+              <a:t>File: </a:t>
+            </a:r>
+            <a:r>
+              <a:rPr lang="en-US" sz="3600" dirty="0" err="1">
+                <a:solidFill>
+                  <a:srgbClr val="C00000"/>
+                </a:solidFill>
+                <a:latin typeface="Consolas" panose="020B0609020204030204" pitchFamily="49" charset="0"/>
+                <a:sym typeface="Consolas"/>
+              </a:rPr>
+              <a:t>pae-pie.ipynb</a:t>
+            </a:r>
+            <a:endParaRPr lang="en-US" sz="6000" dirty="0">
+              <a:solidFill>
+                <a:srgbClr val="CF3338"/>
+              </a:solidFill>
+              <a:latin typeface="Consolas" panose="020B0609020204030204" pitchFamily="49" charset="0"/>
+            </a:endParaRPr>
+          </a:p>
+          <a:p>
+            <a:endParaRPr lang="en-US" sz="6000" dirty="0">
+              <a:solidFill>
+                <a:srgbClr val="CF3338"/>
+              </a:solidFill>
+              <a:latin typeface="Pragmatica" panose="020B0403040502020204" pitchFamily="34" charset="0"/>
+            </a:endParaRPr>
+          </a:p>
+        </p:txBody>
+      </p:sp>
+    </p:spTree>
+    <p:extLst>
+      <p:ext uri="{BB962C8B-B14F-4D97-AF65-F5344CB8AC3E}">
+        <p14:creationId xmlns:p14="http://schemas.microsoft.com/office/powerpoint/2010/main" val="2938274525"/>
+      </p:ext>
+    </p:extLst>
+  </p:cSld>
+  <p:clrMapOvr>
+    <a:masterClrMapping/>
+  </p:clrMapOvr>
+</p:sld>
+</file>
+
+<file path=ppt/slides/slide12.xml><?xml version="1.0" encoding="utf-8"?>
 <p:sld xmlns:a="http://schemas.openxmlformats.org/drawingml/2006/main" xmlns:r="http://schemas.openxmlformats.org/officeDocument/2006/relationships" xmlns:p="http://schemas.openxmlformats.org/presentationml/2006/main">
   <p:cSld>
     <p:spTree>
@@ -5747,7 +5154,7 @@
     </p:spTree>
     <p:extLst>
       <p:ext uri="{BB962C8B-B14F-4D97-AF65-F5344CB8AC3E}">
-        <p14:creationId xmlns:p14="http://schemas.microsoft.com/office/powerpoint/2010/main" val="2899625024"/>
+        <p14:creationId xmlns:p14="http://schemas.microsoft.com/office/powerpoint/2010/main" val="59831101"/>
       </p:ext>
     </p:extLst>
   </p:cSld>
@@ -5757,12 +5164,18 @@
 </p:sld>
 </file>
 
-<file path=ppt/slides/slide11.xml><?xml version="1.0" encoding="utf-8"?>
+<file path=ppt/slides/slide13.xml><?xml version="1.0" encoding="utf-8"?>
 <p:sld xmlns:a="http://schemas.openxmlformats.org/drawingml/2006/main" xmlns:r="http://schemas.openxmlformats.org/officeDocument/2006/relationships" xmlns:p="http://schemas.openxmlformats.org/presentationml/2006/main">
   <p:cSld>
     <p:spTree>
       <p:nvGrpSpPr>
-        <p:cNvPr id="1" name=""/>
+        <p:cNvPr id="1" name="">
+          <a:extLst>
+            <a:ext uri="{FF2B5EF4-FFF2-40B4-BE49-F238E27FC236}">
+              <a16:creationId xmlns:a16="http://schemas.microsoft.com/office/drawing/2014/main" id="{E85323C9-D5F7-C820-78B9-E169BDF2311C}"/>
+            </a:ext>
+          </a:extLst>
+        </p:cNvPr>
         <p:cNvGrpSpPr/>
         <p:nvPr/>
       </p:nvGrpSpPr>
@@ -5776,7 +5189,13 @@
       </p:grpSpPr>
       <p:sp>
         <p:nvSpPr>
-          <p:cNvPr id="4" name="Rectangle 3"/>
+          <p:cNvPr id="4" name="Rectangle 3">
+            <a:extLst>
+              <a:ext uri="{FF2B5EF4-FFF2-40B4-BE49-F238E27FC236}">
+                <a16:creationId xmlns:a16="http://schemas.microsoft.com/office/drawing/2014/main" id="{28971779-1F50-1702-DEC1-87CD482189F0}"/>
+              </a:ext>
+            </a:extLst>
+          </p:cNvPr>
           <p:cNvSpPr/>
           <p:nvPr/>
         </p:nvSpPr>
@@ -5822,14 +5241,20 @@
       </p:sp>
       <p:sp>
         <p:nvSpPr>
-          <p:cNvPr id="5" name="TextBox 4"/>
+          <p:cNvPr id="5" name="TextBox 4">
+            <a:extLst>
+              <a:ext uri="{FF2B5EF4-FFF2-40B4-BE49-F238E27FC236}">
+                <a16:creationId xmlns:a16="http://schemas.microsoft.com/office/drawing/2014/main" id="{5ECC4C7B-C529-5329-03AC-796804551DC1}"/>
+              </a:ext>
+            </a:extLst>
+          </p:cNvPr>
           <p:cNvSpPr txBox="1"/>
           <p:nvPr/>
         </p:nvSpPr>
         <p:spPr>
           <a:xfrm>
             <a:off x="781292" y="590309"/>
-            <a:ext cx="15486926" cy="4662815"/>
+            <a:ext cx="15486926" cy="1615827"/>
           </a:xfrm>
           <a:prstGeom prst="rect">
             <a:avLst/>
@@ -5849,43 +5274,7 @@
                 </a:solidFill>
                 <a:latin typeface="Normafixed Tryout" panose="00000409000000000000" pitchFamily="49" charset="0"/>
               </a:rPr>
-              <a:t>3. There’s more to Python </a:t>
-            </a:r>
-            <a:r>
-              <a:rPr lang="en-US" sz="9900" b="1" i="1" dirty="0">
-                <a:solidFill>
-                  <a:schemeClr val="bg1"/>
-                </a:solidFill>
-                <a:latin typeface="Normafixed Tryout" panose="00000409000000000000" pitchFamily="49" charset="0"/>
-              </a:rPr>
-              <a:t>and </a:t>
-            </a:r>
-            <a:r>
-              <a:rPr lang="en-US" sz="9900" b="1" dirty="0">
-                <a:solidFill>
-                  <a:schemeClr val="bg1"/>
-                </a:solidFill>
-                <a:latin typeface="Normafixed Tryout" panose="00000409000000000000" pitchFamily="49" charset="0"/>
-              </a:rPr>
-              <a:t>Excel than Python </a:t>
-            </a:r>
-            <a:r>
-              <a:rPr lang="en-US" sz="9900" b="1" i="1" dirty="0">
-                <a:solidFill>
-                  <a:schemeClr val="bg1"/>
-                </a:solidFill>
-                <a:latin typeface="Normafixed Tryout" panose="00000409000000000000" pitchFamily="49" charset="0"/>
-              </a:rPr>
-              <a:t>in </a:t>
-            </a:r>
-            <a:r>
-              <a:rPr lang="en-US" sz="9900" b="1" dirty="0">
-                <a:solidFill>
-                  <a:schemeClr val="bg1"/>
-                </a:solidFill>
-                <a:latin typeface="Normafixed Tryout" panose="00000409000000000000" pitchFamily="49" charset="0"/>
-              </a:rPr>
-              <a:t>Excel</a:t>
+              <a:t>4. Conclusion</a:t>
             </a:r>
           </a:p>
         </p:txBody>
@@ -5893,7 +5282,7 @@
     </p:spTree>
     <p:extLst>
       <p:ext uri="{BB962C8B-B14F-4D97-AF65-F5344CB8AC3E}">
-        <p14:creationId xmlns:p14="http://schemas.microsoft.com/office/powerpoint/2010/main" val="1915421395"/>
+        <p14:creationId xmlns:p14="http://schemas.microsoft.com/office/powerpoint/2010/main" val="358064314"/>
       </p:ext>
     </p:extLst>
   </p:cSld>
@@ -5903,12 +5292,18 @@
 </p:sld>
 </file>
 
-<file path=ppt/slides/slide12.xml><?xml version="1.0" encoding="utf-8"?>
+<file path=ppt/slides/slide14.xml><?xml version="1.0" encoding="utf-8"?>
 <p:sld xmlns:a="http://schemas.openxmlformats.org/drawingml/2006/main" xmlns:r="http://schemas.openxmlformats.org/officeDocument/2006/relationships" xmlns:p="http://schemas.openxmlformats.org/presentationml/2006/main">
   <p:cSld>
     <p:spTree>
       <p:nvGrpSpPr>
-        <p:cNvPr id="1" name=""/>
+        <p:cNvPr id="1" name="">
+          <a:extLst>
+            <a:ext uri="{FF2B5EF4-FFF2-40B4-BE49-F238E27FC236}">
+              <a16:creationId xmlns:a16="http://schemas.microsoft.com/office/drawing/2014/main" id="{556CB9BC-ABA6-103A-715B-D3B9A4577CCE}"/>
+            </a:ext>
+          </a:extLst>
+        </p:cNvPr>
         <p:cNvGrpSpPr/>
         <p:nvPr/>
       </p:nvGrpSpPr>
@@ -5922,7 +5317,13 @@
       </p:grpSpPr>
       <p:sp>
         <p:nvSpPr>
-          <p:cNvPr id="4" name="Rectangle 3"/>
+          <p:cNvPr id="4" name="Rectangle 3">
+            <a:extLst>
+              <a:ext uri="{FF2B5EF4-FFF2-40B4-BE49-F238E27FC236}">
+                <a16:creationId xmlns:a16="http://schemas.microsoft.com/office/drawing/2014/main" id="{DADD1AF2-9FDD-94D8-80B6-5B4D41D189A9}"/>
+              </a:ext>
+            </a:extLst>
+          </p:cNvPr>
           <p:cNvSpPr/>
           <p:nvPr/>
         </p:nvSpPr>
@@ -5968,7 +5369,13 @@
       </p:sp>
       <p:pic>
         <p:nvPicPr>
-          <p:cNvPr id="2" name="Picture 1"/>
+          <p:cNvPr id="2" name="Picture 1">
+            <a:extLst>
+              <a:ext uri="{FF2B5EF4-FFF2-40B4-BE49-F238E27FC236}">
+                <a16:creationId xmlns:a16="http://schemas.microsoft.com/office/drawing/2014/main" id="{B995B80C-F573-6FA2-163B-B895205BFF2A}"/>
+              </a:ext>
+            </a:extLst>
+          </p:cNvPr>
           <p:cNvPicPr>
             <a:picLocks noChangeAspect="1"/>
           </p:cNvPicPr>
@@ -5997,14 +5404,20 @@
       </p:pic>
       <p:sp>
         <p:nvSpPr>
-          <p:cNvPr id="3" name="TextBox 2"/>
+          <p:cNvPr id="3" name="TextBox 2">
+            <a:extLst>
+              <a:ext uri="{FF2B5EF4-FFF2-40B4-BE49-F238E27FC236}">
+                <a16:creationId xmlns:a16="http://schemas.microsoft.com/office/drawing/2014/main" id="{1B972C77-007E-B6EB-C801-5C7906650F63}"/>
+              </a:ext>
+            </a:extLst>
+          </p:cNvPr>
           <p:cNvSpPr txBox="1"/>
           <p:nvPr/>
         </p:nvSpPr>
         <p:spPr>
           <a:xfrm>
             <a:off x="260431" y="329879"/>
-            <a:ext cx="8906720" cy="10234084"/>
+            <a:ext cx="8906720" cy="3640484"/>
           </a:xfrm>
           <a:prstGeom prst="rect">
             <a:avLst/>
@@ -6024,7 +5437,7 @@
                 </a:solidFill>
                 <a:latin typeface="Pragmatica" panose="020B0403040502020204" pitchFamily="34" charset="0"/>
               </a:rPr>
-              <a:t>There’s more to Python </a:t>
+              <a:t>Resource: </a:t>
             </a:r>
             <a:r>
               <a:rPr lang="en-US" sz="6000" b="1" i="1" dirty="0">
@@ -6033,143 +5446,13 @@
                 </a:solidFill>
                 <a:latin typeface="Pragmatica" panose="020B0403040502020204" pitchFamily="34" charset="0"/>
               </a:rPr>
-              <a:t>and</a:t>
-            </a:r>
-            <a:r>
-              <a:rPr lang="en-US" sz="6000" b="1" dirty="0">
-                <a:solidFill>
-                  <a:srgbClr val="CF3338"/>
-                </a:solidFill>
-                <a:latin typeface="Pragmatica" panose="020B0403040502020204" pitchFamily="34" charset="0"/>
-              </a:rPr>
-              <a:t> Excel than Python </a:t>
-            </a:r>
-            <a:r>
-              <a:rPr lang="en-US" sz="6000" b="1" i="1" dirty="0">
-                <a:solidFill>
-                  <a:srgbClr val="CF3338"/>
-                </a:solidFill>
-                <a:latin typeface="Pragmatica" panose="020B0403040502020204" pitchFamily="34" charset="0"/>
-              </a:rPr>
-              <a:t>in </a:t>
-            </a:r>
-            <a:r>
-              <a:rPr lang="en-US" sz="6000" b="1" dirty="0">
-                <a:solidFill>
-                  <a:srgbClr val="CF3338"/>
-                </a:solidFill>
-                <a:latin typeface="Pragmatica" panose="020B0403040502020204" pitchFamily="34" charset="0"/>
-              </a:rPr>
-              <a:t>Excel</a:t>
-            </a:r>
-          </a:p>
-          <a:p>
-            <a:endParaRPr lang="en-US" sz="4200" dirty="0">
+              <a:t>Python for Excel</a:t>
+            </a:r>
+            <a:endParaRPr lang="en-US" sz="6000" b="1" dirty="0">
               <a:solidFill>
                 <a:srgbClr val="CF3338"/>
               </a:solidFill>
               <a:latin typeface="Pragmatica" panose="020B0403040502020204" pitchFamily="34" charset="0"/>
-            </a:endParaRPr>
-          </a:p>
-          <a:p>
-            <a:pPr marL="685800" indent="-542925">
-              <a:lnSpc>
-                <a:spcPct val="115000"/>
-              </a:lnSpc>
-              <a:spcBef>
-                <a:spcPts val="1125"/>
-              </a:spcBef>
-              <a:buClr>
-                <a:srgbClr val="C00000"/>
-              </a:buClr>
-              <a:buSzPts val="2100"/>
-              <a:buFont typeface="Arial"/>
-              <a:buAutoNum type="arabicPeriod"/>
-            </a:pPr>
-            <a:r>
-              <a:rPr lang="en-US" sz="3600" dirty="0">
-                <a:solidFill>
-                  <a:srgbClr val="C00000"/>
-                </a:solidFill>
-                <a:latin typeface="Pragmatica" panose="020B0403040502020204"/>
-                <a:sym typeface="Consolas"/>
-              </a:rPr>
-              <a:t>Python in Excel is all about data analysis, visualization, statistics &amp; ML</a:t>
-            </a:r>
-          </a:p>
-          <a:p>
-            <a:pPr marL="685800" indent="-542925">
-              <a:lnSpc>
-                <a:spcPct val="115000"/>
-              </a:lnSpc>
-              <a:spcBef>
-                <a:spcPts val="1125"/>
-              </a:spcBef>
-              <a:buClr>
-                <a:srgbClr val="C00000"/>
-              </a:buClr>
-              <a:buSzPts val="2100"/>
-              <a:buFont typeface="Arial"/>
-              <a:buAutoNum type="arabicPeriod"/>
-            </a:pPr>
-            <a:r>
-              <a:rPr lang="en-US" sz="3600" dirty="0">
-                <a:solidFill>
-                  <a:srgbClr val="C00000"/>
-                </a:solidFill>
-                <a:latin typeface="Pragmatica" panose="020B0403040502020204"/>
-                <a:sym typeface="Consolas"/>
-              </a:rPr>
-              <a:t>It lacks Excel automation capabilities</a:t>
-            </a:r>
-          </a:p>
-          <a:p>
-            <a:pPr marL="685800" indent="-542925">
-              <a:lnSpc>
-                <a:spcPct val="115000"/>
-              </a:lnSpc>
-              <a:spcBef>
-                <a:spcPts val="1125"/>
-              </a:spcBef>
-              <a:buClr>
-                <a:srgbClr val="C00000"/>
-              </a:buClr>
-              <a:buSzPts val="2100"/>
-              <a:buFont typeface="Arial"/>
-              <a:buAutoNum type="arabicPeriod"/>
-            </a:pPr>
-            <a:r>
-              <a:rPr lang="en-US" sz="3600" dirty="0">
-                <a:solidFill>
-                  <a:srgbClr val="C00000"/>
-                </a:solidFill>
-                <a:latin typeface="Pragmatica" panose="020B0403040502020204"/>
-                <a:sym typeface="Consolas"/>
-              </a:rPr>
-              <a:t>You can automate an entire Excel workbook from Python… without opening Excel!</a:t>
-            </a:r>
-          </a:p>
-          <a:p>
-            <a:pPr marL="685800" indent="-542925">
-              <a:lnSpc>
-                <a:spcPct val="115000"/>
-              </a:lnSpc>
-              <a:spcBef>
-                <a:spcPts val="1125"/>
-              </a:spcBef>
-              <a:buClr>
-                <a:srgbClr val="C00000"/>
-              </a:buClr>
-              <a:buSzPts val="2100"/>
-              <a:buFont typeface="Arial"/>
-              <a:buAutoNum type="arabicPeriod"/>
-            </a:pPr>
-            <a:endParaRPr lang="en-US" sz="3600" dirty="0">
-              <a:solidFill>
-                <a:srgbClr val="C00000"/>
-              </a:solidFill>
-              <a:latin typeface="Pragmatica" panose="020B0403040502020204"/>
-              <a:sym typeface="Consolas"/>
             </a:endParaRPr>
           </a:p>
           <a:p>
@@ -6185,47 +5468,103 @@
               </a:buClr>
               <a:buSzPts val="2100"/>
             </a:pPr>
-            <a:r>
-              <a:rPr lang="en-US" sz="3600" dirty="0">
+            <a:endParaRPr lang="en-US" sz="3600" dirty="0">
+              <a:solidFill>
+                <a:srgbClr val="C00000"/>
+              </a:solidFill>
+              <a:latin typeface="Pragmatica" panose="020B0403040502020204"/>
+              <a:sym typeface="Consolas"/>
+            </a:endParaRPr>
+          </a:p>
+          <a:p>
+            <a:r>
+              <a:rPr lang="en-US" sz="4000" dirty="0">
                 <a:solidFill>
-                  <a:srgbClr val="C00000"/>
+                  <a:srgbClr val="CF3338"/>
                 </a:solidFill>
-                <a:latin typeface="Pragmatica" panose="020B0403040502020204"/>
-                <a:sym typeface="Consolas"/>
+                <a:latin typeface="Pragmatica" panose="020B0403040502020204" pitchFamily="34" charset="0"/>
               </a:rPr>
-              <a:t>File: </a:t>
-            </a:r>
-            <a:r>
-              <a:rPr lang="en-US" sz="3600" dirty="0" err="1">
+              <a:t>Available on O’Reilly Online Learning: </a:t>
+            </a:r>
+            <a:r>
+              <a:rPr lang="en-US" sz="4000" dirty="0">
                 <a:solidFill>
-                  <a:srgbClr val="C00000"/>
+                  <a:srgbClr val="CF3338"/>
                 </a:solidFill>
-                <a:latin typeface="Consolas" panose="020B0609020204030204" pitchFamily="49" charset="0"/>
-                <a:sym typeface="Consolas"/>
+                <a:latin typeface="Pragmatica" panose="020B0403040502020204" pitchFamily="34" charset="0"/>
+                <a:hlinkClick r:id="rId4">
+                  <a:extLst>
+                    <a:ext uri="{A12FA001-AC4F-418D-AE19-62706E023703}">
+                      <ahyp:hlinkClr xmlns:ahyp="http://schemas.microsoft.com/office/drawing/2018/hyperlinkcolor" val="tx"/>
+                    </a:ext>
+                  </a:extLst>
+                </a:hlinkClick>
               </a:rPr>
-              <a:t>pae-pie.ipynb</a:t>
-            </a:r>
-            <a:endParaRPr lang="en-US" sz="6000" dirty="0">
-              <a:solidFill>
-                <a:srgbClr val="CF3338"/>
-              </a:solidFill>
-              <a:latin typeface="Consolas" panose="020B0609020204030204" pitchFamily="49" charset="0"/>
-            </a:endParaRPr>
-          </a:p>
-          <a:p>
-            <a:endParaRPr lang="en-US" sz="6000" dirty="0">
-              <a:solidFill>
-                <a:srgbClr val="CF3338"/>
-              </a:solidFill>
-              <a:latin typeface="Pragmatica" panose="020B0403040502020204" pitchFamily="34" charset="0"/>
-            </a:endParaRPr>
-          </a:p>
-        </p:txBody>
-      </p:sp>
+              <a:t>https://learning.oreilly.com/library/view/python-for-excel/9781492080992/</a:t>
+            </a:r>
+            <a:r>
+              <a:rPr lang="en-US" sz="4000" dirty="0">
+                <a:solidFill>
+                  <a:srgbClr val="CF3338"/>
+                </a:solidFill>
+                <a:latin typeface="Pragmatica" panose="020B0403040502020204" pitchFamily="34" charset="0"/>
+              </a:rPr>
+              <a:t> </a:t>
+            </a:r>
+          </a:p>
+        </p:txBody>
+      </p:sp>
+      <p:pic>
+        <p:nvPicPr>
+          <p:cNvPr id="1026" name="Picture 2" descr="Python for Excel">
+            <a:extLst>
+              <a:ext uri="{FF2B5EF4-FFF2-40B4-BE49-F238E27FC236}">
+                <a16:creationId xmlns:a16="http://schemas.microsoft.com/office/drawing/2014/main" id="{80644A9C-C912-1443-B13D-FF6D068A9C43}"/>
+              </a:ext>
+            </a:extLst>
+          </p:cNvPr>
+          <p:cNvPicPr>
+            <a:picLocks noChangeAspect="1" noChangeArrowheads="1"/>
+          </p:cNvPicPr>
+          <p:nvPr/>
+        </p:nvPicPr>
+        <p:blipFill>
+          <a:blip r:embed="rId5">
+            <a:extLst>
+              <a:ext uri="{28A0092B-C50C-407E-A947-70E740481C1C}">
+                <a14:useLocalDpi xmlns:a14="http://schemas.microsoft.com/office/drawing/2010/main" val="0"/>
+              </a:ext>
+            </a:extLst>
+          </a:blip>
+          <a:srcRect/>
+          <a:stretch>
+            <a:fillRect/>
+          </a:stretch>
+        </p:blipFill>
+        <p:spPr bwMode="auto">
+          <a:xfrm>
+            <a:off x="762000" y="4686300"/>
+            <a:ext cx="3810000" cy="5000625"/>
+          </a:xfrm>
+          <a:prstGeom prst="rect">
+            <a:avLst/>
+          </a:prstGeom>
+          <a:noFill/>
+          <a:extLst>
+            <a:ext uri="{909E8E84-426E-40DD-AFC4-6F175D3DCCD1}">
+              <a14:hiddenFill xmlns:a14="http://schemas.microsoft.com/office/drawing/2010/main">
+                <a:solidFill>
+                  <a:srgbClr val="FFFFFF"/>
+                </a:solidFill>
+              </a14:hiddenFill>
+            </a:ext>
+          </a:extLst>
+        </p:spPr>
+      </p:pic>
     </p:spTree>
     <p:extLst>
       <p:ext uri="{BB962C8B-B14F-4D97-AF65-F5344CB8AC3E}">
-        <p14:creationId xmlns:p14="http://schemas.microsoft.com/office/powerpoint/2010/main" val="2938274525"/>
+        <p14:creationId xmlns:p14="http://schemas.microsoft.com/office/powerpoint/2010/main" val="837451578"/>
       </p:ext>
     </p:extLst>
   </p:cSld>
@@ -6235,7 +5574,502 @@
 </p:sld>
 </file>
 
-<file path=ppt/slides/slide13.xml><?xml version="1.0" encoding="utf-8"?>
+<file path=ppt/slides/slide15.xml><?xml version="1.0" encoding="utf-8"?>
+<p:sld xmlns:a="http://schemas.openxmlformats.org/drawingml/2006/main" xmlns:r="http://schemas.openxmlformats.org/officeDocument/2006/relationships" xmlns:p="http://schemas.openxmlformats.org/presentationml/2006/main">
+  <p:cSld>
+    <p:spTree>
+      <p:nvGrpSpPr>
+        <p:cNvPr id="1" name="">
+          <a:extLst>
+            <a:ext uri="{FF2B5EF4-FFF2-40B4-BE49-F238E27FC236}">
+              <a16:creationId xmlns:a16="http://schemas.microsoft.com/office/drawing/2014/main" id="{1DCEF581-6BA9-4461-08BA-6D16F65F3328}"/>
+            </a:ext>
+          </a:extLst>
+        </p:cNvPr>
+        <p:cNvGrpSpPr/>
+        <p:nvPr/>
+      </p:nvGrpSpPr>
+      <p:grpSpPr>
+        <a:xfrm>
+          <a:off x="0" y="0"/>
+          <a:ext cx="0" cy="0"/>
+          <a:chOff x="0" y="0"/>
+          <a:chExt cx="0" cy="0"/>
+        </a:xfrm>
+      </p:grpSpPr>
+      <p:sp>
+        <p:nvSpPr>
+          <p:cNvPr id="4" name="Rectangle 3">
+            <a:extLst>
+              <a:ext uri="{FF2B5EF4-FFF2-40B4-BE49-F238E27FC236}">
+                <a16:creationId xmlns:a16="http://schemas.microsoft.com/office/drawing/2014/main" id="{086DF1D7-4393-B6A7-D04C-55B1E5B8B731}"/>
+              </a:ext>
+            </a:extLst>
+          </p:cNvPr>
+          <p:cNvSpPr/>
+          <p:nvPr/>
+        </p:nvSpPr>
+        <p:spPr>
+          <a:xfrm>
+            <a:off x="9861630" y="0"/>
+            <a:ext cx="8426370" cy="10287000"/>
+          </a:xfrm>
+          <a:prstGeom prst="rect">
+            <a:avLst/>
+          </a:prstGeom>
+          <a:solidFill>
+            <a:srgbClr val="CF3338"/>
+          </a:solidFill>
+          <a:ln>
+            <a:noFill/>
+          </a:ln>
+        </p:spPr>
+        <p:style>
+          <a:lnRef idx="2">
+            <a:schemeClr val="accent1">
+              <a:shade val="50000"/>
+            </a:schemeClr>
+          </a:lnRef>
+          <a:fillRef idx="1">
+            <a:schemeClr val="accent1"/>
+          </a:fillRef>
+          <a:effectRef idx="0">
+            <a:schemeClr val="accent1"/>
+          </a:effectRef>
+          <a:fontRef idx="minor">
+            <a:schemeClr val="lt1"/>
+          </a:fontRef>
+        </p:style>
+        <p:txBody>
+          <a:bodyPr rtlCol="0" anchor="ctr"/>
+          <a:lstStyle/>
+          <a:p>
+            <a:pPr algn="ctr"/>
+            <a:endParaRPr lang="en-US" sz="2700"/>
+          </a:p>
+        </p:txBody>
+      </p:sp>
+      <p:pic>
+        <p:nvPicPr>
+          <p:cNvPr id="2" name="Picture 1">
+            <a:extLst>
+              <a:ext uri="{FF2B5EF4-FFF2-40B4-BE49-F238E27FC236}">
+                <a16:creationId xmlns:a16="http://schemas.microsoft.com/office/drawing/2014/main" id="{310EF924-3C1C-4586-5E9A-2810C5DAD7C2}"/>
+              </a:ext>
+            </a:extLst>
+          </p:cNvPr>
+          <p:cNvPicPr>
+            <a:picLocks noChangeAspect="1"/>
+          </p:cNvPicPr>
+          <p:nvPr/>
+        </p:nvPicPr>
+        <p:blipFill rotWithShape="1">
+          <a:blip r:embed="rId3">
+            <a:extLst>
+              <a:ext uri="{28A0092B-C50C-407E-A947-70E740481C1C}">
+                <a14:useLocalDpi xmlns:a14="http://schemas.microsoft.com/office/drawing/2010/main" val="0"/>
+              </a:ext>
+            </a:extLst>
+          </a:blip>
+          <a:srcRect l="69227" t="33418" r="20112" b="50548"/>
+          <a:stretch/>
+        </p:blipFill>
+        <p:spPr>
+          <a:xfrm>
+            <a:off x="15579524" y="7544693"/>
+            <a:ext cx="2708477" cy="2987579"/>
+          </a:xfrm>
+          <a:prstGeom prst="rect">
+            <a:avLst/>
+          </a:prstGeom>
+        </p:spPr>
+      </p:pic>
+      <p:sp>
+        <p:nvSpPr>
+          <p:cNvPr id="3" name="TextBox 2">
+            <a:extLst>
+              <a:ext uri="{FF2B5EF4-FFF2-40B4-BE49-F238E27FC236}">
+                <a16:creationId xmlns:a16="http://schemas.microsoft.com/office/drawing/2014/main" id="{9C1992D3-0543-2919-A641-F8327941676A}"/>
+              </a:ext>
+            </a:extLst>
+          </p:cNvPr>
+          <p:cNvSpPr txBox="1"/>
+          <p:nvPr/>
+        </p:nvSpPr>
+        <p:spPr>
+          <a:xfrm>
+            <a:off x="260431" y="329879"/>
+            <a:ext cx="8906720" cy="5364033"/>
+          </a:xfrm>
+          <a:prstGeom prst="rect">
+            <a:avLst/>
+          </a:prstGeom>
+          <a:noFill/>
+        </p:spPr>
+        <p:txBody>
+          <a:bodyPr wrap="square" rtlCol="0">
+            <a:spAutoFit/>
+          </a:bodyPr>
+          <a:lstStyle/>
+          <a:p>
+            <a:r>
+              <a:rPr lang="en-US" sz="6000" b="1" dirty="0">
+                <a:solidFill>
+                  <a:srgbClr val="CF3338"/>
+                </a:solidFill>
+                <a:latin typeface="Pragmatica" panose="020B0403040502020204" pitchFamily="34" charset="0"/>
+              </a:rPr>
+              <a:t>Resource: </a:t>
+            </a:r>
+            <a:r>
+              <a:rPr lang="en-US" sz="6000" b="1" i="1" dirty="0">
+                <a:solidFill>
+                  <a:srgbClr val="CF3338"/>
+                </a:solidFill>
+                <a:latin typeface="Pragmatica" panose="020B0403040502020204" pitchFamily="34" charset="0"/>
+              </a:rPr>
+              <a:t>Advancing into Analytics</a:t>
+            </a:r>
+            <a:endParaRPr lang="en-US" sz="6000" b="1" dirty="0">
+              <a:solidFill>
+                <a:srgbClr val="CF3338"/>
+              </a:solidFill>
+              <a:latin typeface="Pragmatica" panose="020B0403040502020204" pitchFamily="34" charset="0"/>
+            </a:endParaRPr>
+          </a:p>
+          <a:p>
+            <a:pPr marL="142875">
+              <a:lnSpc>
+                <a:spcPct val="115000"/>
+              </a:lnSpc>
+              <a:spcBef>
+                <a:spcPts val="1125"/>
+              </a:spcBef>
+              <a:buClr>
+                <a:srgbClr val="C00000"/>
+              </a:buClr>
+              <a:buSzPts val="2100"/>
+            </a:pPr>
+            <a:endParaRPr lang="en-US" sz="3600" dirty="0">
+              <a:solidFill>
+                <a:srgbClr val="C00000"/>
+              </a:solidFill>
+              <a:latin typeface="Pragmatica" panose="020B0403040502020204"/>
+              <a:sym typeface="Consolas"/>
+            </a:endParaRPr>
+          </a:p>
+          <a:p>
+            <a:r>
+              <a:rPr lang="en-US" sz="4000" dirty="0">
+                <a:solidFill>
+                  <a:srgbClr val="CF3338"/>
+                </a:solidFill>
+                <a:latin typeface="Pragmatica" panose="020B0403040502020204" pitchFamily="34" charset="0"/>
+              </a:rPr>
+              <a:t>Available on O’Reilly Online Learning: </a:t>
+            </a:r>
+            <a:r>
+              <a:rPr lang="en-US" sz="3600" dirty="0">
+                <a:solidFill>
+                  <a:srgbClr val="CF3338"/>
+                </a:solidFill>
+                <a:latin typeface="Pragmatica" panose="020B0403040502020204" pitchFamily="34" charset="0"/>
+                <a:hlinkClick r:id="rId4">
+                  <a:extLst>
+                    <a:ext uri="{A12FA001-AC4F-418D-AE19-62706E023703}">
+                      <ahyp:hlinkClr xmlns:ahyp="http://schemas.microsoft.com/office/drawing/2018/hyperlinkcolor" val="tx"/>
+                    </a:ext>
+                  </a:extLst>
+                </a:hlinkClick>
+              </a:rPr>
+              <a:t>https://learning.oreilly.com/library/view/advancing-into-analytics/9781492094333/</a:t>
+            </a:r>
+            <a:r>
+              <a:rPr lang="en-US" sz="3600" dirty="0">
+                <a:solidFill>
+                  <a:srgbClr val="CF3338"/>
+                </a:solidFill>
+                <a:latin typeface="Pragmatica" panose="020B0403040502020204" pitchFamily="34" charset="0"/>
+              </a:rPr>
+              <a:t> </a:t>
+            </a:r>
+          </a:p>
+          <a:p>
+            <a:endParaRPr lang="en-US" sz="6000" dirty="0">
+              <a:solidFill>
+                <a:srgbClr val="CF3338"/>
+              </a:solidFill>
+              <a:latin typeface="Pragmatica" panose="020B0403040502020204" pitchFamily="34" charset="0"/>
+            </a:endParaRPr>
+          </a:p>
+        </p:txBody>
+      </p:sp>
+      <p:pic>
+        <p:nvPicPr>
+          <p:cNvPr id="2050" name="Picture 2" descr="Advancing into Analytics">
+            <a:extLst>
+              <a:ext uri="{FF2B5EF4-FFF2-40B4-BE49-F238E27FC236}">
+                <a16:creationId xmlns:a16="http://schemas.microsoft.com/office/drawing/2014/main" id="{5C03E10B-C7DA-1326-28F0-7E1E8E279675}"/>
+              </a:ext>
+            </a:extLst>
+          </p:cNvPr>
+          <p:cNvPicPr>
+            <a:picLocks noChangeAspect="1" noChangeArrowheads="1"/>
+          </p:cNvPicPr>
+          <p:nvPr/>
+        </p:nvPicPr>
+        <p:blipFill>
+          <a:blip r:embed="rId5">
+            <a:extLst>
+              <a:ext uri="{28A0092B-C50C-407E-A947-70E740481C1C}">
+                <a14:useLocalDpi xmlns:a14="http://schemas.microsoft.com/office/drawing/2010/main" val="0"/>
+              </a:ext>
+            </a:extLst>
+          </a:blip>
+          <a:srcRect/>
+          <a:stretch>
+            <a:fillRect/>
+          </a:stretch>
+        </p:blipFill>
+        <p:spPr bwMode="auto">
+          <a:xfrm>
+            <a:off x="381000" y="5044380"/>
+            <a:ext cx="3810000" cy="5000625"/>
+          </a:xfrm>
+          <a:prstGeom prst="rect">
+            <a:avLst/>
+          </a:prstGeom>
+          <a:noFill/>
+          <a:extLst>
+            <a:ext uri="{909E8E84-426E-40DD-AFC4-6F175D3DCCD1}">
+              <a14:hiddenFill xmlns:a14="http://schemas.microsoft.com/office/drawing/2010/main">
+                <a:solidFill>
+                  <a:srgbClr val="FFFFFF"/>
+                </a:solidFill>
+              </a14:hiddenFill>
+            </a:ext>
+          </a:extLst>
+        </p:spPr>
+      </p:pic>
+    </p:spTree>
+    <p:extLst>
+      <p:ext uri="{BB962C8B-B14F-4D97-AF65-F5344CB8AC3E}">
+        <p14:creationId xmlns:p14="http://schemas.microsoft.com/office/powerpoint/2010/main" val="616977739"/>
+      </p:ext>
+    </p:extLst>
+  </p:cSld>
+  <p:clrMapOvr>
+    <a:masterClrMapping/>
+  </p:clrMapOvr>
+</p:sld>
+</file>
+
+<file path=ppt/slides/slide16.xml><?xml version="1.0" encoding="utf-8"?>
+<p:sld xmlns:a="http://schemas.openxmlformats.org/drawingml/2006/main" xmlns:r="http://schemas.openxmlformats.org/officeDocument/2006/relationships" xmlns:p="http://schemas.openxmlformats.org/presentationml/2006/main">
+  <p:cSld>
+    <p:spTree>
+      <p:nvGrpSpPr>
+        <p:cNvPr id="1" name="">
+          <a:extLst>
+            <a:ext uri="{FF2B5EF4-FFF2-40B4-BE49-F238E27FC236}">
+              <a16:creationId xmlns:a16="http://schemas.microsoft.com/office/drawing/2014/main" id="{5D488E77-04E4-08C7-1031-1F498D077B51}"/>
+            </a:ext>
+          </a:extLst>
+        </p:cNvPr>
+        <p:cNvGrpSpPr/>
+        <p:nvPr/>
+      </p:nvGrpSpPr>
+      <p:grpSpPr>
+        <a:xfrm>
+          <a:off x="0" y="0"/>
+          <a:ext cx="0" cy="0"/>
+          <a:chOff x="0" y="0"/>
+          <a:chExt cx="0" cy="0"/>
+        </a:xfrm>
+      </p:grpSpPr>
+      <p:sp>
+        <p:nvSpPr>
+          <p:cNvPr id="4" name="Rectangle 3">
+            <a:extLst>
+              <a:ext uri="{FF2B5EF4-FFF2-40B4-BE49-F238E27FC236}">
+                <a16:creationId xmlns:a16="http://schemas.microsoft.com/office/drawing/2014/main" id="{E5ABA32D-D202-8170-BD82-0F9E54BD20DE}"/>
+              </a:ext>
+            </a:extLst>
+          </p:cNvPr>
+          <p:cNvSpPr/>
+          <p:nvPr/>
+        </p:nvSpPr>
+        <p:spPr>
+          <a:xfrm>
+            <a:off x="9861630" y="0"/>
+            <a:ext cx="8426370" cy="10287000"/>
+          </a:xfrm>
+          <a:prstGeom prst="rect">
+            <a:avLst/>
+          </a:prstGeom>
+          <a:solidFill>
+            <a:srgbClr val="CF3338"/>
+          </a:solidFill>
+          <a:ln>
+            <a:noFill/>
+          </a:ln>
+        </p:spPr>
+        <p:style>
+          <a:lnRef idx="2">
+            <a:schemeClr val="accent1">
+              <a:shade val="50000"/>
+            </a:schemeClr>
+          </a:lnRef>
+          <a:fillRef idx="1">
+            <a:schemeClr val="accent1"/>
+          </a:fillRef>
+          <a:effectRef idx="0">
+            <a:schemeClr val="accent1"/>
+          </a:effectRef>
+          <a:fontRef idx="minor">
+            <a:schemeClr val="lt1"/>
+          </a:fontRef>
+        </p:style>
+        <p:txBody>
+          <a:bodyPr rtlCol="0" anchor="ctr"/>
+          <a:lstStyle/>
+          <a:p>
+            <a:pPr algn="ctr"/>
+            <a:endParaRPr lang="en-US" sz="2700"/>
+          </a:p>
+        </p:txBody>
+      </p:sp>
+      <p:pic>
+        <p:nvPicPr>
+          <p:cNvPr id="2" name="Picture 1">
+            <a:extLst>
+              <a:ext uri="{FF2B5EF4-FFF2-40B4-BE49-F238E27FC236}">
+                <a16:creationId xmlns:a16="http://schemas.microsoft.com/office/drawing/2014/main" id="{EBD18E09-E000-229F-A637-05EF0B5D1162}"/>
+              </a:ext>
+            </a:extLst>
+          </p:cNvPr>
+          <p:cNvPicPr>
+            <a:picLocks noChangeAspect="1"/>
+          </p:cNvPicPr>
+          <p:nvPr/>
+        </p:nvPicPr>
+        <p:blipFill rotWithShape="1">
+          <a:blip r:embed="rId3">
+            <a:extLst>
+              <a:ext uri="{28A0092B-C50C-407E-A947-70E740481C1C}">
+                <a14:useLocalDpi xmlns:a14="http://schemas.microsoft.com/office/drawing/2010/main" val="0"/>
+              </a:ext>
+            </a:extLst>
+          </a:blip>
+          <a:srcRect l="69227" t="33418" r="20112" b="50548"/>
+          <a:stretch/>
+        </p:blipFill>
+        <p:spPr>
+          <a:xfrm>
+            <a:off x="15579524" y="7544693"/>
+            <a:ext cx="2708477" cy="2987579"/>
+          </a:xfrm>
+          <a:prstGeom prst="rect">
+            <a:avLst/>
+          </a:prstGeom>
+        </p:spPr>
+      </p:pic>
+      <p:sp>
+        <p:nvSpPr>
+          <p:cNvPr id="3" name="TextBox 2">
+            <a:extLst>
+              <a:ext uri="{FF2B5EF4-FFF2-40B4-BE49-F238E27FC236}">
+                <a16:creationId xmlns:a16="http://schemas.microsoft.com/office/drawing/2014/main" id="{8EFCBB0D-A4EB-2FCE-A90E-3128C6AA641C}"/>
+              </a:ext>
+            </a:extLst>
+          </p:cNvPr>
+          <p:cNvSpPr txBox="1"/>
+          <p:nvPr/>
+        </p:nvSpPr>
+        <p:spPr>
+          <a:xfrm>
+            <a:off x="260431" y="329879"/>
+            <a:ext cx="8906720" cy="5200911"/>
+          </a:xfrm>
+          <a:prstGeom prst="rect">
+            <a:avLst/>
+          </a:prstGeom>
+          <a:noFill/>
+        </p:spPr>
+        <p:txBody>
+          <a:bodyPr wrap="square" rtlCol="0">
+            <a:spAutoFit/>
+          </a:bodyPr>
+          <a:lstStyle/>
+          <a:p>
+            <a:r>
+              <a:rPr lang="en-US" sz="6000" b="1" dirty="0">
+                <a:solidFill>
+                  <a:srgbClr val="CF3338"/>
+                </a:solidFill>
+                <a:latin typeface="Pragmatica" panose="020B0403040502020204" pitchFamily="34" charset="0"/>
+              </a:rPr>
+              <a:t>Resource: stringfestanalytics.com</a:t>
+            </a:r>
+          </a:p>
+          <a:p>
+            <a:endParaRPr lang="en-US" sz="6000" b="1" dirty="0">
+              <a:solidFill>
+                <a:srgbClr val="CF3338"/>
+              </a:solidFill>
+              <a:latin typeface="Pragmatica" panose="020B0403040502020204" pitchFamily="34" charset="0"/>
+            </a:endParaRPr>
+          </a:p>
+          <a:p>
+            <a:pPr marL="714375" indent="-571500">
+              <a:lnSpc>
+                <a:spcPct val="115000"/>
+              </a:lnSpc>
+              <a:spcBef>
+                <a:spcPts val="1125"/>
+              </a:spcBef>
+              <a:buClr>
+                <a:srgbClr val="C00000"/>
+              </a:buClr>
+              <a:buSzPts val="2100"/>
+              <a:buFont typeface="Arial" panose="020B0604020202020204" pitchFamily="34" charset="0"/>
+              <a:buChar char="•"/>
+            </a:pPr>
+            <a:r>
+              <a:rPr lang="en-US" sz="3600" dirty="0">
+                <a:solidFill>
+                  <a:srgbClr val="C00000"/>
+                </a:solidFill>
+                <a:latin typeface="Pragmatica" panose="020B0403040502020204"/>
+                <a:sym typeface="Consolas"/>
+              </a:rPr>
+              <a:t>Subscribe for updates &amp; access to my data analytics learning resource library</a:t>
+            </a:r>
+          </a:p>
+          <a:p>
+            <a:endParaRPr lang="en-US" sz="6000" dirty="0">
+              <a:solidFill>
+                <a:srgbClr val="CF3338"/>
+              </a:solidFill>
+              <a:latin typeface="Pragmatica" panose="020B0403040502020204" pitchFamily="34" charset="0"/>
+            </a:endParaRPr>
+          </a:p>
+        </p:txBody>
+      </p:sp>
+    </p:spTree>
+    <p:extLst>
+      <p:ext uri="{BB962C8B-B14F-4D97-AF65-F5344CB8AC3E}">
+        <p14:creationId xmlns:p14="http://schemas.microsoft.com/office/powerpoint/2010/main" val="1994395854"/>
+      </p:ext>
+    </p:extLst>
+  </p:cSld>
+  <p:clrMapOvr>
+    <a:masterClrMapping/>
+  </p:clrMapOvr>
+</p:sld>
+</file>
+
+<file path=ppt/slides/slide17.xml><?xml version="1.0" encoding="utf-8"?>
 <p:sld xmlns:a="http://schemas.openxmlformats.org/drawingml/2006/main" xmlns:r="http://schemas.openxmlformats.org/officeDocument/2006/relationships" xmlns:p="http://schemas.openxmlformats.org/presentationml/2006/main">
   <p:cSld>
     <p:spTree>
@@ -6320,7 +6154,7 @@
         <p:spPr>
           <a:xfrm>
             <a:off x="486137" y="2531318"/>
-            <a:ext cx="11979797" cy="923330"/>
+            <a:ext cx="11979797" cy="5078313"/>
           </a:xfrm>
           <a:prstGeom prst="rect">
             <a:avLst/>
@@ -6340,8 +6174,97 @@
                 </a:solidFill>
                 <a:latin typeface="Pragmatica" panose="020B0403040502020204" pitchFamily="34" charset="0"/>
               </a:rPr>
-              <a:t>Questions?</a:t>
-            </a:r>
+              <a:t>THANK YOU</a:t>
+            </a:r>
+          </a:p>
+          <a:p>
+            <a:endParaRPr lang="en-US" sz="5400" b="1" dirty="0">
+              <a:solidFill>
+                <a:srgbClr val="CF3338"/>
+              </a:solidFill>
+              <a:latin typeface="Pragmatica" panose="020B0403040502020204" pitchFamily="34" charset="0"/>
+            </a:endParaRPr>
+          </a:p>
+          <a:p>
+            <a:pPr marL="571500" indent="-571500">
+              <a:buFont typeface="Arial" panose="020B0604020202020204" pitchFamily="34" charset="0"/>
+              <a:buChar char="•"/>
+            </a:pPr>
+            <a:r>
+              <a:rPr lang="en-US" sz="3600" dirty="0">
+                <a:solidFill>
+                  <a:srgbClr val="CF3338"/>
+                </a:solidFill>
+                <a:latin typeface="Pragmatica" panose="020B0403040502020204"/>
+                <a:sym typeface="Consolas"/>
+              </a:rPr>
+              <a:t>Linkedin.com/in/gjmount</a:t>
+            </a:r>
+          </a:p>
+          <a:p>
+            <a:pPr marL="571500" indent="-571500">
+              <a:buFont typeface="Arial" panose="020B0604020202020204" pitchFamily="34" charset="0"/>
+              <a:buChar char="•"/>
+            </a:pPr>
+            <a:r>
+              <a:rPr lang="en-US" sz="3600" dirty="0">
+                <a:solidFill>
+                  <a:srgbClr val="CF3338"/>
+                </a:solidFill>
+                <a:latin typeface="Pragmatica" panose="020B0403040502020204"/>
+                <a:sym typeface="Consolas"/>
+              </a:rPr>
+              <a:t>Twitter: @gjmount</a:t>
+            </a:r>
+          </a:p>
+          <a:p>
+            <a:pPr marL="571500" indent="-571500">
+              <a:buFont typeface="Arial" panose="020B0604020202020204" pitchFamily="34" charset="0"/>
+              <a:buChar char="•"/>
+            </a:pPr>
+            <a:r>
+              <a:rPr lang="en-US" sz="3600" dirty="0">
+                <a:solidFill>
+                  <a:srgbClr val="CF3338"/>
+                </a:solidFill>
+                <a:latin typeface="Pragmatica" panose="020B0403040502020204"/>
+                <a:sym typeface="Consolas"/>
+                <a:hlinkClick r:id="rId4">
+                  <a:extLst>
+                    <a:ext uri="{A12FA001-AC4F-418D-AE19-62706E023703}">
+                      <ahyp:hlinkClr xmlns:ahyp="http://schemas.microsoft.com/office/drawing/2018/hyperlinkcolor" val="tx"/>
+                    </a:ext>
+                  </a:extLst>
+                </a:hlinkClick>
+              </a:rPr>
+              <a:t>george@stringfestanalytics.com</a:t>
+            </a:r>
+            <a:r>
+              <a:rPr lang="en-US" sz="3600" dirty="0">
+                <a:solidFill>
+                  <a:srgbClr val="CF3338"/>
+                </a:solidFill>
+                <a:latin typeface="Pragmatica" panose="020B0403040502020204"/>
+                <a:sym typeface="Consolas"/>
+              </a:rPr>
+              <a:t> </a:t>
+            </a:r>
+          </a:p>
+          <a:p>
+            <a:endParaRPr lang="en-US" sz="5400" b="1" dirty="0">
+              <a:solidFill>
+                <a:srgbClr val="CF3338"/>
+              </a:solidFill>
+              <a:latin typeface="Pragmatica" panose="020B0403040502020204" pitchFamily="34" charset="0"/>
+            </a:endParaRPr>
+          </a:p>
+          <a:p>
+            <a:endParaRPr lang="en-US" sz="5400" b="1" dirty="0">
+              <a:solidFill>
+                <a:srgbClr val="CF3338"/>
+              </a:solidFill>
+              <a:latin typeface="Pragmatica" panose="020B0403040502020204" pitchFamily="34" charset="0"/>
+            </a:endParaRPr>
           </a:p>
         </p:txBody>
       </p:sp>
@@ -6360,7 +6283,7 @@
           <p:nvPr/>
         </p:nvPicPr>
         <p:blipFill>
-          <a:blip r:embed="rId4">
+          <a:blip r:embed="rId5">
             <a:extLst>
               <a:ext uri="{28A0092B-C50C-407E-A947-70E740481C1C}">
                 <a14:useLocalDpi xmlns:a14="http://schemas.microsoft.com/office/drawing/2010/main" val="0"/>
@@ -6383,7 +6306,7 @@
     </p:spTree>
     <p:extLst>
       <p:ext uri="{BB962C8B-B14F-4D97-AF65-F5344CB8AC3E}">
-        <p14:creationId xmlns:p14="http://schemas.microsoft.com/office/powerpoint/2010/main" val="59831101"/>
+        <p14:creationId xmlns:p14="http://schemas.microsoft.com/office/powerpoint/2010/main" val="75588663"/>
       </p:ext>
     </p:extLst>
   </p:cSld>
@@ -6393,18 +6316,12 @@
 </p:sld>
 </file>
 
-<file path=ppt/slides/slide14.xml><?xml version="1.0" encoding="utf-8"?>
+<file path=ppt/slides/slide2.xml><?xml version="1.0" encoding="utf-8"?>
 <p:sld xmlns:a="http://schemas.openxmlformats.org/drawingml/2006/main" xmlns:r="http://schemas.openxmlformats.org/officeDocument/2006/relationships" xmlns:p="http://schemas.openxmlformats.org/presentationml/2006/main">
   <p:cSld>
     <p:spTree>
       <p:nvGrpSpPr>
-        <p:cNvPr id="1" name="">
-          <a:extLst>
-            <a:ext uri="{FF2B5EF4-FFF2-40B4-BE49-F238E27FC236}">
-              <a16:creationId xmlns:a16="http://schemas.microsoft.com/office/drawing/2014/main" id="{E85323C9-D5F7-C820-78B9-E169BDF2311C}"/>
-            </a:ext>
-          </a:extLst>
-        </p:cNvPr>
+        <p:cNvPr id="1" name=""/>
         <p:cNvGrpSpPr/>
         <p:nvPr/>
       </p:nvGrpSpPr>
@@ -6418,13 +6335,388 @@
       </p:grpSpPr>
       <p:sp>
         <p:nvSpPr>
-          <p:cNvPr id="4" name="Rectangle 3">
+          <p:cNvPr id="11" name="TextBox 10"/>
+          <p:cNvSpPr txBox="1"/>
+          <p:nvPr/>
+        </p:nvSpPr>
+        <p:spPr>
+          <a:xfrm>
+            <a:off x="520861" y="170082"/>
+            <a:ext cx="11979797" cy="2862322"/>
+          </a:xfrm>
+          <a:prstGeom prst="rect">
+            <a:avLst/>
+          </a:prstGeom>
+          <a:noFill/>
+        </p:spPr>
+        <p:txBody>
+          <a:bodyPr wrap="square" rtlCol="0">
+            <a:spAutoFit/>
+          </a:bodyPr>
+          <a:lstStyle/>
+          <a:p>
+            <a:r>
+              <a:rPr lang="en-US" sz="9000" dirty="0">
+                <a:latin typeface="Aliens &amp; cows" panose="00000500000000000000" pitchFamily="2" charset="0"/>
+              </a:rPr>
+              <a:t>Objectives for this session</a:t>
+            </a:r>
+          </a:p>
+        </p:txBody>
+      </p:sp>
+      <p:sp>
+        <p:nvSpPr>
+          <p:cNvPr id="3" name="TextBox 2"/>
+          <p:cNvSpPr txBox="1"/>
+          <p:nvPr/>
+        </p:nvSpPr>
+        <p:spPr>
+          <a:xfrm>
+            <a:off x="520861" y="3191948"/>
+            <a:ext cx="14393120" cy="3323987"/>
+          </a:xfrm>
+          <a:prstGeom prst="rect">
+            <a:avLst/>
+          </a:prstGeom>
+          <a:noFill/>
+        </p:spPr>
+        <p:txBody>
+          <a:bodyPr wrap="square" rtlCol="0">
+            <a:spAutoFit/>
+          </a:bodyPr>
+          <a:lstStyle/>
+          <a:p>
+            <a:pPr marL="685800" indent="-685800">
+              <a:buClr>
+                <a:srgbClr val="CF3338"/>
+              </a:buClr>
+              <a:buFont typeface="Arial" panose="020B0604020202020204" pitchFamily="34" charset="0"/>
+              <a:buChar char="•"/>
+            </a:pPr>
+            <a:r>
+              <a:rPr lang="en-US" sz="4200" dirty="0">
+                <a:solidFill>
+                  <a:srgbClr val="707070"/>
+                </a:solidFill>
+                <a:latin typeface="Pragmatica" panose="020B0403040502020204" pitchFamily="34" charset="0"/>
+              </a:rPr>
+              <a:t>Understand the Python in Excel environment</a:t>
+            </a:r>
+          </a:p>
+          <a:p>
+            <a:pPr marL="685800" indent="-685800">
+              <a:buClr>
+                <a:srgbClr val="CF3338"/>
+              </a:buClr>
+              <a:buFont typeface="Arial" panose="020B0604020202020204" pitchFamily="34" charset="0"/>
+              <a:buChar char="•"/>
+            </a:pPr>
+            <a:r>
+              <a:rPr lang="en-US" sz="4200" dirty="0">
+                <a:solidFill>
+                  <a:srgbClr val="707070"/>
+                </a:solidFill>
+                <a:latin typeface="Pragmatica" panose="020B0403040502020204" pitchFamily="34" charset="0"/>
+              </a:rPr>
+              <a:t>Create analyses and visualizations that would otherwise be difficult in Excel</a:t>
+            </a:r>
+          </a:p>
+          <a:p>
+            <a:pPr marL="685800" indent="-685800">
+              <a:buClr>
+                <a:srgbClr val="CF3338"/>
+              </a:buClr>
+              <a:buFont typeface="Arial" panose="020B0604020202020204" pitchFamily="34" charset="0"/>
+              <a:buChar char="•"/>
+            </a:pPr>
+            <a:r>
+              <a:rPr lang="en-US" sz="4200" dirty="0">
+                <a:solidFill>
+                  <a:srgbClr val="707070"/>
+                </a:solidFill>
+                <a:latin typeface="Pragmatica" panose="020B0403040502020204" pitchFamily="34" charset="0"/>
+              </a:rPr>
+              <a:t>Explore what is and isn’t possible with current integration</a:t>
+            </a:r>
+          </a:p>
+          <a:p>
+            <a:pPr marL="685800" indent="-685800">
+              <a:buClr>
+                <a:srgbClr val="CF3338"/>
+              </a:buClr>
+              <a:buFont typeface="Arial" panose="020B0604020202020204" pitchFamily="34" charset="0"/>
+              <a:buChar char="•"/>
+            </a:pPr>
+            <a:endParaRPr lang="en-US" sz="4200" dirty="0">
+              <a:solidFill>
+                <a:srgbClr val="707070"/>
+              </a:solidFill>
+              <a:latin typeface="Pragmatica" panose="020B0403040502020204" pitchFamily="34" charset="0"/>
+            </a:endParaRPr>
+          </a:p>
+        </p:txBody>
+      </p:sp>
+      <p:pic>
+        <p:nvPicPr>
+          <p:cNvPr id="15" name="Picture 14" descr="A close up of a sign&#10;&#10;Description automatically generated">
             <a:extLst>
               <a:ext uri="{FF2B5EF4-FFF2-40B4-BE49-F238E27FC236}">
-                <a16:creationId xmlns:a16="http://schemas.microsoft.com/office/drawing/2014/main" id="{28971779-1F50-1702-DEC1-87CD482189F0}"/>
+                <a16:creationId xmlns:a16="http://schemas.microsoft.com/office/drawing/2014/main" id="{29761B90-A7DE-4A60-A915-F085BD87CAB4}"/>
               </a:ext>
             </a:extLst>
           </p:cNvPr>
+          <p:cNvPicPr>
+            <a:picLocks noChangeAspect="1"/>
+          </p:cNvPicPr>
+          <p:nvPr/>
+        </p:nvPicPr>
+        <p:blipFill>
+          <a:blip r:embed="rId2">
+            <a:extLst>
+              <a:ext uri="{28A0092B-C50C-407E-A947-70E740481C1C}">
+                <a14:useLocalDpi xmlns:a14="http://schemas.microsoft.com/office/drawing/2010/main" val="0"/>
+              </a:ext>
+            </a:extLst>
+          </a:blip>
+          <a:stretch>
+            <a:fillRect/>
+          </a:stretch>
+        </p:blipFill>
+        <p:spPr>
+          <a:xfrm>
+            <a:off x="16341036" y="8058429"/>
+            <a:ext cx="1942857" cy="2228571"/>
+          </a:xfrm>
+          <a:prstGeom prst="rect">
+            <a:avLst/>
+          </a:prstGeom>
+        </p:spPr>
+      </p:pic>
+    </p:spTree>
+    <p:extLst>
+      <p:ext uri="{BB962C8B-B14F-4D97-AF65-F5344CB8AC3E}">
+        <p14:creationId xmlns:p14="http://schemas.microsoft.com/office/powerpoint/2010/main" val="3830029867"/>
+      </p:ext>
+    </p:extLst>
+  </p:cSld>
+  <p:clrMapOvr>
+    <a:masterClrMapping/>
+  </p:clrMapOvr>
+</p:sld>
+</file>
+
+<file path=ppt/slides/slide3.xml><?xml version="1.0" encoding="utf-8"?>
+<p:sld xmlns:a="http://schemas.openxmlformats.org/drawingml/2006/main" xmlns:r="http://schemas.openxmlformats.org/officeDocument/2006/relationships" xmlns:p="http://schemas.openxmlformats.org/presentationml/2006/main">
+  <p:cSld>
+    <p:spTree>
+      <p:nvGrpSpPr>
+        <p:cNvPr id="1" name=""/>
+        <p:cNvGrpSpPr/>
+        <p:nvPr/>
+      </p:nvGrpSpPr>
+      <p:grpSpPr>
+        <a:xfrm>
+          <a:off x="0" y="0"/>
+          <a:ext cx="0" cy="0"/>
+          <a:chOff x="0" y="0"/>
+          <a:chExt cx="0" cy="0"/>
+        </a:xfrm>
+      </p:grpSpPr>
+      <p:sp>
+        <p:nvSpPr>
+          <p:cNvPr id="11" name="TextBox 10"/>
+          <p:cNvSpPr txBox="1"/>
+          <p:nvPr/>
+        </p:nvSpPr>
+        <p:spPr>
+          <a:xfrm>
+            <a:off x="520861" y="170082"/>
+            <a:ext cx="11979797" cy="1477328"/>
+          </a:xfrm>
+          <a:prstGeom prst="rect">
+            <a:avLst/>
+          </a:prstGeom>
+          <a:noFill/>
+        </p:spPr>
+        <p:txBody>
+          <a:bodyPr wrap="square" rtlCol="0">
+            <a:spAutoFit/>
+          </a:bodyPr>
+          <a:lstStyle/>
+          <a:p>
+            <a:r>
+              <a:rPr lang="en-US" sz="9000" dirty="0">
+                <a:latin typeface="Aliens &amp; cows" panose="00000500000000000000" pitchFamily="2" charset="0"/>
+              </a:rPr>
+              <a:t>Following along</a:t>
+            </a:r>
+          </a:p>
+        </p:txBody>
+      </p:sp>
+      <p:sp>
+        <p:nvSpPr>
+          <p:cNvPr id="3" name="TextBox 2"/>
+          <p:cNvSpPr txBox="1"/>
+          <p:nvPr/>
+        </p:nvSpPr>
+        <p:spPr>
+          <a:xfrm>
+            <a:off x="520861" y="3191948"/>
+            <a:ext cx="14393120" cy="2677656"/>
+          </a:xfrm>
+          <a:prstGeom prst="rect">
+            <a:avLst/>
+          </a:prstGeom>
+          <a:noFill/>
+        </p:spPr>
+        <p:txBody>
+          <a:bodyPr wrap="square" rtlCol="0">
+            <a:spAutoFit/>
+          </a:bodyPr>
+          <a:lstStyle/>
+          <a:p>
+            <a:pPr marL="685800" indent="-685800">
+              <a:buClr>
+                <a:srgbClr val="CF3338"/>
+              </a:buClr>
+              <a:buFont typeface="Arial" panose="020B0604020202020204" pitchFamily="34" charset="0"/>
+              <a:buChar char="•"/>
+            </a:pPr>
+            <a:r>
+              <a:rPr lang="en-US" sz="4200" dirty="0">
+                <a:solidFill>
+                  <a:srgbClr val="707070"/>
+                </a:solidFill>
+                <a:latin typeface="Pragmatica" panose="020B0403040502020204" pitchFamily="34" charset="0"/>
+              </a:rPr>
+              <a:t>Each section is a folder</a:t>
+            </a:r>
+          </a:p>
+          <a:p>
+            <a:pPr marL="685800" indent="-685800">
+              <a:buClr>
+                <a:srgbClr val="CF3338"/>
+              </a:buClr>
+              <a:buFont typeface="Arial" panose="020B0604020202020204" pitchFamily="34" charset="0"/>
+              <a:buChar char="•"/>
+            </a:pPr>
+            <a:r>
+              <a:rPr lang="en-US" sz="4200" dirty="0">
+                <a:solidFill>
+                  <a:srgbClr val="707070"/>
+                </a:solidFill>
+                <a:latin typeface="Pragmatica" panose="020B0403040502020204" pitchFamily="34" charset="0"/>
+              </a:rPr>
+              <a:t>Follow demos with me</a:t>
+            </a:r>
+          </a:p>
+          <a:p>
+            <a:pPr marL="1143000" lvl="1" indent="-685800">
+              <a:buClr>
+                <a:srgbClr val="CF3338"/>
+              </a:buClr>
+              <a:buFont typeface="Arial" panose="020B0604020202020204" pitchFamily="34" charset="0"/>
+              <a:buChar char="•"/>
+            </a:pPr>
+            <a:r>
+              <a:rPr lang="en-US" sz="4200" dirty="0">
+                <a:solidFill>
+                  <a:srgbClr val="707070"/>
+                </a:solidFill>
+                <a:latin typeface="Pragmatica" panose="020B0403040502020204" pitchFamily="34" charset="0"/>
+              </a:rPr>
+              <a:t>Solutions also available</a:t>
+            </a:r>
+          </a:p>
+          <a:p>
+            <a:pPr marL="685800" indent="-685800">
+              <a:buClr>
+                <a:srgbClr val="CF3338"/>
+              </a:buClr>
+              <a:buFont typeface="Arial" panose="020B0604020202020204" pitchFamily="34" charset="0"/>
+              <a:buChar char="•"/>
+            </a:pPr>
+            <a:r>
+              <a:rPr lang="en-US" sz="4200" dirty="0">
+                <a:solidFill>
+                  <a:srgbClr val="707070"/>
+                </a:solidFill>
+                <a:latin typeface="Pragmatica" panose="020B0403040502020204" pitchFamily="34" charset="0"/>
+              </a:rPr>
+              <a:t>Exercise folders with solutions for each section</a:t>
+            </a:r>
+          </a:p>
+        </p:txBody>
+      </p:sp>
+      <p:pic>
+        <p:nvPicPr>
+          <p:cNvPr id="15" name="Picture 14" descr="A close up of a sign&#10;&#10;Description automatically generated">
+            <a:extLst>
+              <a:ext uri="{FF2B5EF4-FFF2-40B4-BE49-F238E27FC236}">
+                <a16:creationId xmlns:a16="http://schemas.microsoft.com/office/drawing/2014/main" id="{29761B90-A7DE-4A60-A915-F085BD87CAB4}"/>
+              </a:ext>
+            </a:extLst>
+          </p:cNvPr>
+          <p:cNvPicPr>
+            <a:picLocks noChangeAspect="1"/>
+          </p:cNvPicPr>
+          <p:nvPr/>
+        </p:nvPicPr>
+        <p:blipFill>
+          <a:blip r:embed="rId2">
+            <a:extLst>
+              <a:ext uri="{28A0092B-C50C-407E-A947-70E740481C1C}">
+                <a14:useLocalDpi xmlns:a14="http://schemas.microsoft.com/office/drawing/2010/main" val="0"/>
+              </a:ext>
+            </a:extLst>
+          </a:blip>
+          <a:stretch>
+            <a:fillRect/>
+          </a:stretch>
+        </p:blipFill>
+        <p:spPr>
+          <a:xfrm>
+            <a:off x="16341036" y="8058429"/>
+            <a:ext cx="1942857" cy="2228571"/>
+          </a:xfrm>
+          <a:prstGeom prst="rect">
+            <a:avLst/>
+          </a:prstGeom>
+        </p:spPr>
+      </p:pic>
+    </p:spTree>
+    <p:extLst>
+      <p:ext uri="{BB962C8B-B14F-4D97-AF65-F5344CB8AC3E}">
+        <p14:creationId xmlns:p14="http://schemas.microsoft.com/office/powerpoint/2010/main" val="2731138700"/>
+      </p:ext>
+    </p:extLst>
+  </p:cSld>
+  <p:clrMapOvr>
+    <a:masterClrMapping/>
+  </p:clrMapOvr>
+</p:sld>
+</file>
+
+<file path=ppt/slides/slide4.xml><?xml version="1.0" encoding="utf-8"?>
+<p:sld xmlns:a="http://schemas.openxmlformats.org/drawingml/2006/main" xmlns:r="http://schemas.openxmlformats.org/officeDocument/2006/relationships" xmlns:p="http://schemas.openxmlformats.org/presentationml/2006/main">
+  <p:cSld>
+    <p:spTree>
+      <p:nvGrpSpPr>
+        <p:cNvPr id="1" name=""/>
+        <p:cNvGrpSpPr/>
+        <p:nvPr/>
+      </p:nvGrpSpPr>
+      <p:grpSpPr>
+        <a:xfrm>
+          <a:off x="0" y="0"/>
+          <a:ext cx="0" cy="0"/>
+          <a:chOff x="0" y="0"/>
+          <a:chExt cx="0" cy="0"/>
+        </a:xfrm>
+      </p:grpSpPr>
+      <p:sp>
+        <p:nvSpPr>
+          <p:cNvPr id="4" name="Rectangle 3"/>
           <p:cNvSpPr/>
           <p:nvPr/>
         </p:nvSpPr>
@@ -6470,20 +6762,14 @@
       </p:sp>
       <p:sp>
         <p:nvSpPr>
-          <p:cNvPr id="5" name="TextBox 4">
-            <a:extLst>
-              <a:ext uri="{FF2B5EF4-FFF2-40B4-BE49-F238E27FC236}">
-                <a16:creationId xmlns:a16="http://schemas.microsoft.com/office/drawing/2014/main" id="{5ECC4C7B-C529-5329-03AC-796804551DC1}"/>
-              </a:ext>
-            </a:extLst>
-          </p:cNvPr>
+          <p:cNvPr id="5" name="TextBox 4"/>
           <p:cNvSpPr txBox="1"/>
           <p:nvPr/>
         </p:nvSpPr>
         <p:spPr>
           <a:xfrm>
             <a:off x="781292" y="590309"/>
-            <a:ext cx="15486926" cy="1615827"/>
+            <a:ext cx="15486926" cy="3139321"/>
           </a:xfrm>
           <a:prstGeom prst="rect">
             <a:avLst/>
@@ -6503,7 +6789,7 @@
                 </a:solidFill>
                 <a:latin typeface="Normafixed Tryout" panose="00000409000000000000" pitchFamily="49" charset="0"/>
               </a:rPr>
-              <a:t>4. Conclusion</a:t>
+              <a:t>1. Understanding the Python in Excel environment</a:t>
             </a:r>
           </a:p>
         </p:txBody>
@@ -6511,7 +6797,7 @@
     </p:spTree>
     <p:extLst>
       <p:ext uri="{BB962C8B-B14F-4D97-AF65-F5344CB8AC3E}">
-        <p14:creationId xmlns:p14="http://schemas.microsoft.com/office/powerpoint/2010/main" val="358064314"/>
+        <p14:creationId xmlns:p14="http://schemas.microsoft.com/office/powerpoint/2010/main" val="3953945792"/>
       </p:ext>
     </p:extLst>
   </p:cSld>
@@ -6521,18 +6807,12 @@
 </p:sld>
 </file>
 
-<file path=ppt/slides/slide15.xml><?xml version="1.0" encoding="utf-8"?>
+<file path=ppt/slides/slide5.xml><?xml version="1.0" encoding="utf-8"?>
 <p:sld xmlns:a="http://schemas.openxmlformats.org/drawingml/2006/main" xmlns:r="http://schemas.openxmlformats.org/officeDocument/2006/relationships" xmlns:p="http://schemas.openxmlformats.org/presentationml/2006/main">
   <p:cSld>
     <p:spTree>
       <p:nvGrpSpPr>
-        <p:cNvPr id="1" name="">
-          <a:extLst>
-            <a:ext uri="{FF2B5EF4-FFF2-40B4-BE49-F238E27FC236}">
-              <a16:creationId xmlns:a16="http://schemas.microsoft.com/office/drawing/2014/main" id="{556CB9BC-ABA6-103A-715B-D3B9A4577CCE}"/>
-            </a:ext>
-          </a:extLst>
-        </p:cNvPr>
+        <p:cNvPr id="1" name=""/>
         <p:cNvGrpSpPr/>
         <p:nvPr/>
       </p:nvGrpSpPr>
@@ -6546,13 +6826,7 @@
       </p:grpSpPr>
       <p:sp>
         <p:nvSpPr>
-          <p:cNvPr id="4" name="Rectangle 3">
-            <a:extLst>
-              <a:ext uri="{FF2B5EF4-FFF2-40B4-BE49-F238E27FC236}">
-                <a16:creationId xmlns:a16="http://schemas.microsoft.com/office/drawing/2014/main" id="{DADD1AF2-9FDD-94D8-80B6-5B4D41D189A9}"/>
-              </a:ext>
-            </a:extLst>
-          </p:cNvPr>
+          <p:cNvPr id="4" name="Rectangle 3"/>
           <p:cNvSpPr/>
           <p:nvPr/>
         </p:nvSpPr>
@@ -6598,13 +6872,7 @@
       </p:sp>
       <p:pic>
         <p:nvPicPr>
-          <p:cNvPr id="2" name="Picture 1">
-            <a:extLst>
-              <a:ext uri="{FF2B5EF4-FFF2-40B4-BE49-F238E27FC236}">
-                <a16:creationId xmlns:a16="http://schemas.microsoft.com/office/drawing/2014/main" id="{B995B80C-F573-6FA2-163B-B895205BFF2A}"/>
-              </a:ext>
-            </a:extLst>
-          </p:cNvPr>
+          <p:cNvPr id="2" name="Picture 1"/>
           <p:cNvPicPr>
             <a:picLocks noChangeAspect="1"/>
           </p:cNvPicPr>
@@ -6633,20 +6901,14 @@
       </p:pic>
       <p:sp>
         <p:nvSpPr>
-          <p:cNvPr id="3" name="TextBox 2">
-            <a:extLst>
-              <a:ext uri="{FF2B5EF4-FFF2-40B4-BE49-F238E27FC236}">
-                <a16:creationId xmlns:a16="http://schemas.microsoft.com/office/drawing/2014/main" id="{1B972C77-007E-B6EB-C801-5C7906650F63}"/>
-              </a:ext>
-            </a:extLst>
-          </p:cNvPr>
+          <p:cNvPr id="3" name="TextBox 2"/>
           <p:cNvSpPr txBox="1"/>
           <p:nvPr/>
         </p:nvSpPr>
         <p:spPr>
           <a:xfrm>
             <a:off x="260431" y="329879"/>
-            <a:ext cx="8906720" cy="3640484"/>
+            <a:ext cx="8906720" cy="7258397"/>
           </a:xfrm>
           <a:prstGeom prst="rect">
             <a:avLst/>
@@ -6666,23 +6928,94 @@
                 </a:solidFill>
                 <a:latin typeface="Pragmatica" panose="020B0403040502020204" pitchFamily="34" charset="0"/>
               </a:rPr>
-              <a:t>Resource: </a:t>
-            </a:r>
-            <a:r>
-              <a:rPr lang="en-US" sz="6000" b="1" i="1" dirty="0">
-                <a:solidFill>
-                  <a:srgbClr val="CF3338"/>
-                </a:solidFill>
-                <a:latin typeface="Pragmatica" panose="020B0403040502020204" pitchFamily="34" charset="0"/>
-              </a:rPr>
-              <a:t>Python for Excel</a:t>
-            </a:r>
-            <a:endParaRPr lang="en-US" sz="6000" b="1" dirty="0">
+              <a:t>Understanding the Python in Excel environment</a:t>
+            </a:r>
+          </a:p>
+          <a:p>
+            <a:endParaRPr lang="en-US" sz="4200" dirty="0">
               <a:solidFill>
                 <a:srgbClr val="CF3338"/>
               </a:solidFill>
               <a:latin typeface="Pragmatica" panose="020B0403040502020204" pitchFamily="34" charset="0"/>
             </a:endParaRPr>
+          </a:p>
+          <a:p>
+            <a:pPr marL="685800" indent="-542925">
+              <a:lnSpc>
+                <a:spcPct val="115000"/>
+              </a:lnSpc>
+              <a:spcBef>
+                <a:spcPts val="1125"/>
+              </a:spcBef>
+              <a:buClr>
+                <a:srgbClr val="C00000"/>
+              </a:buClr>
+              <a:buSzPts val="2100"/>
+              <a:buFont typeface="Arial"/>
+              <a:buAutoNum type="arabicPeriod"/>
+            </a:pPr>
+            <a:r>
+              <a:rPr lang="en-US" sz="3600" dirty="0">
+                <a:solidFill>
+                  <a:srgbClr val="C00000"/>
+                </a:solidFill>
+                <a:latin typeface="Pragmatica" panose="020B0403040502020204"/>
+                <a:sym typeface="Consolas"/>
+              </a:rPr>
+              <a:t>What packages are available and why?</a:t>
+            </a:r>
+          </a:p>
+          <a:p>
+            <a:pPr marL="685800" indent="-542925">
+              <a:lnSpc>
+                <a:spcPct val="115000"/>
+              </a:lnSpc>
+              <a:spcBef>
+                <a:spcPts val="1125"/>
+              </a:spcBef>
+              <a:buClr>
+                <a:srgbClr val="C00000"/>
+              </a:buClr>
+              <a:buSzPts val="2100"/>
+              <a:buFont typeface="Arial"/>
+              <a:buAutoNum type="arabicPeriod"/>
+            </a:pPr>
+            <a:r>
+              <a:rPr lang="en-US" sz="3600" dirty="0">
+                <a:solidFill>
+                  <a:srgbClr val="C00000"/>
+                </a:solidFill>
+                <a:latin typeface="Pragmatica" panose="020B0403040502020204"/>
+                <a:sym typeface="Consolas"/>
+              </a:rPr>
+              <a:t>Loading Excel data into Python</a:t>
+            </a:r>
+          </a:p>
+          <a:p>
+            <a:pPr marL="685800" indent="-542925">
+              <a:lnSpc>
+                <a:spcPct val="115000"/>
+              </a:lnSpc>
+              <a:spcBef>
+                <a:spcPts val="1125"/>
+              </a:spcBef>
+              <a:buClr>
+                <a:srgbClr val="C00000"/>
+              </a:buClr>
+              <a:buSzPts val="2100"/>
+              <a:buFont typeface="Arial"/>
+              <a:buAutoNum type="arabicPeriod"/>
+            </a:pPr>
+            <a:r>
+              <a:rPr lang="en-US" sz="3600" dirty="0">
+                <a:solidFill>
+                  <a:srgbClr val="C00000"/>
+                </a:solidFill>
+                <a:latin typeface="Pragmatica" panose="020B0403040502020204"/>
+                <a:sym typeface="Consolas"/>
+              </a:rPr>
+              <a:t>Crossing between Python objects and Excel values</a:t>
+            </a:r>
           </a:p>
           <a:p>
             <a:pPr marL="142875">
@@ -6697,103 +7030,47 @@
               </a:buClr>
               <a:buSzPts val="2100"/>
             </a:pPr>
-            <a:endParaRPr lang="en-US" sz="3600" dirty="0">
+            <a:r>
+              <a:rPr lang="en-US" sz="3600" dirty="0">
+                <a:solidFill>
+                  <a:srgbClr val="C00000"/>
+                </a:solidFill>
+                <a:latin typeface="Pragmatica" panose="020B0403040502020204"/>
+                <a:sym typeface="Consolas"/>
+              </a:rPr>
+              <a:t>File: </a:t>
+            </a:r>
+            <a:r>
+              <a:rPr lang="en-US" sz="3600" dirty="0">
+                <a:solidFill>
+                  <a:srgbClr val="C00000"/>
+                </a:solidFill>
+                <a:latin typeface="Consolas" panose="020B0609020204030204" pitchFamily="49" charset="0"/>
+                <a:sym typeface="Consolas"/>
+              </a:rPr>
+              <a:t>pie-environment.xlsx</a:t>
+            </a:r>
+            <a:endParaRPr lang="en-US" sz="6000" dirty="0">
               <a:solidFill>
-                <a:srgbClr val="C00000"/>
+                <a:srgbClr val="CF3338"/>
               </a:solidFill>
-              <a:latin typeface="Pragmatica" panose="020B0403040502020204"/>
-              <a:sym typeface="Consolas"/>
+              <a:latin typeface="Consolas" panose="020B0609020204030204" pitchFamily="49" charset="0"/>
             </a:endParaRPr>
           </a:p>
           <a:p>
-            <a:r>
-              <a:rPr lang="en-US" sz="4000" dirty="0">
-                <a:solidFill>
-                  <a:srgbClr val="CF3338"/>
-                </a:solidFill>
-                <a:latin typeface="Pragmatica" panose="020B0403040502020204" pitchFamily="34" charset="0"/>
-              </a:rPr>
-              <a:t>Available on O’Reilly Online Learning: </a:t>
-            </a:r>
-            <a:r>
-              <a:rPr lang="en-US" sz="4000" dirty="0">
-                <a:solidFill>
-                  <a:srgbClr val="CF3338"/>
-                </a:solidFill>
-                <a:latin typeface="Pragmatica" panose="020B0403040502020204" pitchFamily="34" charset="0"/>
-                <a:hlinkClick r:id="rId4">
-                  <a:extLst>
-                    <a:ext uri="{A12FA001-AC4F-418D-AE19-62706E023703}">
-                      <ahyp:hlinkClr xmlns:ahyp="http://schemas.microsoft.com/office/drawing/2018/hyperlinkcolor" val="tx"/>
-                    </a:ext>
-                  </a:extLst>
-                </a:hlinkClick>
-              </a:rPr>
-              <a:t>https://learning.oreilly.com/library/view/python-for-excel/9781492080992/</a:t>
-            </a:r>
-            <a:r>
-              <a:rPr lang="en-US" sz="4000" dirty="0">
-                <a:solidFill>
-                  <a:srgbClr val="CF3338"/>
-                </a:solidFill>
-                <a:latin typeface="Pragmatica" panose="020B0403040502020204" pitchFamily="34" charset="0"/>
-              </a:rPr>
-              <a:t> </a:t>
-            </a:r>
-          </a:p>
-        </p:txBody>
-      </p:sp>
-      <p:pic>
-        <p:nvPicPr>
-          <p:cNvPr id="1026" name="Picture 2" descr="Python for Excel">
-            <a:extLst>
-              <a:ext uri="{FF2B5EF4-FFF2-40B4-BE49-F238E27FC236}">
-                <a16:creationId xmlns:a16="http://schemas.microsoft.com/office/drawing/2014/main" id="{80644A9C-C912-1443-B13D-FF6D068A9C43}"/>
-              </a:ext>
-            </a:extLst>
-          </p:cNvPr>
-          <p:cNvPicPr>
-            <a:picLocks noChangeAspect="1" noChangeArrowheads="1"/>
-          </p:cNvPicPr>
-          <p:nvPr/>
-        </p:nvPicPr>
-        <p:blipFill>
-          <a:blip r:embed="rId5">
-            <a:extLst>
-              <a:ext uri="{28A0092B-C50C-407E-A947-70E740481C1C}">
-                <a14:useLocalDpi xmlns:a14="http://schemas.microsoft.com/office/drawing/2010/main" val="0"/>
-              </a:ext>
-            </a:extLst>
-          </a:blip>
-          <a:srcRect/>
-          <a:stretch>
-            <a:fillRect/>
-          </a:stretch>
-        </p:blipFill>
-        <p:spPr bwMode="auto">
-          <a:xfrm>
-            <a:off x="762000" y="4686300"/>
-            <a:ext cx="3810000" cy="5000625"/>
-          </a:xfrm>
-          <a:prstGeom prst="rect">
-            <a:avLst/>
-          </a:prstGeom>
-          <a:noFill/>
-          <a:extLst>
-            <a:ext uri="{909E8E84-426E-40DD-AFC4-6F175D3DCCD1}">
-              <a14:hiddenFill xmlns:a14="http://schemas.microsoft.com/office/drawing/2010/main">
-                <a:solidFill>
-                  <a:srgbClr val="FFFFFF"/>
-                </a:solidFill>
-              </a14:hiddenFill>
-            </a:ext>
-          </a:extLst>
-        </p:spPr>
-      </p:pic>
+            <a:endParaRPr lang="en-US" sz="6000" dirty="0">
+              <a:solidFill>
+                <a:srgbClr val="CF3338"/>
+              </a:solidFill>
+              <a:latin typeface="Pragmatica" panose="020B0403040502020204" pitchFamily="34" charset="0"/>
+            </a:endParaRPr>
+          </a:p>
+        </p:txBody>
+      </p:sp>
     </p:spTree>
     <p:extLst>
       <p:ext uri="{BB962C8B-B14F-4D97-AF65-F5344CB8AC3E}">
-        <p14:creationId xmlns:p14="http://schemas.microsoft.com/office/powerpoint/2010/main" val="837451578"/>
+        <p14:creationId xmlns:p14="http://schemas.microsoft.com/office/powerpoint/2010/main" val="3871531779"/>
       </p:ext>
     </p:extLst>
   </p:cSld>
@@ -6803,502 +7080,7 @@
 </p:sld>
 </file>
 
-<file path=ppt/slides/slide16.xml><?xml version="1.0" encoding="utf-8"?>
-<p:sld xmlns:a="http://schemas.openxmlformats.org/drawingml/2006/main" xmlns:r="http://schemas.openxmlformats.org/officeDocument/2006/relationships" xmlns:p="http://schemas.openxmlformats.org/presentationml/2006/main">
-  <p:cSld>
-    <p:spTree>
-      <p:nvGrpSpPr>
-        <p:cNvPr id="1" name="">
-          <a:extLst>
-            <a:ext uri="{FF2B5EF4-FFF2-40B4-BE49-F238E27FC236}">
-              <a16:creationId xmlns:a16="http://schemas.microsoft.com/office/drawing/2014/main" id="{1DCEF581-6BA9-4461-08BA-6D16F65F3328}"/>
-            </a:ext>
-          </a:extLst>
-        </p:cNvPr>
-        <p:cNvGrpSpPr/>
-        <p:nvPr/>
-      </p:nvGrpSpPr>
-      <p:grpSpPr>
-        <a:xfrm>
-          <a:off x="0" y="0"/>
-          <a:ext cx="0" cy="0"/>
-          <a:chOff x="0" y="0"/>
-          <a:chExt cx="0" cy="0"/>
-        </a:xfrm>
-      </p:grpSpPr>
-      <p:sp>
-        <p:nvSpPr>
-          <p:cNvPr id="4" name="Rectangle 3">
-            <a:extLst>
-              <a:ext uri="{FF2B5EF4-FFF2-40B4-BE49-F238E27FC236}">
-                <a16:creationId xmlns:a16="http://schemas.microsoft.com/office/drawing/2014/main" id="{086DF1D7-4393-B6A7-D04C-55B1E5B8B731}"/>
-              </a:ext>
-            </a:extLst>
-          </p:cNvPr>
-          <p:cNvSpPr/>
-          <p:nvPr/>
-        </p:nvSpPr>
-        <p:spPr>
-          <a:xfrm>
-            <a:off x="9861630" y="0"/>
-            <a:ext cx="8426370" cy="10287000"/>
-          </a:xfrm>
-          <a:prstGeom prst="rect">
-            <a:avLst/>
-          </a:prstGeom>
-          <a:solidFill>
-            <a:srgbClr val="CF3338"/>
-          </a:solidFill>
-          <a:ln>
-            <a:noFill/>
-          </a:ln>
-        </p:spPr>
-        <p:style>
-          <a:lnRef idx="2">
-            <a:schemeClr val="accent1">
-              <a:shade val="50000"/>
-            </a:schemeClr>
-          </a:lnRef>
-          <a:fillRef idx="1">
-            <a:schemeClr val="accent1"/>
-          </a:fillRef>
-          <a:effectRef idx="0">
-            <a:schemeClr val="accent1"/>
-          </a:effectRef>
-          <a:fontRef idx="minor">
-            <a:schemeClr val="lt1"/>
-          </a:fontRef>
-        </p:style>
-        <p:txBody>
-          <a:bodyPr rtlCol="0" anchor="ctr"/>
-          <a:lstStyle/>
-          <a:p>
-            <a:pPr algn="ctr"/>
-            <a:endParaRPr lang="en-US" sz="2700"/>
-          </a:p>
-        </p:txBody>
-      </p:sp>
-      <p:pic>
-        <p:nvPicPr>
-          <p:cNvPr id="2" name="Picture 1">
-            <a:extLst>
-              <a:ext uri="{FF2B5EF4-FFF2-40B4-BE49-F238E27FC236}">
-                <a16:creationId xmlns:a16="http://schemas.microsoft.com/office/drawing/2014/main" id="{310EF924-3C1C-4586-5E9A-2810C5DAD7C2}"/>
-              </a:ext>
-            </a:extLst>
-          </p:cNvPr>
-          <p:cNvPicPr>
-            <a:picLocks noChangeAspect="1"/>
-          </p:cNvPicPr>
-          <p:nvPr/>
-        </p:nvPicPr>
-        <p:blipFill rotWithShape="1">
-          <a:blip r:embed="rId3">
-            <a:extLst>
-              <a:ext uri="{28A0092B-C50C-407E-A947-70E740481C1C}">
-                <a14:useLocalDpi xmlns:a14="http://schemas.microsoft.com/office/drawing/2010/main" val="0"/>
-              </a:ext>
-            </a:extLst>
-          </a:blip>
-          <a:srcRect l="69227" t="33418" r="20112" b="50548"/>
-          <a:stretch/>
-        </p:blipFill>
-        <p:spPr>
-          <a:xfrm>
-            <a:off x="15579524" y="7544693"/>
-            <a:ext cx="2708477" cy="2987579"/>
-          </a:xfrm>
-          <a:prstGeom prst="rect">
-            <a:avLst/>
-          </a:prstGeom>
-        </p:spPr>
-      </p:pic>
-      <p:sp>
-        <p:nvSpPr>
-          <p:cNvPr id="3" name="TextBox 2">
-            <a:extLst>
-              <a:ext uri="{FF2B5EF4-FFF2-40B4-BE49-F238E27FC236}">
-                <a16:creationId xmlns:a16="http://schemas.microsoft.com/office/drawing/2014/main" id="{9C1992D3-0543-2919-A641-F8327941676A}"/>
-              </a:ext>
-            </a:extLst>
-          </p:cNvPr>
-          <p:cNvSpPr txBox="1"/>
-          <p:nvPr/>
-        </p:nvSpPr>
-        <p:spPr>
-          <a:xfrm>
-            <a:off x="260431" y="329879"/>
-            <a:ext cx="8906720" cy="5364033"/>
-          </a:xfrm>
-          <a:prstGeom prst="rect">
-            <a:avLst/>
-          </a:prstGeom>
-          <a:noFill/>
-        </p:spPr>
-        <p:txBody>
-          <a:bodyPr wrap="square" rtlCol="0">
-            <a:spAutoFit/>
-          </a:bodyPr>
-          <a:lstStyle/>
-          <a:p>
-            <a:r>
-              <a:rPr lang="en-US" sz="6000" b="1" dirty="0">
-                <a:solidFill>
-                  <a:srgbClr val="CF3338"/>
-                </a:solidFill>
-                <a:latin typeface="Pragmatica" panose="020B0403040502020204" pitchFamily="34" charset="0"/>
-              </a:rPr>
-              <a:t>Resource: </a:t>
-            </a:r>
-            <a:r>
-              <a:rPr lang="en-US" sz="6000" b="1" i="1" dirty="0">
-                <a:solidFill>
-                  <a:srgbClr val="CF3338"/>
-                </a:solidFill>
-                <a:latin typeface="Pragmatica" panose="020B0403040502020204" pitchFamily="34" charset="0"/>
-              </a:rPr>
-              <a:t>Advancing into Analytics</a:t>
-            </a:r>
-            <a:endParaRPr lang="en-US" sz="6000" b="1" dirty="0">
-              <a:solidFill>
-                <a:srgbClr val="CF3338"/>
-              </a:solidFill>
-              <a:latin typeface="Pragmatica" panose="020B0403040502020204" pitchFamily="34" charset="0"/>
-            </a:endParaRPr>
-          </a:p>
-          <a:p>
-            <a:pPr marL="142875">
-              <a:lnSpc>
-                <a:spcPct val="115000"/>
-              </a:lnSpc>
-              <a:spcBef>
-                <a:spcPts val="1125"/>
-              </a:spcBef>
-              <a:buClr>
-                <a:srgbClr val="C00000"/>
-              </a:buClr>
-              <a:buSzPts val="2100"/>
-            </a:pPr>
-            <a:endParaRPr lang="en-US" sz="3600" dirty="0">
-              <a:solidFill>
-                <a:srgbClr val="C00000"/>
-              </a:solidFill>
-              <a:latin typeface="Pragmatica" panose="020B0403040502020204"/>
-              <a:sym typeface="Consolas"/>
-            </a:endParaRPr>
-          </a:p>
-          <a:p>
-            <a:r>
-              <a:rPr lang="en-US" sz="4000" dirty="0">
-                <a:solidFill>
-                  <a:srgbClr val="CF3338"/>
-                </a:solidFill>
-                <a:latin typeface="Pragmatica" panose="020B0403040502020204" pitchFamily="34" charset="0"/>
-              </a:rPr>
-              <a:t>Available on O’Reilly Online Learning: </a:t>
-            </a:r>
-            <a:r>
-              <a:rPr lang="en-US" sz="3600" dirty="0">
-                <a:solidFill>
-                  <a:srgbClr val="CF3338"/>
-                </a:solidFill>
-                <a:latin typeface="Pragmatica" panose="020B0403040502020204" pitchFamily="34" charset="0"/>
-                <a:hlinkClick r:id="rId4">
-                  <a:extLst>
-                    <a:ext uri="{A12FA001-AC4F-418D-AE19-62706E023703}">
-                      <ahyp:hlinkClr xmlns:ahyp="http://schemas.microsoft.com/office/drawing/2018/hyperlinkcolor" val="tx"/>
-                    </a:ext>
-                  </a:extLst>
-                </a:hlinkClick>
-              </a:rPr>
-              <a:t>https://learning.oreilly.com/library/view/advancing-into-analytics/9781492094333/</a:t>
-            </a:r>
-            <a:r>
-              <a:rPr lang="en-US" sz="3600" dirty="0">
-                <a:solidFill>
-                  <a:srgbClr val="CF3338"/>
-                </a:solidFill>
-                <a:latin typeface="Pragmatica" panose="020B0403040502020204" pitchFamily="34" charset="0"/>
-              </a:rPr>
-              <a:t> </a:t>
-            </a:r>
-          </a:p>
-          <a:p>
-            <a:endParaRPr lang="en-US" sz="6000" dirty="0">
-              <a:solidFill>
-                <a:srgbClr val="CF3338"/>
-              </a:solidFill>
-              <a:latin typeface="Pragmatica" panose="020B0403040502020204" pitchFamily="34" charset="0"/>
-            </a:endParaRPr>
-          </a:p>
-        </p:txBody>
-      </p:sp>
-      <p:pic>
-        <p:nvPicPr>
-          <p:cNvPr id="2050" name="Picture 2" descr="Advancing into Analytics">
-            <a:extLst>
-              <a:ext uri="{FF2B5EF4-FFF2-40B4-BE49-F238E27FC236}">
-                <a16:creationId xmlns:a16="http://schemas.microsoft.com/office/drawing/2014/main" id="{5C03E10B-C7DA-1326-28F0-7E1E8E279675}"/>
-              </a:ext>
-            </a:extLst>
-          </p:cNvPr>
-          <p:cNvPicPr>
-            <a:picLocks noChangeAspect="1" noChangeArrowheads="1"/>
-          </p:cNvPicPr>
-          <p:nvPr/>
-        </p:nvPicPr>
-        <p:blipFill>
-          <a:blip r:embed="rId5">
-            <a:extLst>
-              <a:ext uri="{28A0092B-C50C-407E-A947-70E740481C1C}">
-                <a14:useLocalDpi xmlns:a14="http://schemas.microsoft.com/office/drawing/2010/main" val="0"/>
-              </a:ext>
-            </a:extLst>
-          </a:blip>
-          <a:srcRect/>
-          <a:stretch>
-            <a:fillRect/>
-          </a:stretch>
-        </p:blipFill>
-        <p:spPr bwMode="auto">
-          <a:xfrm>
-            <a:off x="381000" y="5044380"/>
-            <a:ext cx="3810000" cy="5000625"/>
-          </a:xfrm>
-          <a:prstGeom prst="rect">
-            <a:avLst/>
-          </a:prstGeom>
-          <a:noFill/>
-          <a:extLst>
-            <a:ext uri="{909E8E84-426E-40DD-AFC4-6F175D3DCCD1}">
-              <a14:hiddenFill xmlns:a14="http://schemas.microsoft.com/office/drawing/2010/main">
-                <a:solidFill>
-                  <a:srgbClr val="FFFFFF"/>
-                </a:solidFill>
-              </a14:hiddenFill>
-            </a:ext>
-          </a:extLst>
-        </p:spPr>
-      </p:pic>
-    </p:spTree>
-    <p:extLst>
-      <p:ext uri="{BB962C8B-B14F-4D97-AF65-F5344CB8AC3E}">
-        <p14:creationId xmlns:p14="http://schemas.microsoft.com/office/powerpoint/2010/main" val="616977739"/>
-      </p:ext>
-    </p:extLst>
-  </p:cSld>
-  <p:clrMapOvr>
-    <a:masterClrMapping/>
-  </p:clrMapOvr>
-</p:sld>
-</file>
-
-<file path=ppt/slides/slide17.xml><?xml version="1.0" encoding="utf-8"?>
-<p:sld xmlns:a="http://schemas.openxmlformats.org/drawingml/2006/main" xmlns:r="http://schemas.openxmlformats.org/officeDocument/2006/relationships" xmlns:p="http://schemas.openxmlformats.org/presentationml/2006/main">
-  <p:cSld>
-    <p:spTree>
-      <p:nvGrpSpPr>
-        <p:cNvPr id="1" name="">
-          <a:extLst>
-            <a:ext uri="{FF2B5EF4-FFF2-40B4-BE49-F238E27FC236}">
-              <a16:creationId xmlns:a16="http://schemas.microsoft.com/office/drawing/2014/main" id="{5D488E77-04E4-08C7-1031-1F498D077B51}"/>
-            </a:ext>
-          </a:extLst>
-        </p:cNvPr>
-        <p:cNvGrpSpPr/>
-        <p:nvPr/>
-      </p:nvGrpSpPr>
-      <p:grpSpPr>
-        <a:xfrm>
-          <a:off x="0" y="0"/>
-          <a:ext cx="0" cy="0"/>
-          <a:chOff x="0" y="0"/>
-          <a:chExt cx="0" cy="0"/>
-        </a:xfrm>
-      </p:grpSpPr>
-      <p:sp>
-        <p:nvSpPr>
-          <p:cNvPr id="4" name="Rectangle 3">
-            <a:extLst>
-              <a:ext uri="{FF2B5EF4-FFF2-40B4-BE49-F238E27FC236}">
-                <a16:creationId xmlns:a16="http://schemas.microsoft.com/office/drawing/2014/main" id="{E5ABA32D-D202-8170-BD82-0F9E54BD20DE}"/>
-              </a:ext>
-            </a:extLst>
-          </p:cNvPr>
-          <p:cNvSpPr/>
-          <p:nvPr/>
-        </p:nvSpPr>
-        <p:spPr>
-          <a:xfrm>
-            <a:off x="9861630" y="0"/>
-            <a:ext cx="8426370" cy="10287000"/>
-          </a:xfrm>
-          <a:prstGeom prst="rect">
-            <a:avLst/>
-          </a:prstGeom>
-          <a:solidFill>
-            <a:srgbClr val="CF3338"/>
-          </a:solidFill>
-          <a:ln>
-            <a:noFill/>
-          </a:ln>
-        </p:spPr>
-        <p:style>
-          <a:lnRef idx="2">
-            <a:schemeClr val="accent1">
-              <a:shade val="50000"/>
-            </a:schemeClr>
-          </a:lnRef>
-          <a:fillRef idx="1">
-            <a:schemeClr val="accent1"/>
-          </a:fillRef>
-          <a:effectRef idx="0">
-            <a:schemeClr val="accent1"/>
-          </a:effectRef>
-          <a:fontRef idx="minor">
-            <a:schemeClr val="lt1"/>
-          </a:fontRef>
-        </p:style>
-        <p:txBody>
-          <a:bodyPr rtlCol="0" anchor="ctr"/>
-          <a:lstStyle/>
-          <a:p>
-            <a:pPr algn="ctr"/>
-            <a:endParaRPr lang="en-US" sz="2700"/>
-          </a:p>
-        </p:txBody>
-      </p:sp>
-      <p:pic>
-        <p:nvPicPr>
-          <p:cNvPr id="2" name="Picture 1">
-            <a:extLst>
-              <a:ext uri="{FF2B5EF4-FFF2-40B4-BE49-F238E27FC236}">
-                <a16:creationId xmlns:a16="http://schemas.microsoft.com/office/drawing/2014/main" id="{EBD18E09-E000-229F-A637-05EF0B5D1162}"/>
-              </a:ext>
-            </a:extLst>
-          </p:cNvPr>
-          <p:cNvPicPr>
-            <a:picLocks noChangeAspect="1"/>
-          </p:cNvPicPr>
-          <p:nvPr/>
-        </p:nvPicPr>
-        <p:blipFill rotWithShape="1">
-          <a:blip r:embed="rId3">
-            <a:extLst>
-              <a:ext uri="{28A0092B-C50C-407E-A947-70E740481C1C}">
-                <a14:useLocalDpi xmlns:a14="http://schemas.microsoft.com/office/drawing/2010/main" val="0"/>
-              </a:ext>
-            </a:extLst>
-          </a:blip>
-          <a:srcRect l="69227" t="33418" r="20112" b="50548"/>
-          <a:stretch/>
-        </p:blipFill>
-        <p:spPr>
-          <a:xfrm>
-            <a:off x="15579524" y="7544693"/>
-            <a:ext cx="2708477" cy="2987579"/>
-          </a:xfrm>
-          <a:prstGeom prst="rect">
-            <a:avLst/>
-          </a:prstGeom>
-        </p:spPr>
-      </p:pic>
-      <p:sp>
-        <p:nvSpPr>
-          <p:cNvPr id="3" name="TextBox 2">
-            <a:extLst>
-              <a:ext uri="{FF2B5EF4-FFF2-40B4-BE49-F238E27FC236}">
-                <a16:creationId xmlns:a16="http://schemas.microsoft.com/office/drawing/2014/main" id="{8EFCBB0D-A4EB-2FCE-A90E-3128C6AA641C}"/>
-              </a:ext>
-            </a:extLst>
-          </p:cNvPr>
-          <p:cNvSpPr txBox="1"/>
-          <p:nvPr/>
-        </p:nvSpPr>
-        <p:spPr>
-          <a:xfrm>
-            <a:off x="260431" y="329879"/>
-            <a:ext cx="8906720" cy="5200911"/>
-          </a:xfrm>
-          <a:prstGeom prst="rect">
-            <a:avLst/>
-          </a:prstGeom>
-          <a:noFill/>
-        </p:spPr>
-        <p:txBody>
-          <a:bodyPr wrap="square" rtlCol="0">
-            <a:spAutoFit/>
-          </a:bodyPr>
-          <a:lstStyle/>
-          <a:p>
-            <a:r>
-              <a:rPr lang="en-US" sz="6000" b="1" dirty="0">
-                <a:solidFill>
-                  <a:srgbClr val="CF3338"/>
-                </a:solidFill>
-                <a:latin typeface="Pragmatica" panose="020B0403040502020204" pitchFamily="34" charset="0"/>
-              </a:rPr>
-              <a:t>Resource: stringfestanalytics.com</a:t>
-            </a:r>
-          </a:p>
-          <a:p>
-            <a:endParaRPr lang="en-US" sz="6000" b="1" dirty="0">
-              <a:solidFill>
-                <a:srgbClr val="CF3338"/>
-              </a:solidFill>
-              <a:latin typeface="Pragmatica" panose="020B0403040502020204" pitchFamily="34" charset="0"/>
-            </a:endParaRPr>
-          </a:p>
-          <a:p>
-            <a:pPr marL="714375" indent="-571500">
-              <a:lnSpc>
-                <a:spcPct val="115000"/>
-              </a:lnSpc>
-              <a:spcBef>
-                <a:spcPts val="1125"/>
-              </a:spcBef>
-              <a:buClr>
-                <a:srgbClr val="C00000"/>
-              </a:buClr>
-              <a:buSzPts val="2100"/>
-              <a:buFont typeface="Arial" panose="020B0604020202020204" pitchFamily="34" charset="0"/>
-              <a:buChar char="•"/>
-            </a:pPr>
-            <a:r>
-              <a:rPr lang="en-US" sz="3600" dirty="0">
-                <a:solidFill>
-                  <a:srgbClr val="C00000"/>
-                </a:solidFill>
-                <a:latin typeface="Pragmatica" panose="020B0403040502020204"/>
-                <a:sym typeface="Consolas"/>
-              </a:rPr>
-              <a:t>Subscribe for updates &amp; access to my data analytics learning resource library</a:t>
-            </a:r>
-          </a:p>
-          <a:p>
-            <a:endParaRPr lang="en-US" sz="6000" dirty="0">
-              <a:solidFill>
-                <a:srgbClr val="CF3338"/>
-              </a:solidFill>
-              <a:latin typeface="Pragmatica" panose="020B0403040502020204" pitchFamily="34" charset="0"/>
-            </a:endParaRPr>
-          </a:p>
-        </p:txBody>
-      </p:sp>
-    </p:spTree>
-    <p:extLst>
-      <p:ext uri="{BB962C8B-B14F-4D97-AF65-F5344CB8AC3E}">
-        <p14:creationId xmlns:p14="http://schemas.microsoft.com/office/powerpoint/2010/main" val="1994395854"/>
-      </p:ext>
-    </p:extLst>
-  </p:cSld>
-  <p:clrMapOvr>
-    <a:masterClrMapping/>
-  </p:clrMapOvr>
-</p:sld>
-</file>
-
-<file path=ppt/slides/slide18.xml><?xml version="1.0" encoding="utf-8"?>
+<file path=ppt/slides/slide6.xml><?xml version="1.0" encoding="utf-8"?>
 <p:sld xmlns:a="http://schemas.openxmlformats.org/drawingml/2006/main" xmlns:r="http://schemas.openxmlformats.org/officeDocument/2006/relationships" xmlns:p="http://schemas.openxmlformats.org/presentationml/2006/main">
   <p:cSld>
     <p:spTree>
@@ -7383,7 +7165,7 @@
         <p:spPr>
           <a:xfrm>
             <a:off x="486137" y="2531318"/>
-            <a:ext cx="11979797" cy="5078313"/>
+            <a:ext cx="11979797" cy="923330"/>
           </a:xfrm>
           <a:prstGeom prst="rect">
             <a:avLst/>
@@ -7403,97 +7185,8 @@
                 </a:solidFill>
                 <a:latin typeface="Pragmatica" panose="020B0403040502020204" pitchFamily="34" charset="0"/>
               </a:rPr>
-              <a:t>THANK YOU</a:t>
-            </a:r>
-          </a:p>
-          <a:p>
-            <a:endParaRPr lang="en-US" sz="5400" b="1" dirty="0">
-              <a:solidFill>
-                <a:srgbClr val="CF3338"/>
-              </a:solidFill>
-              <a:latin typeface="Pragmatica" panose="020B0403040502020204" pitchFamily="34" charset="0"/>
-            </a:endParaRPr>
-          </a:p>
-          <a:p>
-            <a:pPr marL="571500" indent="-571500">
-              <a:buFont typeface="Arial" panose="020B0604020202020204" pitchFamily="34" charset="0"/>
-              <a:buChar char="•"/>
-            </a:pPr>
-            <a:r>
-              <a:rPr lang="en-US" sz="3600" dirty="0">
-                <a:solidFill>
-                  <a:srgbClr val="CF3338"/>
-                </a:solidFill>
-                <a:latin typeface="Pragmatica" panose="020B0403040502020204"/>
-                <a:sym typeface="Consolas"/>
-              </a:rPr>
-              <a:t>Linkedin.com/in/gjmount</a:t>
-            </a:r>
-          </a:p>
-          <a:p>
-            <a:pPr marL="571500" indent="-571500">
-              <a:buFont typeface="Arial" panose="020B0604020202020204" pitchFamily="34" charset="0"/>
-              <a:buChar char="•"/>
-            </a:pPr>
-            <a:r>
-              <a:rPr lang="en-US" sz="3600" dirty="0">
-                <a:solidFill>
-                  <a:srgbClr val="CF3338"/>
-                </a:solidFill>
-                <a:latin typeface="Pragmatica" panose="020B0403040502020204"/>
-                <a:sym typeface="Consolas"/>
-              </a:rPr>
-              <a:t>Twitter: @gjmount</a:t>
-            </a:r>
-          </a:p>
-          <a:p>
-            <a:pPr marL="571500" indent="-571500">
-              <a:buFont typeface="Arial" panose="020B0604020202020204" pitchFamily="34" charset="0"/>
-              <a:buChar char="•"/>
-            </a:pPr>
-            <a:r>
-              <a:rPr lang="en-US" sz="3600" dirty="0">
-                <a:solidFill>
-                  <a:srgbClr val="CF3338"/>
-                </a:solidFill>
-                <a:latin typeface="Pragmatica" panose="020B0403040502020204"/>
-                <a:sym typeface="Consolas"/>
-                <a:hlinkClick r:id="rId4">
-                  <a:extLst>
-                    <a:ext uri="{A12FA001-AC4F-418D-AE19-62706E023703}">
-                      <ahyp:hlinkClr xmlns:ahyp="http://schemas.microsoft.com/office/drawing/2018/hyperlinkcolor" val="tx"/>
-                    </a:ext>
-                  </a:extLst>
-                </a:hlinkClick>
-              </a:rPr>
-              <a:t>george@stringfestanalytics.com</a:t>
-            </a:r>
-            <a:r>
-              <a:rPr lang="en-US" sz="3600" dirty="0">
-                <a:solidFill>
-                  <a:srgbClr val="CF3338"/>
-                </a:solidFill>
-                <a:latin typeface="Pragmatica" panose="020B0403040502020204"/>
-                <a:sym typeface="Consolas"/>
-              </a:rPr>
-              <a:t> </a:t>
-            </a:r>
-          </a:p>
-          <a:p>
-            <a:endParaRPr lang="en-US" sz="5400" b="1" dirty="0">
-              <a:solidFill>
-                <a:srgbClr val="CF3338"/>
-              </a:solidFill>
-              <a:latin typeface="Pragmatica" panose="020B0403040502020204" pitchFamily="34" charset="0"/>
-            </a:endParaRPr>
-          </a:p>
-          <a:p>
-            <a:endParaRPr lang="en-US" sz="5400" b="1" dirty="0">
-              <a:solidFill>
-                <a:srgbClr val="CF3338"/>
-              </a:solidFill>
-              <a:latin typeface="Pragmatica" panose="020B0403040502020204" pitchFamily="34" charset="0"/>
-            </a:endParaRPr>
+              <a:t>Questions?</a:t>
+            </a:r>
           </a:p>
         </p:txBody>
       </p:sp>
@@ -7512,7 +7205,7 @@
           <p:nvPr/>
         </p:nvPicPr>
         <p:blipFill>
-          <a:blip r:embed="rId5">
+          <a:blip r:embed="rId4">
             <a:extLst>
               <a:ext uri="{28A0092B-C50C-407E-A947-70E740481C1C}">
                 <a14:useLocalDpi xmlns:a14="http://schemas.microsoft.com/office/drawing/2010/main" val="0"/>
@@ -7535,7 +7228,7 @@
     </p:spTree>
     <p:extLst>
       <p:ext uri="{BB962C8B-B14F-4D97-AF65-F5344CB8AC3E}">
-        <p14:creationId xmlns:p14="http://schemas.microsoft.com/office/powerpoint/2010/main" val="75588663"/>
+        <p14:creationId xmlns:p14="http://schemas.microsoft.com/office/powerpoint/2010/main" val="1689860732"/>
       </p:ext>
     </p:extLst>
   </p:cSld>
@@ -7545,7 +7238,7 @@
 </p:sld>
 </file>
 
-<file path=ppt/slides/slide2.xml><?xml version="1.0" encoding="utf-8"?>
+<file path=ppt/slides/slide7.xml><?xml version="1.0" encoding="utf-8"?>
 <p:sld xmlns:a="http://schemas.openxmlformats.org/drawingml/2006/main" xmlns:r="http://schemas.openxmlformats.org/officeDocument/2006/relationships" xmlns:p="http://schemas.openxmlformats.org/presentationml/2006/main">
   <p:cSld>
     <p:spTree>
@@ -7617,7 +7310,7 @@
         <p:spPr>
           <a:xfrm>
             <a:off x="781292" y="590309"/>
-            <a:ext cx="15486926" cy="1615827"/>
+            <a:ext cx="15486926" cy="3139321"/>
           </a:xfrm>
           <a:prstGeom prst="rect">
             <a:avLst/>
@@ -7637,192 +7330,15 @@
                 </a:solidFill>
                 <a:latin typeface="Normafixed Tryout" panose="00000409000000000000" pitchFamily="49" charset="0"/>
               </a:rPr>
-              <a:t>Hi, I’m George</a:t>
-            </a:r>
-          </a:p>
-        </p:txBody>
-      </p:sp>
-      <p:pic>
-        <p:nvPicPr>
-          <p:cNvPr id="3" name="Picture 4" descr="Advancing into Analytics Cover Image">
-            <a:extLst>
-              <a:ext uri="{FF2B5EF4-FFF2-40B4-BE49-F238E27FC236}">
-                <a16:creationId xmlns:a16="http://schemas.microsoft.com/office/drawing/2014/main" id="{588F684B-18EF-D76C-5F7B-15E4BAD60643}"/>
-              </a:ext>
-            </a:extLst>
-          </p:cNvPr>
-          <p:cNvPicPr>
-            <a:picLocks noChangeAspect="1" noChangeArrowheads="1"/>
-          </p:cNvPicPr>
-          <p:nvPr/>
-        </p:nvPicPr>
-        <p:blipFill>
-          <a:blip r:embed="rId3" cstate="print">
-            <a:extLst>
-              <a:ext uri="{28A0092B-C50C-407E-A947-70E740481C1C}">
-                <a14:useLocalDpi xmlns:a14="http://schemas.microsoft.com/office/drawing/2010/main" val="0"/>
-              </a:ext>
-            </a:extLst>
-          </a:blip>
-          <a:srcRect/>
-          <a:stretch>
-            <a:fillRect/>
-          </a:stretch>
-        </p:blipFill>
-        <p:spPr bwMode="auto">
-          <a:xfrm>
-            <a:off x="14060913" y="456356"/>
-            <a:ext cx="3646936" cy="4763344"/>
-          </a:xfrm>
-          <a:prstGeom prst="rect">
-            <a:avLst/>
-          </a:prstGeom>
-          <a:noFill/>
-          <a:extLst>
-            <a:ext uri="{909E8E84-426E-40DD-AFC4-6F175D3DCCD1}">
-              <a14:hiddenFill xmlns:a14="http://schemas.microsoft.com/office/drawing/2010/main">
-                <a:solidFill>
-                  <a:srgbClr val="FFFFFF"/>
-                </a:solidFill>
-              </a14:hiddenFill>
-            </a:ext>
-          </a:extLst>
-        </p:spPr>
-      </p:pic>
-      <p:pic>
-        <p:nvPicPr>
-          <p:cNvPr id="6" name="Picture 6" descr="Free photos of Cleveland">
-            <a:extLst>
-              <a:ext uri="{FF2B5EF4-FFF2-40B4-BE49-F238E27FC236}">
-                <a16:creationId xmlns:a16="http://schemas.microsoft.com/office/drawing/2014/main" id="{CBA53EEE-E3E1-D99E-A4DC-1C4DD2E6CE4A}"/>
-              </a:ext>
-            </a:extLst>
-          </p:cNvPr>
-          <p:cNvPicPr>
-            <a:picLocks noChangeAspect="1" noChangeArrowheads="1"/>
-          </p:cNvPicPr>
-          <p:nvPr/>
-        </p:nvPicPr>
-        <p:blipFill>
-          <a:blip r:embed="rId4" cstate="print">
-            <a:extLst>
-              <a:ext uri="{28A0092B-C50C-407E-A947-70E740481C1C}">
-                <a14:useLocalDpi xmlns:a14="http://schemas.microsoft.com/office/drawing/2010/main" val="0"/>
-              </a:ext>
-            </a:extLst>
-          </a:blip>
-          <a:srcRect/>
-          <a:stretch>
-            <a:fillRect/>
-          </a:stretch>
-        </p:blipFill>
-        <p:spPr bwMode="auto">
-          <a:xfrm>
-            <a:off x="4758962" y="2476500"/>
-            <a:ext cx="7531585" cy="5013211"/>
-          </a:xfrm>
-          <a:prstGeom prst="rect">
-            <a:avLst/>
-          </a:prstGeom>
-          <a:noFill/>
-          <a:extLst>
-            <a:ext uri="{909E8E84-426E-40DD-AFC4-6F175D3DCCD1}">
-              <a14:hiddenFill xmlns:a14="http://schemas.microsoft.com/office/drawing/2010/main">
-                <a:solidFill>
-                  <a:srgbClr val="FFFFFF"/>
-                </a:solidFill>
-              </a14:hiddenFill>
-            </a:ext>
-          </a:extLst>
-        </p:spPr>
-      </p:pic>
-      <p:pic>
-        <p:nvPicPr>
-          <p:cNvPr id="8" name="Picture 7" descr="Logo&#10;&#10;Description automatically generated">
-            <a:extLst>
-              <a:ext uri="{FF2B5EF4-FFF2-40B4-BE49-F238E27FC236}">
-                <a16:creationId xmlns:a16="http://schemas.microsoft.com/office/drawing/2014/main" id="{97E0F267-87DF-961E-1FAA-47FD4F27A5C6}"/>
-              </a:ext>
-            </a:extLst>
-          </p:cNvPr>
-          <p:cNvPicPr>
-            <a:picLocks noChangeAspect="1"/>
-          </p:cNvPicPr>
-          <p:nvPr/>
-        </p:nvPicPr>
-        <p:blipFill>
-          <a:blip r:embed="rId5" cstate="print">
-            <a:extLst>
-              <a:ext uri="{28A0092B-C50C-407E-A947-70E740481C1C}">
-                <a14:useLocalDpi xmlns:a14="http://schemas.microsoft.com/office/drawing/2010/main" val="0"/>
-              </a:ext>
-            </a:extLst>
-          </a:blip>
-          <a:stretch>
-            <a:fillRect/>
-          </a:stretch>
-        </p:blipFill>
-        <p:spPr>
-          <a:xfrm>
-            <a:off x="10336758" y="6210300"/>
-            <a:ext cx="7448309" cy="5462681"/>
-          </a:xfrm>
-          <a:prstGeom prst="rect">
-            <a:avLst/>
-          </a:prstGeom>
-        </p:spPr>
-      </p:pic>
-      <p:pic>
-        <p:nvPicPr>
-          <p:cNvPr id="1026" name="Picture 2" descr="Excel MVP Led Training - The Best Way to Learn Excel.">
-            <a:extLst>
-              <a:ext uri="{FF2B5EF4-FFF2-40B4-BE49-F238E27FC236}">
-                <a16:creationId xmlns:a16="http://schemas.microsoft.com/office/drawing/2014/main" id="{1541E3A8-702A-355A-01A5-FFB43F9DE736}"/>
-              </a:ext>
-            </a:extLst>
-          </p:cNvPr>
-          <p:cNvPicPr>
-            <a:picLocks noChangeAspect="1" noChangeArrowheads="1"/>
-          </p:cNvPicPr>
-          <p:nvPr/>
-        </p:nvPicPr>
-        <p:blipFill>
-          <a:blip r:embed="rId6">
-            <a:extLst>
-              <a:ext uri="{28A0092B-C50C-407E-A947-70E740481C1C}">
-                <a14:useLocalDpi xmlns:a14="http://schemas.microsoft.com/office/drawing/2010/main" val="0"/>
-              </a:ext>
-            </a:extLst>
-          </a:blip>
-          <a:srcRect/>
-          <a:stretch>
-            <a:fillRect/>
-          </a:stretch>
-        </p:blipFill>
-        <p:spPr bwMode="auto">
-          <a:xfrm>
-            <a:off x="1095268" y="8334375"/>
-            <a:ext cx="4028188" cy="1615827"/>
-          </a:xfrm>
-          <a:prstGeom prst="rect">
-            <a:avLst/>
-          </a:prstGeom>
-          <a:noFill/>
-          <a:extLst>
-            <a:ext uri="{909E8E84-426E-40DD-AFC4-6F175D3DCCD1}">
-              <a14:hiddenFill xmlns:a14="http://schemas.microsoft.com/office/drawing/2010/main">
-                <a:solidFill>
-                  <a:srgbClr val="FFFFFF"/>
-                </a:solidFill>
-              </a14:hiddenFill>
-            </a:ext>
-          </a:extLst>
-        </p:spPr>
-      </p:pic>
+              <a:t>2. From “that’s hard in Excel” to “that’s easy in Python”</a:t>
+            </a:r>
+          </a:p>
+        </p:txBody>
+      </p:sp>
     </p:spTree>
     <p:extLst>
       <p:ext uri="{BB962C8B-B14F-4D97-AF65-F5344CB8AC3E}">
-        <p14:creationId xmlns:p14="http://schemas.microsoft.com/office/powerpoint/2010/main" val="166785523"/>
+        <p14:creationId xmlns:p14="http://schemas.microsoft.com/office/powerpoint/2010/main" val="2491588467"/>
       </p:ext>
     </p:extLst>
   </p:cSld>
@@ -7832,498 +7348,7 @@
 </p:sld>
 </file>
 
-<file path=ppt/slides/slide3.xml><?xml version="1.0" encoding="utf-8"?>
-<p:sld xmlns:a="http://schemas.openxmlformats.org/drawingml/2006/main" xmlns:r="http://schemas.openxmlformats.org/officeDocument/2006/relationships" xmlns:p="http://schemas.openxmlformats.org/presentationml/2006/main">
-  <p:cSld>
-    <p:spTree>
-      <p:nvGrpSpPr>
-        <p:cNvPr id="1" name=""/>
-        <p:cNvGrpSpPr/>
-        <p:nvPr/>
-      </p:nvGrpSpPr>
-      <p:grpSpPr>
-        <a:xfrm>
-          <a:off x="0" y="0"/>
-          <a:ext cx="0" cy="0"/>
-          <a:chOff x="0" y="0"/>
-          <a:chExt cx="0" cy="0"/>
-        </a:xfrm>
-      </p:grpSpPr>
-      <p:sp>
-        <p:nvSpPr>
-          <p:cNvPr id="11" name="TextBox 10"/>
-          <p:cNvSpPr txBox="1"/>
-          <p:nvPr/>
-        </p:nvSpPr>
-        <p:spPr>
-          <a:xfrm>
-            <a:off x="520861" y="170082"/>
-            <a:ext cx="11979797" cy="2862322"/>
-          </a:xfrm>
-          <a:prstGeom prst="rect">
-            <a:avLst/>
-          </a:prstGeom>
-          <a:noFill/>
-        </p:spPr>
-        <p:txBody>
-          <a:bodyPr wrap="square" rtlCol="0">
-            <a:spAutoFit/>
-          </a:bodyPr>
-          <a:lstStyle/>
-          <a:p>
-            <a:r>
-              <a:rPr lang="en-US" sz="9000" dirty="0">
-                <a:latin typeface="Aliens &amp; cows" panose="00000500000000000000" pitchFamily="2" charset="0"/>
-              </a:rPr>
-              <a:t>Objectives for this session</a:t>
-            </a:r>
-          </a:p>
-        </p:txBody>
-      </p:sp>
-      <p:sp>
-        <p:nvSpPr>
-          <p:cNvPr id="3" name="TextBox 2"/>
-          <p:cNvSpPr txBox="1"/>
-          <p:nvPr/>
-        </p:nvSpPr>
-        <p:spPr>
-          <a:xfrm>
-            <a:off x="520861" y="3191948"/>
-            <a:ext cx="14393120" cy="3323987"/>
-          </a:xfrm>
-          <a:prstGeom prst="rect">
-            <a:avLst/>
-          </a:prstGeom>
-          <a:noFill/>
-        </p:spPr>
-        <p:txBody>
-          <a:bodyPr wrap="square" rtlCol="0">
-            <a:spAutoFit/>
-          </a:bodyPr>
-          <a:lstStyle/>
-          <a:p>
-            <a:pPr marL="685800" indent="-685800">
-              <a:buClr>
-                <a:srgbClr val="CF3338"/>
-              </a:buClr>
-              <a:buFont typeface="Arial" panose="020B0604020202020204" pitchFamily="34" charset="0"/>
-              <a:buChar char="•"/>
-            </a:pPr>
-            <a:r>
-              <a:rPr lang="en-US" sz="4200" dirty="0">
-                <a:solidFill>
-                  <a:srgbClr val="707070"/>
-                </a:solidFill>
-                <a:latin typeface="Pragmatica" panose="020B0403040502020204" pitchFamily="34" charset="0"/>
-              </a:rPr>
-              <a:t>Understand the Python in Excel environment</a:t>
-            </a:r>
-          </a:p>
-          <a:p>
-            <a:pPr marL="685800" indent="-685800">
-              <a:buClr>
-                <a:srgbClr val="CF3338"/>
-              </a:buClr>
-              <a:buFont typeface="Arial" panose="020B0604020202020204" pitchFamily="34" charset="0"/>
-              <a:buChar char="•"/>
-            </a:pPr>
-            <a:r>
-              <a:rPr lang="en-US" sz="4200" dirty="0">
-                <a:solidFill>
-                  <a:srgbClr val="707070"/>
-                </a:solidFill>
-                <a:latin typeface="Pragmatica" panose="020B0403040502020204" pitchFamily="34" charset="0"/>
-              </a:rPr>
-              <a:t>Create analyses and visualizations that would otherwise be difficult in Excel</a:t>
-            </a:r>
-          </a:p>
-          <a:p>
-            <a:pPr marL="685800" indent="-685800">
-              <a:buClr>
-                <a:srgbClr val="CF3338"/>
-              </a:buClr>
-              <a:buFont typeface="Arial" panose="020B0604020202020204" pitchFamily="34" charset="0"/>
-              <a:buChar char="•"/>
-            </a:pPr>
-            <a:r>
-              <a:rPr lang="en-US" sz="4200" dirty="0">
-                <a:solidFill>
-                  <a:srgbClr val="707070"/>
-                </a:solidFill>
-                <a:latin typeface="Pragmatica" panose="020B0403040502020204" pitchFamily="34" charset="0"/>
-              </a:rPr>
-              <a:t>Explore what is and isn’t possible with current integration</a:t>
-            </a:r>
-          </a:p>
-          <a:p>
-            <a:pPr marL="685800" indent="-685800">
-              <a:buClr>
-                <a:srgbClr val="CF3338"/>
-              </a:buClr>
-              <a:buFont typeface="Arial" panose="020B0604020202020204" pitchFamily="34" charset="0"/>
-              <a:buChar char="•"/>
-            </a:pPr>
-            <a:endParaRPr lang="en-US" sz="4200" dirty="0">
-              <a:solidFill>
-                <a:srgbClr val="707070"/>
-              </a:solidFill>
-              <a:latin typeface="Pragmatica" panose="020B0403040502020204" pitchFamily="34" charset="0"/>
-            </a:endParaRPr>
-          </a:p>
-        </p:txBody>
-      </p:sp>
-      <p:pic>
-        <p:nvPicPr>
-          <p:cNvPr id="15" name="Picture 14" descr="A close up of a sign&#10;&#10;Description automatically generated">
-            <a:extLst>
-              <a:ext uri="{FF2B5EF4-FFF2-40B4-BE49-F238E27FC236}">
-                <a16:creationId xmlns:a16="http://schemas.microsoft.com/office/drawing/2014/main" id="{29761B90-A7DE-4A60-A915-F085BD87CAB4}"/>
-              </a:ext>
-            </a:extLst>
-          </p:cNvPr>
-          <p:cNvPicPr>
-            <a:picLocks noChangeAspect="1"/>
-          </p:cNvPicPr>
-          <p:nvPr/>
-        </p:nvPicPr>
-        <p:blipFill>
-          <a:blip r:embed="rId2">
-            <a:extLst>
-              <a:ext uri="{28A0092B-C50C-407E-A947-70E740481C1C}">
-                <a14:useLocalDpi xmlns:a14="http://schemas.microsoft.com/office/drawing/2010/main" val="0"/>
-              </a:ext>
-            </a:extLst>
-          </a:blip>
-          <a:stretch>
-            <a:fillRect/>
-          </a:stretch>
-        </p:blipFill>
-        <p:spPr>
-          <a:xfrm>
-            <a:off x="16341036" y="8058429"/>
-            <a:ext cx="1942857" cy="2228571"/>
-          </a:xfrm>
-          <a:prstGeom prst="rect">
-            <a:avLst/>
-          </a:prstGeom>
-        </p:spPr>
-      </p:pic>
-    </p:spTree>
-    <p:extLst>
-      <p:ext uri="{BB962C8B-B14F-4D97-AF65-F5344CB8AC3E}">
-        <p14:creationId xmlns:p14="http://schemas.microsoft.com/office/powerpoint/2010/main" val="3830029867"/>
-      </p:ext>
-    </p:extLst>
-  </p:cSld>
-  <p:clrMapOvr>
-    <a:masterClrMapping/>
-  </p:clrMapOvr>
-</p:sld>
-</file>
-
-<file path=ppt/slides/slide4.xml><?xml version="1.0" encoding="utf-8"?>
-<p:sld xmlns:a="http://schemas.openxmlformats.org/drawingml/2006/main" xmlns:r="http://schemas.openxmlformats.org/officeDocument/2006/relationships" xmlns:p="http://schemas.openxmlformats.org/presentationml/2006/main">
-  <p:cSld>
-    <p:spTree>
-      <p:nvGrpSpPr>
-        <p:cNvPr id="1" name=""/>
-        <p:cNvGrpSpPr/>
-        <p:nvPr/>
-      </p:nvGrpSpPr>
-      <p:grpSpPr>
-        <a:xfrm>
-          <a:off x="0" y="0"/>
-          <a:ext cx="0" cy="0"/>
-          <a:chOff x="0" y="0"/>
-          <a:chExt cx="0" cy="0"/>
-        </a:xfrm>
-      </p:grpSpPr>
-      <p:sp>
-        <p:nvSpPr>
-          <p:cNvPr id="11" name="TextBox 10"/>
-          <p:cNvSpPr txBox="1"/>
-          <p:nvPr/>
-        </p:nvSpPr>
-        <p:spPr>
-          <a:xfrm>
-            <a:off x="520861" y="170082"/>
-            <a:ext cx="11979797" cy="1477328"/>
-          </a:xfrm>
-          <a:prstGeom prst="rect">
-            <a:avLst/>
-          </a:prstGeom>
-          <a:noFill/>
-        </p:spPr>
-        <p:txBody>
-          <a:bodyPr wrap="square" rtlCol="0">
-            <a:spAutoFit/>
-          </a:bodyPr>
-          <a:lstStyle/>
-          <a:p>
-            <a:r>
-              <a:rPr lang="en-US" sz="9000" dirty="0">
-                <a:latin typeface="Aliens &amp; cows" panose="00000500000000000000" pitchFamily="2" charset="0"/>
-              </a:rPr>
-              <a:t>Following along</a:t>
-            </a:r>
-          </a:p>
-        </p:txBody>
-      </p:sp>
-      <p:sp>
-        <p:nvSpPr>
-          <p:cNvPr id="3" name="TextBox 2"/>
-          <p:cNvSpPr txBox="1"/>
-          <p:nvPr/>
-        </p:nvSpPr>
-        <p:spPr>
-          <a:xfrm>
-            <a:off x="520861" y="3191948"/>
-            <a:ext cx="14393120" cy="2677656"/>
-          </a:xfrm>
-          <a:prstGeom prst="rect">
-            <a:avLst/>
-          </a:prstGeom>
-          <a:noFill/>
-        </p:spPr>
-        <p:txBody>
-          <a:bodyPr wrap="square" rtlCol="0">
-            <a:spAutoFit/>
-          </a:bodyPr>
-          <a:lstStyle/>
-          <a:p>
-            <a:pPr marL="685800" indent="-685800">
-              <a:buClr>
-                <a:srgbClr val="CF3338"/>
-              </a:buClr>
-              <a:buFont typeface="Arial" panose="020B0604020202020204" pitchFamily="34" charset="0"/>
-              <a:buChar char="•"/>
-            </a:pPr>
-            <a:r>
-              <a:rPr lang="en-US" sz="4200" dirty="0">
-                <a:solidFill>
-                  <a:srgbClr val="707070"/>
-                </a:solidFill>
-                <a:latin typeface="Pragmatica" panose="020B0403040502020204" pitchFamily="34" charset="0"/>
-              </a:rPr>
-              <a:t>Each section is a folder</a:t>
-            </a:r>
-          </a:p>
-          <a:p>
-            <a:pPr marL="685800" indent="-685800">
-              <a:buClr>
-                <a:srgbClr val="CF3338"/>
-              </a:buClr>
-              <a:buFont typeface="Arial" panose="020B0604020202020204" pitchFamily="34" charset="0"/>
-              <a:buChar char="•"/>
-            </a:pPr>
-            <a:r>
-              <a:rPr lang="en-US" sz="4200" dirty="0">
-                <a:solidFill>
-                  <a:srgbClr val="707070"/>
-                </a:solidFill>
-                <a:latin typeface="Pragmatica" panose="020B0403040502020204" pitchFamily="34" charset="0"/>
-              </a:rPr>
-              <a:t>Follow demos with me</a:t>
-            </a:r>
-          </a:p>
-          <a:p>
-            <a:pPr marL="1143000" lvl="1" indent="-685800">
-              <a:buClr>
-                <a:srgbClr val="CF3338"/>
-              </a:buClr>
-              <a:buFont typeface="Arial" panose="020B0604020202020204" pitchFamily="34" charset="0"/>
-              <a:buChar char="•"/>
-            </a:pPr>
-            <a:r>
-              <a:rPr lang="en-US" sz="4200" dirty="0">
-                <a:solidFill>
-                  <a:srgbClr val="707070"/>
-                </a:solidFill>
-                <a:latin typeface="Pragmatica" panose="020B0403040502020204" pitchFamily="34" charset="0"/>
-              </a:rPr>
-              <a:t>Solutions also available</a:t>
-            </a:r>
-          </a:p>
-          <a:p>
-            <a:pPr marL="685800" indent="-685800">
-              <a:buClr>
-                <a:srgbClr val="CF3338"/>
-              </a:buClr>
-              <a:buFont typeface="Arial" panose="020B0604020202020204" pitchFamily="34" charset="0"/>
-              <a:buChar char="•"/>
-            </a:pPr>
-            <a:r>
-              <a:rPr lang="en-US" sz="4200" dirty="0">
-                <a:solidFill>
-                  <a:srgbClr val="707070"/>
-                </a:solidFill>
-                <a:latin typeface="Pragmatica" panose="020B0403040502020204" pitchFamily="34" charset="0"/>
-              </a:rPr>
-              <a:t>Exercise folders with solutions for each section</a:t>
-            </a:r>
-          </a:p>
-        </p:txBody>
-      </p:sp>
-      <p:pic>
-        <p:nvPicPr>
-          <p:cNvPr id="15" name="Picture 14" descr="A close up of a sign&#10;&#10;Description automatically generated">
-            <a:extLst>
-              <a:ext uri="{FF2B5EF4-FFF2-40B4-BE49-F238E27FC236}">
-                <a16:creationId xmlns:a16="http://schemas.microsoft.com/office/drawing/2014/main" id="{29761B90-A7DE-4A60-A915-F085BD87CAB4}"/>
-              </a:ext>
-            </a:extLst>
-          </p:cNvPr>
-          <p:cNvPicPr>
-            <a:picLocks noChangeAspect="1"/>
-          </p:cNvPicPr>
-          <p:nvPr/>
-        </p:nvPicPr>
-        <p:blipFill>
-          <a:blip r:embed="rId2">
-            <a:extLst>
-              <a:ext uri="{28A0092B-C50C-407E-A947-70E740481C1C}">
-                <a14:useLocalDpi xmlns:a14="http://schemas.microsoft.com/office/drawing/2010/main" val="0"/>
-              </a:ext>
-            </a:extLst>
-          </a:blip>
-          <a:stretch>
-            <a:fillRect/>
-          </a:stretch>
-        </p:blipFill>
-        <p:spPr>
-          <a:xfrm>
-            <a:off x="16341036" y="8058429"/>
-            <a:ext cx="1942857" cy="2228571"/>
-          </a:xfrm>
-          <a:prstGeom prst="rect">
-            <a:avLst/>
-          </a:prstGeom>
-        </p:spPr>
-      </p:pic>
-    </p:spTree>
-    <p:extLst>
-      <p:ext uri="{BB962C8B-B14F-4D97-AF65-F5344CB8AC3E}">
-        <p14:creationId xmlns:p14="http://schemas.microsoft.com/office/powerpoint/2010/main" val="2731138700"/>
-      </p:ext>
-    </p:extLst>
-  </p:cSld>
-  <p:clrMapOvr>
-    <a:masterClrMapping/>
-  </p:clrMapOvr>
-</p:sld>
-</file>
-
-<file path=ppt/slides/slide5.xml><?xml version="1.0" encoding="utf-8"?>
-<p:sld xmlns:a="http://schemas.openxmlformats.org/drawingml/2006/main" xmlns:r="http://schemas.openxmlformats.org/officeDocument/2006/relationships" xmlns:p="http://schemas.openxmlformats.org/presentationml/2006/main">
-  <p:cSld>
-    <p:spTree>
-      <p:nvGrpSpPr>
-        <p:cNvPr id="1" name=""/>
-        <p:cNvGrpSpPr/>
-        <p:nvPr/>
-      </p:nvGrpSpPr>
-      <p:grpSpPr>
-        <a:xfrm>
-          <a:off x="0" y="0"/>
-          <a:ext cx="0" cy="0"/>
-          <a:chOff x="0" y="0"/>
-          <a:chExt cx="0" cy="0"/>
-        </a:xfrm>
-      </p:grpSpPr>
-      <p:sp>
-        <p:nvSpPr>
-          <p:cNvPr id="4" name="Rectangle 3"/>
-          <p:cNvSpPr/>
-          <p:nvPr/>
-        </p:nvSpPr>
-        <p:spPr>
-          <a:xfrm>
-            <a:off x="0" y="0"/>
-            <a:ext cx="18288000" cy="10287000"/>
-          </a:xfrm>
-          <a:prstGeom prst="rect">
-            <a:avLst/>
-          </a:prstGeom>
-          <a:solidFill>
-            <a:srgbClr val="CF3338"/>
-          </a:solidFill>
-          <a:ln>
-            <a:noFill/>
-          </a:ln>
-        </p:spPr>
-        <p:style>
-          <a:lnRef idx="2">
-            <a:schemeClr val="accent1">
-              <a:shade val="50000"/>
-            </a:schemeClr>
-          </a:lnRef>
-          <a:fillRef idx="1">
-            <a:schemeClr val="accent1"/>
-          </a:fillRef>
-          <a:effectRef idx="0">
-            <a:schemeClr val="accent1"/>
-          </a:effectRef>
-          <a:fontRef idx="minor">
-            <a:schemeClr val="lt1"/>
-          </a:fontRef>
-        </p:style>
-        <p:txBody>
-          <a:bodyPr rtlCol="0" anchor="ctr"/>
-          <a:lstStyle/>
-          <a:p>
-            <a:pPr algn="ctr"/>
-            <a:endParaRPr lang="en-US" sz="2700"/>
-          </a:p>
-        </p:txBody>
-      </p:sp>
-      <p:sp>
-        <p:nvSpPr>
-          <p:cNvPr id="5" name="TextBox 4"/>
-          <p:cNvSpPr txBox="1"/>
-          <p:nvPr/>
-        </p:nvSpPr>
-        <p:spPr>
-          <a:xfrm>
-            <a:off x="781292" y="590309"/>
-            <a:ext cx="15486926" cy="3139321"/>
-          </a:xfrm>
-          <a:prstGeom prst="rect">
-            <a:avLst/>
-          </a:prstGeom>
-          <a:noFill/>
-        </p:spPr>
-        <p:txBody>
-          <a:bodyPr wrap="square" rtlCol="0">
-            <a:spAutoFit/>
-          </a:bodyPr>
-          <a:lstStyle/>
-          <a:p>
-            <a:r>
-              <a:rPr lang="en-US" sz="9900" b="1" dirty="0">
-                <a:solidFill>
-                  <a:schemeClr val="bg1"/>
-                </a:solidFill>
-                <a:latin typeface="Normafixed Tryout" panose="00000409000000000000" pitchFamily="49" charset="0"/>
-              </a:rPr>
-              <a:t>1. Understanding the Python in Excel environment</a:t>
-            </a:r>
-          </a:p>
-        </p:txBody>
-      </p:sp>
-    </p:spTree>
-    <p:extLst>
-      <p:ext uri="{BB962C8B-B14F-4D97-AF65-F5344CB8AC3E}">
-        <p14:creationId xmlns:p14="http://schemas.microsoft.com/office/powerpoint/2010/main" val="3953945792"/>
-      </p:ext>
-    </p:extLst>
-  </p:cSld>
-  <p:clrMapOvr>
-    <a:masterClrMapping/>
-  </p:clrMapOvr>
-</p:sld>
-</file>
-
-<file path=ppt/slides/slide6.xml><?xml version="1.0" encoding="utf-8"?>
+<file path=ppt/slides/slide8.xml><?xml version="1.0" encoding="utf-8"?>
 <p:sld xmlns:a="http://schemas.openxmlformats.org/drawingml/2006/main" xmlns:r="http://schemas.openxmlformats.org/officeDocument/2006/relationships" xmlns:p="http://schemas.openxmlformats.org/presentationml/2006/main">
   <p:cSld>
     <p:spTree>
@@ -8424,7 +7449,7 @@
         <p:spPr>
           <a:xfrm>
             <a:off x="260431" y="329879"/>
-            <a:ext cx="8906720" cy="7258397"/>
+            <a:ext cx="8906720" cy="8027326"/>
           </a:xfrm>
           <a:prstGeom prst="rect">
             <a:avLst/>
@@ -8444,10 +7469,8 @@
                 </a:solidFill>
                 <a:latin typeface="Pragmatica" panose="020B0403040502020204" pitchFamily="34" charset="0"/>
               </a:rPr>
-              <a:t>Understanding the Python in Excel environment</a:t>
-            </a:r>
-          </a:p>
-          <a:p>
+              <a:t>From “that’s hard in Excel” to “that’s easy in Python”</a:t>
+            </a:r>
             <a:endParaRPr lang="en-US" sz="4200" dirty="0">
               <a:solidFill>
                 <a:srgbClr val="CF3338"/>
@@ -8478,7 +7501,7 @@
                 <a:latin typeface="Pragmatica" panose="020B0403040502020204"/>
                 <a:sym typeface="Consolas"/>
               </a:rPr>
-              <a:t>What packages are available and why?</a:t>
+              <a:t>Data profiling: What is the shape, size, completeness?</a:t>
             </a:r>
           </a:p>
           <a:p>
@@ -8504,7 +7527,7 @@
                 <a:latin typeface="Pragmatica" panose="020B0403040502020204"/>
                 <a:sym typeface="Consolas"/>
               </a:rPr>
-              <a:t>Loading Excel data into Python</a:t>
+              <a:t>Time series: pandas for panel data</a:t>
             </a:r>
           </a:p>
           <a:p>
@@ -8530,8 +7553,31 @@
                 <a:latin typeface="Pragmatica" panose="020B0403040502020204"/>
                 <a:sym typeface="Consolas"/>
               </a:rPr>
-              <a:t>Crossing between Python objects and Excel values</a:t>
-            </a:r>
+              <a:t>Visualizations: What are the distributions and relationships in this data?</a:t>
+            </a:r>
+          </a:p>
+          <a:p>
+            <a:pPr marL="685800" indent="-542925">
+              <a:lnSpc>
+                <a:spcPct val="115000"/>
+              </a:lnSpc>
+              <a:spcBef>
+                <a:spcPts val="1125"/>
+              </a:spcBef>
+              <a:buClr>
+                <a:srgbClr val="C00000"/>
+              </a:buClr>
+              <a:buSzPts val="2100"/>
+              <a:buFont typeface="Arial"/>
+              <a:buAutoNum type="arabicPeriod"/>
+            </a:pPr>
+            <a:endParaRPr lang="en-US" sz="3600" dirty="0">
+              <a:solidFill>
+                <a:srgbClr val="C00000"/>
+              </a:solidFill>
+              <a:latin typeface="Pragmatica" panose="020B0403040502020204"/>
+              <a:sym typeface="Consolas"/>
+            </a:endParaRPr>
           </a:p>
           <a:p>
             <a:pPr marL="142875">
@@ -8564,7 +7610,7 @@
                 <a:latin typeface="Consolas" panose="020B0609020204030204" pitchFamily="49" charset="0"/>
                 <a:sym typeface="Consolas"/>
               </a:rPr>
-              <a:t>pie-environment.xlsx</a:t>
+              <a:t>hard-excel-easy-python.xlsx</a:t>
             </a:r>
             <a:endParaRPr lang="en-US" sz="6000" dirty="0">
               <a:solidFill>
@@ -8586,7 +7632,7 @@
     </p:spTree>
     <p:extLst>
       <p:ext uri="{BB962C8B-B14F-4D97-AF65-F5344CB8AC3E}">
-        <p14:creationId xmlns:p14="http://schemas.microsoft.com/office/powerpoint/2010/main" val="3871531779"/>
+        <p14:creationId xmlns:p14="http://schemas.microsoft.com/office/powerpoint/2010/main" val="2505051360"/>
       </p:ext>
     </p:extLst>
   </p:cSld>
@@ -8596,7 +7642,7 @@
 </p:sld>
 </file>
 
-<file path=ppt/slides/slide7.xml><?xml version="1.0" encoding="utf-8"?>
+<file path=ppt/slides/slide9.xml><?xml version="1.0" encoding="utf-8"?>
 <p:sld xmlns:a="http://schemas.openxmlformats.org/drawingml/2006/main" xmlns:r="http://schemas.openxmlformats.org/officeDocument/2006/relationships" xmlns:p="http://schemas.openxmlformats.org/presentationml/2006/main">
   <p:cSld>
     <p:spTree>
@@ -8744,411 +7790,7 @@
     </p:spTree>
     <p:extLst>
       <p:ext uri="{BB962C8B-B14F-4D97-AF65-F5344CB8AC3E}">
-        <p14:creationId xmlns:p14="http://schemas.microsoft.com/office/powerpoint/2010/main" val="1689860732"/>
-      </p:ext>
-    </p:extLst>
-  </p:cSld>
-  <p:clrMapOvr>
-    <a:masterClrMapping/>
-  </p:clrMapOvr>
-</p:sld>
-</file>
-
-<file path=ppt/slides/slide8.xml><?xml version="1.0" encoding="utf-8"?>
-<p:sld xmlns:a="http://schemas.openxmlformats.org/drawingml/2006/main" xmlns:r="http://schemas.openxmlformats.org/officeDocument/2006/relationships" xmlns:p="http://schemas.openxmlformats.org/presentationml/2006/main">
-  <p:cSld>
-    <p:spTree>
-      <p:nvGrpSpPr>
-        <p:cNvPr id="1" name=""/>
-        <p:cNvGrpSpPr/>
-        <p:nvPr/>
-      </p:nvGrpSpPr>
-      <p:grpSpPr>
-        <a:xfrm>
-          <a:off x="0" y="0"/>
-          <a:ext cx="0" cy="0"/>
-          <a:chOff x="0" y="0"/>
-          <a:chExt cx="0" cy="0"/>
-        </a:xfrm>
-      </p:grpSpPr>
-      <p:sp>
-        <p:nvSpPr>
-          <p:cNvPr id="4" name="Rectangle 3"/>
-          <p:cNvSpPr/>
-          <p:nvPr/>
-        </p:nvSpPr>
-        <p:spPr>
-          <a:xfrm>
-            <a:off x="0" y="0"/>
-            <a:ext cx="18288000" cy="10287000"/>
-          </a:xfrm>
-          <a:prstGeom prst="rect">
-            <a:avLst/>
-          </a:prstGeom>
-          <a:solidFill>
-            <a:srgbClr val="CF3338"/>
-          </a:solidFill>
-          <a:ln>
-            <a:noFill/>
-          </a:ln>
-        </p:spPr>
-        <p:style>
-          <a:lnRef idx="2">
-            <a:schemeClr val="accent1">
-              <a:shade val="50000"/>
-            </a:schemeClr>
-          </a:lnRef>
-          <a:fillRef idx="1">
-            <a:schemeClr val="accent1"/>
-          </a:fillRef>
-          <a:effectRef idx="0">
-            <a:schemeClr val="accent1"/>
-          </a:effectRef>
-          <a:fontRef idx="minor">
-            <a:schemeClr val="lt1"/>
-          </a:fontRef>
-        </p:style>
-        <p:txBody>
-          <a:bodyPr rtlCol="0" anchor="ctr"/>
-          <a:lstStyle/>
-          <a:p>
-            <a:pPr algn="ctr"/>
-            <a:endParaRPr lang="en-US" sz="2700"/>
-          </a:p>
-        </p:txBody>
-      </p:sp>
-      <p:sp>
-        <p:nvSpPr>
-          <p:cNvPr id="5" name="TextBox 4"/>
-          <p:cNvSpPr txBox="1"/>
-          <p:nvPr/>
-        </p:nvSpPr>
-        <p:spPr>
-          <a:xfrm>
-            <a:off x="781292" y="590309"/>
-            <a:ext cx="15486926" cy="3139321"/>
-          </a:xfrm>
-          <a:prstGeom prst="rect">
-            <a:avLst/>
-          </a:prstGeom>
-          <a:noFill/>
-        </p:spPr>
-        <p:txBody>
-          <a:bodyPr wrap="square" rtlCol="0">
-            <a:spAutoFit/>
-          </a:bodyPr>
-          <a:lstStyle/>
-          <a:p>
-            <a:r>
-              <a:rPr lang="en-US" sz="9900" b="1" dirty="0">
-                <a:solidFill>
-                  <a:schemeClr val="bg1"/>
-                </a:solidFill>
-                <a:latin typeface="Normafixed Tryout" panose="00000409000000000000" pitchFamily="49" charset="0"/>
-              </a:rPr>
-              <a:t>2. From “that’s hard in Excel” to “that’s easy in Python”</a:t>
-            </a:r>
-          </a:p>
-        </p:txBody>
-      </p:sp>
-    </p:spTree>
-    <p:extLst>
-      <p:ext uri="{BB962C8B-B14F-4D97-AF65-F5344CB8AC3E}">
-        <p14:creationId xmlns:p14="http://schemas.microsoft.com/office/powerpoint/2010/main" val="2491588467"/>
-      </p:ext>
-    </p:extLst>
-  </p:cSld>
-  <p:clrMapOvr>
-    <a:masterClrMapping/>
-  </p:clrMapOvr>
-</p:sld>
-</file>
-
-<file path=ppt/slides/slide9.xml><?xml version="1.0" encoding="utf-8"?>
-<p:sld xmlns:a="http://schemas.openxmlformats.org/drawingml/2006/main" xmlns:r="http://schemas.openxmlformats.org/officeDocument/2006/relationships" xmlns:p="http://schemas.openxmlformats.org/presentationml/2006/main">
-  <p:cSld>
-    <p:spTree>
-      <p:nvGrpSpPr>
-        <p:cNvPr id="1" name=""/>
-        <p:cNvGrpSpPr/>
-        <p:nvPr/>
-      </p:nvGrpSpPr>
-      <p:grpSpPr>
-        <a:xfrm>
-          <a:off x="0" y="0"/>
-          <a:ext cx="0" cy="0"/>
-          <a:chOff x="0" y="0"/>
-          <a:chExt cx="0" cy="0"/>
-        </a:xfrm>
-      </p:grpSpPr>
-      <p:sp>
-        <p:nvSpPr>
-          <p:cNvPr id="4" name="Rectangle 3"/>
-          <p:cNvSpPr/>
-          <p:nvPr/>
-        </p:nvSpPr>
-        <p:spPr>
-          <a:xfrm>
-            <a:off x="9861630" y="0"/>
-            <a:ext cx="8426370" cy="10287000"/>
-          </a:xfrm>
-          <a:prstGeom prst="rect">
-            <a:avLst/>
-          </a:prstGeom>
-          <a:solidFill>
-            <a:srgbClr val="CF3338"/>
-          </a:solidFill>
-          <a:ln>
-            <a:noFill/>
-          </a:ln>
-        </p:spPr>
-        <p:style>
-          <a:lnRef idx="2">
-            <a:schemeClr val="accent1">
-              <a:shade val="50000"/>
-            </a:schemeClr>
-          </a:lnRef>
-          <a:fillRef idx="1">
-            <a:schemeClr val="accent1"/>
-          </a:fillRef>
-          <a:effectRef idx="0">
-            <a:schemeClr val="accent1"/>
-          </a:effectRef>
-          <a:fontRef idx="minor">
-            <a:schemeClr val="lt1"/>
-          </a:fontRef>
-        </p:style>
-        <p:txBody>
-          <a:bodyPr rtlCol="0" anchor="ctr"/>
-          <a:lstStyle/>
-          <a:p>
-            <a:pPr algn="ctr"/>
-            <a:endParaRPr lang="en-US" sz="2700"/>
-          </a:p>
-        </p:txBody>
-      </p:sp>
-      <p:pic>
-        <p:nvPicPr>
-          <p:cNvPr id="2" name="Picture 1"/>
-          <p:cNvPicPr>
-            <a:picLocks noChangeAspect="1"/>
-          </p:cNvPicPr>
-          <p:nvPr/>
-        </p:nvPicPr>
-        <p:blipFill rotWithShape="1">
-          <a:blip r:embed="rId3">
-            <a:extLst>
-              <a:ext uri="{28A0092B-C50C-407E-A947-70E740481C1C}">
-                <a14:useLocalDpi xmlns:a14="http://schemas.microsoft.com/office/drawing/2010/main" val="0"/>
-              </a:ext>
-            </a:extLst>
-          </a:blip>
-          <a:srcRect l="69227" t="33418" r="20112" b="50548"/>
-          <a:stretch/>
-        </p:blipFill>
-        <p:spPr>
-          <a:xfrm>
-            <a:off x="15579524" y="7544693"/>
-            <a:ext cx="2708477" cy="2987579"/>
-          </a:xfrm>
-          <a:prstGeom prst="rect">
-            <a:avLst/>
-          </a:prstGeom>
-        </p:spPr>
-      </p:pic>
-      <p:sp>
-        <p:nvSpPr>
-          <p:cNvPr id="3" name="TextBox 2"/>
-          <p:cNvSpPr txBox="1"/>
-          <p:nvPr/>
-        </p:nvSpPr>
-        <p:spPr>
-          <a:xfrm>
-            <a:off x="260431" y="329879"/>
-            <a:ext cx="8906720" cy="8027326"/>
-          </a:xfrm>
-          <a:prstGeom prst="rect">
-            <a:avLst/>
-          </a:prstGeom>
-          <a:noFill/>
-        </p:spPr>
-        <p:txBody>
-          <a:bodyPr wrap="square" rtlCol="0">
-            <a:spAutoFit/>
-          </a:bodyPr>
-          <a:lstStyle/>
-          <a:p>
-            <a:r>
-              <a:rPr lang="en-US" sz="6000" b="1" dirty="0">
-                <a:solidFill>
-                  <a:srgbClr val="CF3338"/>
-                </a:solidFill>
-                <a:latin typeface="Pragmatica" panose="020B0403040502020204" pitchFamily="34" charset="0"/>
-              </a:rPr>
-              <a:t>From “that’s hard in Excel” to “that’s easy in Python”</a:t>
-            </a:r>
-            <a:endParaRPr lang="en-US" sz="4200" dirty="0">
-              <a:solidFill>
-                <a:srgbClr val="CF3338"/>
-              </a:solidFill>
-              <a:latin typeface="Pragmatica" panose="020B0403040502020204" pitchFamily="34" charset="0"/>
-            </a:endParaRPr>
-          </a:p>
-          <a:p>
-            <a:pPr marL="685800" indent="-542925">
-              <a:lnSpc>
-                <a:spcPct val="115000"/>
-              </a:lnSpc>
-              <a:spcBef>
-                <a:spcPts val="1125"/>
-              </a:spcBef>
-              <a:buClr>
-                <a:srgbClr val="C00000"/>
-              </a:buClr>
-              <a:buSzPts val="2100"/>
-              <a:buFont typeface="Arial"/>
-              <a:buAutoNum type="arabicPeriod"/>
-            </a:pPr>
-            <a:r>
-              <a:rPr lang="en-US" sz="3600" dirty="0">
-                <a:solidFill>
-                  <a:srgbClr val="C00000"/>
-                </a:solidFill>
-                <a:latin typeface="Pragmatica" panose="020B0403040502020204"/>
-                <a:sym typeface="Consolas"/>
-              </a:rPr>
-              <a:t>Data profiling: What is the shape, size, completeness?</a:t>
-            </a:r>
-          </a:p>
-          <a:p>
-            <a:pPr marL="685800" indent="-542925">
-              <a:lnSpc>
-                <a:spcPct val="115000"/>
-              </a:lnSpc>
-              <a:spcBef>
-                <a:spcPts val="1125"/>
-              </a:spcBef>
-              <a:buClr>
-                <a:srgbClr val="C00000"/>
-              </a:buClr>
-              <a:buSzPts val="2100"/>
-              <a:buFont typeface="Arial"/>
-              <a:buAutoNum type="arabicPeriod"/>
-            </a:pPr>
-            <a:r>
-              <a:rPr lang="en-US" sz="3600" dirty="0">
-                <a:solidFill>
-                  <a:srgbClr val="C00000"/>
-                </a:solidFill>
-                <a:latin typeface="Pragmatica" panose="020B0403040502020204"/>
-                <a:sym typeface="Consolas"/>
-              </a:rPr>
-              <a:t>Time series: pandas for panel data</a:t>
-            </a:r>
-          </a:p>
-          <a:p>
-            <a:pPr marL="685800" indent="-542925">
-              <a:lnSpc>
-                <a:spcPct val="115000"/>
-              </a:lnSpc>
-              <a:spcBef>
-                <a:spcPts val="1125"/>
-              </a:spcBef>
-              <a:buClr>
-                <a:srgbClr val="C00000"/>
-              </a:buClr>
-              <a:buSzPts val="2100"/>
-              <a:buFont typeface="Arial"/>
-              <a:buAutoNum type="arabicPeriod"/>
-            </a:pPr>
-            <a:r>
-              <a:rPr lang="en-US" sz="3600" dirty="0">
-                <a:solidFill>
-                  <a:srgbClr val="C00000"/>
-                </a:solidFill>
-                <a:latin typeface="Pragmatica" panose="020B0403040502020204"/>
-                <a:sym typeface="Consolas"/>
-              </a:rPr>
-              <a:t>Visualizations: What are the distributions and relationships in this data?</a:t>
-            </a:r>
-          </a:p>
-          <a:p>
-            <a:pPr marL="685800" indent="-542925">
-              <a:lnSpc>
-                <a:spcPct val="115000"/>
-              </a:lnSpc>
-              <a:spcBef>
-                <a:spcPts val="1125"/>
-              </a:spcBef>
-              <a:buClr>
-                <a:srgbClr val="C00000"/>
-              </a:buClr>
-              <a:buSzPts val="2100"/>
-              <a:buFont typeface="Arial"/>
-              <a:buAutoNum type="arabicPeriod"/>
-            </a:pPr>
-            <a:endParaRPr lang="en-US" sz="3600" dirty="0">
-              <a:solidFill>
-                <a:srgbClr val="C00000"/>
-              </a:solidFill>
-              <a:latin typeface="Pragmatica" panose="020B0403040502020204"/>
-              <a:sym typeface="Consolas"/>
-            </a:endParaRPr>
-          </a:p>
-          <a:p>
-            <a:pPr marL="142875">
-              <a:lnSpc>
-                <a:spcPct val="115000"/>
-              </a:lnSpc>
-              <a:spcBef>
-                <a:spcPts val="1125"/>
-              </a:spcBef>
-              <a:buClr>
-                <a:srgbClr val="C00000"/>
-              </a:buClr>
-              <a:buSzPts val="2100"/>
-            </a:pPr>
-            <a:r>
-              <a:rPr lang="en-US" sz="3600" dirty="0">
-                <a:solidFill>
-                  <a:srgbClr val="C00000"/>
-                </a:solidFill>
-                <a:latin typeface="Pragmatica" panose="020B0403040502020204"/>
-                <a:sym typeface="Consolas"/>
-              </a:rPr>
-              <a:t>File: </a:t>
-            </a:r>
-            <a:r>
-              <a:rPr lang="en-US" sz="3600" dirty="0">
-                <a:solidFill>
-                  <a:srgbClr val="C00000"/>
-                </a:solidFill>
-                <a:latin typeface="Consolas" panose="020B0609020204030204" pitchFamily="49" charset="0"/>
-                <a:sym typeface="Consolas"/>
-              </a:rPr>
-              <a:t>hard-excel-easy-python.xlsx</a:t>
-            </a:r>
-            <a:endParaRPr lang="en-US" sz="6000" dirty="0">
-              <a:solidFill>
-                <a:srgbClr val="CF3338"/>
-              </a:solidFill>
-              <a:latin typeface="Consolas" panose="020B0609020204030204" pitchFamily="49" charset="0"/>
-            </a:endParaRPr>
-          </a:p>
-          <a:p>
-            <a:endParaRPr lang="en-US" sz="6000" dirty="0">
-              <a:solidFill>
-                <a:srgbClr val="CF3338"/>
-              </a:solidFill>
-              <a:latin typeface="Pragmatica" panose="020B0403040502020204" pitchFamily="34" charset="0"/>
-            </a:endParaRPr>
-          </a:p>
-        </p:txBody>
-      </p:sp>
-    </p:spTree>
-    <p:extLst>
-      <p:ext uri="{BB962C8B-B14F-4D97-AF65-F5344CB8AC3E}">
-        <p14:creationId xmlns:p14="http://schemas.microsoft.com/office/powerpoint/2010/main" val="2505051360"/>
+        <p14:creationId xmlns:p14="http://schemas.microsoft.com/office/powerpoint/2010/main" val="2899625024"/>
       </p:ext>
     </p:extLst>
   </p:cSld>
